--- a/slides/xx_more_AI.pptx
+++ b/slides/xx_more_AI.pptx
@@ -5,15 +5,14 @@
     <p:sldMasterId id="2147483678" r:id="rId1"/>
   </p:sldMasterIdLst>
   <p:notesMasterIdLst>
-    <p:notesMasterId r:id="rId8"/>
+    <p:notesMasterId r:id="rId7"/>
   </p:notesMasterIdLst>
   <p:sldIdLst>
     <p:sldId id="257" r:id="rId2"/>
-    <p:sldId id="262" r:id="rId3"/>
-    <p:sldId id="261" r:id="rId4"/>
-    <p:sldId id="259" r:id="rId5"/>
-    <p:sldId id="260" r:id="rId6"/>
-    <p:sldId id="258" r:id="rId7"/>
+    <p:sldId id="261" r:id="rId3"/>
+    <p:sldId id="259" r:id="rId4"/>
+    <p:sldId id="260" r:id="rId5"/>
+    <p:sldId id="258" r:id="rId6"/>
   </p:sldIdLst>
   <p:sldSz cx="9144000" cy="6858000" type="screen4x3"/>
   <p:notesSz cx="7315200" cy="9601200"/>
@@ -3609,7 +3608,7 @@
           <a:p>
             <a:fld id="{FDB68C03-DCF9-4B87-BBF6-8F2088376604}" type="datetimeFigureOut">
               <a:rPr lang="en-US" smtClean="0"/>
-              <a:t>3/3/2022</a:t>
+              <a:t>11/30/2023</a:t>
             </a:fld>
             <a:endParaRPr lang="en-US"/>
           </a:p>
@@ -4459,7 +4458,7 @@
           <a:p>
             <a:fld id="{FDB68C03-DCF9-4B87-BBF6-8F2088376604}" type="datetimeFigureOut">
               <a:rPr lang="en-US" smtClean="0"/>
-              <a:t>3/3/2022</a:t>
+              <a:t>11/30/2023</a:t>
             </a:fld>
             <a:endParaRPr lang="en-US"/>
           </a:p>
@@ -4740,7 +4739,7 @@
           <a:p>
             <a:fld id="{FDB68C03-DCF9-4B87-BBF6-8F2088376604}" type="datetimeFigureOut">
               <a:rPr lang="en-US" smtClean="0"/>
-              <a:t>3/3/2022</a:t>
+              <a:t>11/30/2023</a:t>
             </a:fld>
             <a:endParaRPr lang="en-US"/>
           </a:p>
@@ -7424,385 +7423,6 @@
           <p:cNvPr id="2" name="Title 1">
             <a:extLst>
               <a:ext uri="{FF2B5EF4-FFF2-40B4-BE49-F238E27FC236}">
-                <a16:creationId xmlns:a16="http://schemas.microsoft.com/office/drawing/2014/main" id="{B6BFF8C7-5A28-4539-B786-30BE1C6F3B32}"/>
-              </a:ext>
-            </a:extLst>
-          </p:cNvPr>
-          <p:cNvSpPr>
-            <a:spLocks noGrp="1"/>
-          </p:cNvSpPr>
-          <p:nvPr>
-            <p:ph type="title"/>
-          </p:nvPr>
-        </p:nvSpPr>
-        <p:spPr/>
-        <p:txBody>
-          <a:bodyPr/>
-          <a:lstStyle/>
-          <a:p>
-            <a:r>
-              <a:rPr lang="en-US" dirty="0"/>
-              <a:t>Learn Heuristics from Data</a:t>
-            </a:r>
-          </a:p>
-        </p:txBody>
-      </p:sp>
-      <mc:AlternateContent xmlns:mc="http://schemas.openxmlformats.org/markup-compatibility/2006">
-        <mc:Choice xmlns:a14="http://schemas.microsoft.com/office/drawing/2010/main" Requires="a14">
-          <p:sp>
-            <p:nvSpPr>
-              <p:cNvPr id="3" name="Content Placeholder 2">
-                <a:extLst>
-                  <a:ext uri="{FF2B5EF4-FFF2-40B4-BE49-F238E27FC236}">
-                    <a16:creationId xmlns:a16="http://schemas.microsoft.com/office/drawing/2014/main" id="{2DF86EF2-F885-45E6-8801-7CC5D26667F3}"/>
-                  </a:ext>
-                </a:extLst>
-              </p:cNvPr>
-              <p:cNvSpPr>
-                <a:spLocks noGrp="1"/>
-              </p:cNvSpPr>
-              <p:nvPr>
-                <p:ph idx="1"/>
-              </p:nvPr>
-            </p:nvSpPr>
-            <p:spPr/>
-            <p:txBody>
-              <a:bodyPr>
-                <a:normAutofit lnSpcReduction="10000"/>
-              </a:bodyPr>
-              <a:lstStyle/>
-              <a:p>
-                <a:r>
-                  <a:rPr lang="en-US" dirty="0"/>
-                  <a:t>Assume we do not know the environment so we cannot specify a heuristic by using a relaxation or a subproblem.</a:t>
-                </a:r>
-              </a:p>
-              <a:p>
-                <a:endParaRPr lang="en-US" dirty="0"/>
-              </a:p>
-              <a:p>
-                <a:r>
-                  <a:rPr lang="en-US" dirty="0"/>
-                  <a:t>Assume we have observations of the form: </a:t>
-                </a:r>
-                <a:br>
-                  <a:rPr lang="en-US" dirty="0"/>
-                </a:br>
-                <a:r>
-                  <a:rPr lang="en-US" dirty="0"/>
-                  <a:t>	In state </a:t>
-                </a:r>
-                <a14:m>
-                  <m:oMath xmlns:m="http://schemas.openxmlformats.org/officeDocument/2006/math">
-                    <m:sSub>
-                      <m:sSubPr>
-                        <m:ctrlPr>
-                          <a:rPr lang="en-US" b="0" i="1" dirty="0" smtClean="0">
-                            <a:latin typeface="Cambria Math" panose="02040503050406030204" pitchFamily="18" charset="0"/>
-                          </a:rPr>
-                        </m:ctrlPr>
-                      </m:sSubPr>
-                      <m:e>
-                        <m:r>
-                          <a:rPr lang="en-US" i="1" dirty="0" smtClean="0">
-                            <a:latin typeface="Cambria Math" panose="02040503050406030204" pitchFamily="18" charset="0"/>
-                          </a:rPr>
-                          <m:t>𝑠</m:t>
-                        </m:r>
-                      </m:e>
-                      <m:sub>
-                        <m:r>
-                          <a:rPr lang="en-US" b="0" i="1" dirty="0" smtClean="0">
-                            <a:latin typeface="Cambria Math" panose="02040503050406030204" pitchFamily="18" charset="0"/>
-                          </a:rPr>
-                          <m:t>1</m:t>
-                        </m:r>
-                      </m:sub>
-                    </m:sSub>
-                  </m:oMath>
-                </a14:m>
-                <a:r>
-                  <a:rPr lang="en-US" dirty="0"/>
-                  <a:t> the path to the goal had a length of </a:t>
-                </a:r>
-                <a14:m>
-                  <m:oMath xmlns:m="http://schemas.openxmlformats.org/officeDocument/2006/math">
-                    <m:r>
-                      <a:rPr lang="en-US" b="0" i="1" smtClean="0">
-                        <a:latin typeface="Cambria Math" panose="02040503050406030204" pitchFamily="18" charset="0"/>
-                      </a:rPr>
-                      <m:t>𝑙</m:t>
-                    </m:r>
-                  </m:oMath>
-                </a14:m>
-                <a:br>
-                  <a:rPr lang="en-US" dirty="0"/>
-                </a:br>
-                <a:r>
-                  <a:rPr lang="en-US" dirty="0"/>
-                  <a:t>	In state …</a:t>
-                </a:r>
-              </a:p>
-              <a:p>
-                <a:endParaRPr lang="en-US" dirty="0"/>
-              </a:p>
-              <a:p>
-                <a:r>
-                  <a:rPr lang="en-US" dirty="0"/>
-                  <a:t>We can </a:t>
-                </a:r>
-                <a:r>
-                  <a:rPr lang="en-US" b="1" dirty="0">
-                    <a:solidFill>
-                      <a:srgbClr val="FF0000"/>
-                    </a:solidFill>
-                  </a:rPr>
-                  <a:t>learn</a:t>
-                </a:r>
-                <a:r>
-                  <a:rPr lang="en-US" dirty="0"/>
-                  <a:t> a from the data a function </a:t>
-                </a:r>
-                <a:br>
-                  <a:rPr lang="en-US" dirty="0"/>
-                </a:br>
-                <a:br>
-                  <a:rPr lang="en-US" dirty="0"/>
-                </a:br>
-                <a:r>
-                  <a:rPr lang="en-US" dirty="0"/>
-                  <a:t>				</a:t>
-                </a:r>
-                <a14:m>
-                  <m:oMath xmlns:m="http://schemas.openxmlformats.org/officeDocument/2006/math">
-                    <m:r>
-                      <a:rPr lang="en-US" b="0" i="1" smtClean="0">
-                        <a:latin typeface="Cambria Math" panose="02040503050406030204" pitchFamily="18" charset="0"/>
-                      </a:rPr>
-                      <m:t>h</m:t>
-                    </m:r>
-                    <m:d>
-                      <m:dPr>
-                        <m:ctrlPr>
-                          <a:rPr lang="en-US" b="0" i="1" smtClean="0">
-                            <a:latin typeface="Cambria Math" panose="02040503050406030204" pitchFamily="18" charset="0"/>
-                          </a:rPr>
-                        </m:ctrlPr>
-                      </m:dPr>
-                      <m:e>
-                        <m:r>
-                          <a:rPr lang="en-US" b="0" i="1" smtClean="0">
-                            <a:latin typeface="Cambria Math" panose="02040503050406030204" pitchFamily="18" charset="0"/>
-                          </a:rPr>
-                          <m:t>𝑠</m:t>
-                        </m:r>
-                      </m:e>
-                    </m:d>
-                    <m:r>
-                      <a:rPr lang="en-US" b="0" i="1" smtClean="0">
-                        <a:latin typeface="Cambria Math" panose="02040503050406030204" pitchFamily="18" charset="0"/>
-                      </a:rPr>
-                      <m:t>=</m:t>
-                    </m:r>
-                    <m:r>
-                      <a:rPr lang="en-US" b="0" i="1" smtClean="0">
-                        <a:latin typeface="Cambria Math" panose="02040503050406030204" pitchFamily="18" charset="0"/>
-                      </a:rPr>
-                      <m:t>𝑓</m:t>
-                    </m:r>
-                    <m:r>
-                      <a:rPr lang="en-US" b="0" i="0" smtClean="0">
-                        <a:latin typeface="Cambria Math" panose="02040503050406030204" pitchFamily="18" charset="0"/>
-                      </a:rPr>
-                      <m:t>(</m:t>
-                    </m:r>
-                    <m:r>
-                      <m:rPr>
-                        <m:sty m:val="p"/>
-                      </m:rPr>
-                      <a:rPr lang="en-US" b="0" i="0" smtClean="0">
-                        <a:latin typeface="Cambria Math" panose="02040503050406030204" pitchFamily="18" charset="0"/>
-                      </a:rPr>
-                      <m:t>s</m:t>
-                    </m:r>
-                    <m:r>
-                      <a:rPr lang="en-US" b="0" i="1" smtClean="0">
-                        <a:latin typeface="Cambria Math" panose="02040503050406030204" pitchFamily="18" charset="0"/>
-                      </a:rPr>
-                      <m:t>;</m:t>
-                    </m:r>
-                    <m:r>
-                      <a:rPr lang="en-US" b="0" i="1" smtClean="0">
-                        <a:latin typeface="Cambria Math" panose="02040503050406030204" pitchFamily="18" charset="0"/>
-                      </a:rPr>
-                      <m:t>𝜃</m:t>
-                    </m:r>
-                    <m:r>
-                      <a:rPr lang="en-US" b="0" i="0" smtClean="0">
-                        <a:latin typeface="Cambria Math" panose="02040503050406030204" pitchFamily="18" charset="0"/>
-                      </a:rPr>
-                      <m:t>)</m:t>
-                    </m:r>
-                  </m:oMath>
-                </a14:m>
-                <a:r>
-                  <a:rPr lang="en-US" b="0" dirty="0"/>
-                  <a:t> </a:t>
-                </a:r>
-                <a:endParaRPr lang="en-US" dirty="0"/>
-              </a:p>
-              <a:p>
-                <a:endParaRPr lang="en-US" b="0" dirty="0"/>
-              </a:p>
-              <a:p>
-                <a:r>
-                  <a:rPr lang="en-US" b="0" dirty="0"/>
-                  <a:t>The function </a:t>
-                </a:r>
-                <a14:m>
-                  <m:oMath xmlns:m="http://schemas.openxmlformats.org/officeDocument/2006/math">
-                    <m:r>
-                      <a:rPr lang="en-US" b="0" i="1" smtClean="0">
-                        <a:latin typeface="Cambria Math" panose="02040503050406030204" pitchFamily="18" charset="0"/>
-                      </a:rPr>
-                      <m:t>𝑓</m:t>
-                    </m:r>
-                    <m:r>
-                      <a:rPr lang="en-US" b="0" i="0" smtClean="0">
-                        <a:latin typeface="Cambria Math" panose="02040503050406030204" pitchFamily="18" charset="0"/>
-                      </a:rPr>
-                      <m:t>(</m:t>
-                    </m:r>
-                    <m:r>
-                      <m:rPr>
-                        <m:sty m:val="p"/>
-                      </m:rPr>
-                      <a:rPr lang="en-US" b="0" i="0" smtClean="0">
-                        <a:latin typeface="Cambria Math" panose="02040503050406030204" pitchFamily="18" charset="0"/>
-                      </a:rPr>
-                      <m:t>s</m:t>
-                    </m:r>
-                    <m:r>
-                      <a:rPr lang="en-US" b="0" i="1" smtClean="0">
-                        <a:latin typeface="Cambria Math" panose="02040503050406030204" pitchFamily="18" charset="0"/>
-                      </a:rPr>
-                      <m:t>;</m:t>
-                    </m:r>
-                    <m:r>
-                      <a:rPr lang="en-US" b="0" i="1" smtClean="0">
-                        <a:latin typeface="Cambria Math" panose="02040503050406030204" pitchFamily="18" charset="0"/>
-                      </a:rPr>
-                      <m:t>𝜃</m:t>
-                    </m:r>
-                    <m:r>
-                      <a:rPr lang="en-US" b="0" i="0" smtClean="0">
-                        <a:latin typeface="Cambria Math" panose="02040503050406030204" pitchFamily="18" charset="0"/>
-                      </a:rPr>
-                      <m:t>)</m:t>
-                    </m:r>
-                  </m:oMath>
-                </a14:m>
-                <a:r>
-                  <a:rPr lang="en-US" b="0" dirty="0"/>
-                  <a:t> </a:t>
-                </a:r>
-                <a:r>
-                  <a:rPr lang="en-US" dirty="0"/>
-                  <a:t>has the parameters </a:t>
-                </a:r>
-                <a14:m>
-                  <m:oMath xmlns:m="http://schemas.openxmlformats.org/officeDocument/2006/math">
-                    <m:r>
-                      <a:rPr lang="en-US" i="1">
-                        <a:latin typeface="Cambria Math" panose="02040503050406030204" pitchFamily="18" charset="0"/>
-                      </a:rPr>
-                      <m:t>𝜃</m:t>
-                    </m:r>
-                  </m:oMath>
-                </a14:m>
-                <a:r>
-                  <a:rPr lang="en-US" dirty="0"/>
-                  <a:t> that we need to learn from data. The function can be represented as a neural net, a SVM, a decision tree,…</a:t>
-                </a:r>
-              </a:p>
-            </p:txBody>
-          </p:sp>
-        </mc:Choice>
-        <mc:Fallback>
-          <p:sp>
-            <p:nvSpPr>
-              <p:cNvPr id="3" name="Content Placeholder 2">
-                <a:extLst>
-                  <a:ext uri="{FF2B5EF4-FFF2-40B4-BE49-F238E27FC236}">
-                    <a16:creationId xmlns:a16="http://schemas.microsoft.com/office/drawing/2014/main" id="{2DF86EF2-F885-45E6-8801-7CC5D26667F3}"/>
-                  </a:ext>
-                </a:extLst>
-              </p:cNvPr>
-              <p:cNvSpPr>
-                <a:spLocks noGrp="1" noRot="1" noChangeAspect="1" noMove="1" noResize="1" noEditPoints="1" noAdjustHandles="1" noChangeArrowheads="1" noChangeShapeType="1" noTextEdit="1"/>
-              </p:cNvSpPr>
-              <p:nvPr>
-                <p:ph idx="1"/>
-              </p:nvPr>
-            </p:nvSpPr>
-            <p:spPr>
-              <a:blipFill>
-                <a:blip r:embed="rId2"/>
-                <a:stretch>
-                  <a:fillRect l="-773" t="-2101" r="-309" b="-1541"/>
-                </a:stretch>
-              </a:blipFill>
-            </p:spPr>
-            <p:txBody>
-              <a:bodyPr/>
-              <a:lstStyle/>
-              <a:p>
-                <a:r>
-                  <a:rPr lang="en-US">
-                    <a:noFill/>
-                  </a:rPr>
-                  <a:t> </a:t>
-                </a:r>
-              </a:p>
-            </p:txBody>
-          </p:sp>
-        </mc:Fallback>
-      </mc:AlternateContent>
-    </p:spTree>
-    <p:extLst>
-      <p:ext uri="{BB962C8B-B14F-4D97-AF65-F5344CB8AC3E}">
-        <p14:creationId xmlns:p14="http://schemas.microsoft.com/office/powerpoint/2010/main" val="1712039726"/>
-      </p:ext>
-    </p:extLst>
-  </p:cSld>
-  <p:clrMapOvr>
-    <a:masterClrMapping/>
-  </p:clrMapOvr>
-</p:sld>
-</file>
-
-<file path=ppt/slides/slide3.xml><?xml version="1.0" encoding="utf-8"?>
-<p:sld xmlns:a="http://schemas.openxmlformats.org/drawingml/2006/main" xmlns:r="http://schemas.openxmlformats.org/officeDocument/2006/relationships" xmlns:p="http://schemas.openxmlformats.org/presentationml/2006/main">
-  <p:cSld>
-    <p:spTree>
-      <p:nvGrpSpPr>
-        <p:cNvPr id="1" name=""/>
-        <p:cNvGrpSpPr/>
-        <p:nvPr/>
-      </p:nvGrpSpPr>
-      <p:grpSpPr>
-        <a:xfrm>
-          <a:off x="0" y="0"/>
-          <a:ext cx="0" cy="0"/>
-          <a:chOff x="0" y="0"/>
-          <a:chExt cx="0" cy="0"/>
-        </a:xfrm>
-      </p:grpSpPr>
-      <p:sp>
-        <p:nvSpPr>
-          <p:cNvPr id="2" name="Title 1">
-            <a:extLst>
-              <a:ext uri="{FF2B5EF4-FFF2-40B4-BE49-F238E27FC236}">
                 <a16:creationId xmlns:a16="http://schemas.microsoft.com/office/drawing/2014/main" id="{6BD09A9E-10DE-4FE2-9BE8-DC313C73CF82}"/>
               </a:ext>
             </a:extLst>
@@ -7826,8 +7446,8 @@
           </a:p>
         </p:txBody>
       </p:sp>
-      <mc:AlternateContent xmlns:mc="http://schemas.openxmlformats.org/markup-compatibility/2006">
-        <mc:Choice xmlns:a14="http://schemas.microsoft.com/office/drawing/2010/main" Requires="a14">
+      <mc:AlternateContent xmlns:mc="http://schemas.openxmlformats.org/markup-compatibility/2006" xmlns:a14="http://schemas.microsoft.com/office/drawing/2010/main">
+        <mc:Choice Requires="a14">
           <p:sp>
             <p:nvSpPr>
               <p:cNvPr id="3" name="Content Placeholder 2">
@@ -8255,7 +7875,7 @@
             </p:txBody>
           </p:sp>
         </mc:Choice>
-        <mc:Fallback>
+        <mc:Fallback xmlns="">
           <p:sp>
             <p:nvSpPr>
               <p:cNvPr id="3" name="Content Placeholder 2">
@@ -8442,8 +8062,8 @@
           </a:p>
         </p:txBody>
       </p:sp>
-      <mc:AlternateContent xmlns:mc="http://schemas.openxmlformats.org/markup-compatibility/2006">
-        <mc:Choice xmlns:a14="http://schemas.microsoft.com/office/drawing/2010/main" Requires="a14">
+      <mc:AlternateContent xmlns:mc="http://schemas.openxmlformats.org/markup-compatibility/2006" xmlns:a14="http://schemas.microsoft.com/office/drawing/2010/main">
+        <mc:Choice Requires="a14">
           <p:sp>
             <p:nvSpPr>
               <p:cNvPr id="8" name="TextBox 7">
@@ -8557,7 +8177,7 @@
             </p:txBody>
           </p:sp>
         </mc:Choice>
-        <mc:Fallback>
+        <mc:Fallback xmlns="">
           <p:sp>
             <p:nvSpPr>
               <p:cNvPr id="8" name="TextBox 7">
@@ -8738,7 +8358,7 @@
 </p:sld>
 </file>
 
-<file path=ppt/slides/slide4.xml><?xml version="1.0" encoding="utf-8"?>
+<file path=ppt/slides/slide3.xml><?xml version="1.0" encoding="utf-8"?>
 <p:sld xmlns:a="http://schemas.openxmlformats.org/drawingml/2006/main" xmlns:r="http://schemas.openxmlformats.org/officeDocument/2006/relationships" xmlns:p="http://schemas.openxmlformats.org/presentationml/2006/main">
   <p:cSld>
     <p:spTree>
@@ -8869,17 +8489,14 @@
           <a:p>
             <a:r>
               <a:rPr lang="en-US" sz="1800" dirty="0"/>
+              <a:t>Information Retrieval</a:t>
+            </a:r>
+          </a:p>
+          <a:p>
+            <a:r>
+              <a:rPr lang="en-US" sz="1800" dirty="0"/>
               <a:t>Language Models</a:t>
             </a:r>
-          </a:p>
-          <a:p>
-            <a:r>
-              <a:rPr lang="en-US" sz="1800" dirty="0"/>
-              <a:t>Information Retrieval</a:t>
-            </a:r>
-          </a:p>
-          <a:p>
-            <a:endParaRPr lang="en-US" sz="1800" dirty="0"/>
           </a:p>
         </p:txBody>
       </p:sp>
@@ -8938,7 +8555,7 @@
 </p:sld>
 </file>
 
-<file path=ppt/slides/slide5.xml><?xml version="1.0" encoding="utf-8"?>
+<file path=ppt/slides/slide4.xml><?xml version="1.0" encoding="utf-8"?>
 <p:sld xmlns:a="http://schemas.openxmlformats.org/drawingml/2006/main" xmlns:r="http://schemas.openxmlformats.org/officeDocument/2006/relationships" xmlns:p="http://schemas.openxmlformats.org/presentationml/2006/main">
   <p:cSld>
     <p:bg>
@@ -8992,6 +8609,13 @@
           <a:lstStyle/>
           <a:p>
             <a:pPr algn="ctr"/>
+            <a:r>
+              <a:rPr lang="en-US" sz="3100" dirty="0"/>
+              <a:t>Computer Vision</a:t>
+            </a:r>
+            <a:br>
+              <a:rPr lang="en-US" sz="3100" dirty="0"/>
+            </a:br>
             <a:r>
               <a:rPr lang="en-US" sz="3100" dirty="0"/>
               <a:t>Image Processing &amp; </a:t>
@@ -9193,7 +8817,7 @@
 </p:sld>
 </file>
 
-<file path=ppt/slides/slide6.xml><?xml version="1.0" encoding="utf-8"?>
+<file path=ppt/slides/slide5.xml><?xml version="1.0" encoding="utf-8"?>
 <p:sld xmlns:a="http://schemas.openxmlformats.org/drawingml/2006/main" xmlns:r="http://schemas.openxmlformats.org/officeDocument/2006/relationships" xmlns:p="http://schemas.openxmlformats.org/presentationml/2006/main">
   <p:cSld>
     <p:spTree>

--- a/slides/xx_more_AI.pptx
+++ b/slides/xx_more_AI.pptx
@@ -1129,7 +1129,22 @@
       </dgm:t>
     </dgm:pt>
     <dgm:pt modelId="{45EC9CCC-603A-4FE6-B931-699FE3DAB7EE}">
-      <dgm:prSet phldrT="[Text]"/>
+      <dgm:prSet phldrT="[Text]">
+        <dgm:style>
+          <a:lnRef idx="3">
+            <a:schemeClr val="lt1"/>
+          </a:lnRef>
+          <a:fillRef idx="1">
+            <a:schemeClr val="accent2"/>
+          </a:fillRef>
+          <a:effectRef idx="1">
+            <a:schemeClr val="accent2"/>
+          </a:effectRef>
+          <a:fontRef idx="minor">
+            <a:schemeClr val="lt1"/>
+          </a:fontRef>
+        </dgm:style>
+      </dgm:prSet>
       <dgm:spPr/>
       <dgm:t>
         <a:bodyPr/>
@@ -1165,7 +1180,22 @@
       </dgm:t>
     </dgm:pt>
     <dgm:pt modelId="{42B58B6E-F6DC-430F-A0C2-608AE490DB3B}">
-      <dgm:prSet phldrT="[Text]"/>
+      <dgm:prSet phldrT="[Text]">
+        <dgm:style>
+          <a:lnRef idx="3">
+            <a:schemeClr val="lt1"/>
+          </a:lnRef>
+          <a:fillRef idx="1">
+            <a:schemeClr val="accent3"/>
+          </a:fillRef>
+          <a:effectRef idx="1">
+            <a:schemeClr val="accent3"/>
+          </a:effectRef>
+          <a:fontRef idx="minor">
+            <a:schemeClr val="lt1"/>
+          </a:fontRef>
+        </dgm:style>
+      </dgm:prSet>
       <dgm:spPr/>
       <dgm:t>
         <a:bodyPr/>
@@ -1469,21 +1499,11 @@
           <a:avLst/>
         </a:prstGeom>
         <a:solidFill>
-          <a:schemeClr val="accent4">
-            <a:hueOff val="0"/>
-            <a:satOff val="0"/>
-            <a:lumOff val="0"/>
-            <a:alphaOff val="0"/>
-          </a:schemeClr>
+          <a:schemeClr val="accent2"/>
         </a:solidFill>
-        <a:ln w="12700" cap="flat" cmpd="sng" algn="ctr">
+        <a:ln w="19050" cap="flat" cmpd="sng" algn="ctr">
           <a:solidFill>
-            <a:schemeClr val="lt1">
-              <a:hueOff val="0"/>
-              <a:satOff val="0"/>
-              <a:lumOff val="0"/>
-              <a:alphaOff val="0"/>
-            </a:schemeClr>
+            <a:schemeClr val="lt1"/>
           </a:solidFill>
           <a:prstDash val="solid"/>
           <a:miter lim="800000"/>
@@ -1491,14 +1511,14 @@
         <a:effectLst/>
       </dsp:spPr>
       <dsp:style>
-        <a:lnRef idx="2">
-          <a:scrgbClr r="0" g="0" b="0"/>
+        <a:lnRef idx="3">
+          <a:schemeClr val="lt1"/>
         </a:lnRef>
         <a:fillRef idx="1">
-          <a:scrgbClr r="0" g="0" b="0"/>
+          <a:schemeClr val="accent2"/>
         </a:fillRef>
-        <a:effectRef idx="0">
-          <a:scrgbClr r="0" g="0" b="0"/>
+        <a:effectRef idx="1">
+          <a:schemeClr val="accent2"/>
         </a:effectRef>
         <a:fontRef idx="minor">
           <a:schemeClr val="lt1"/>
@@ -1547,21 +1567,11 @@
           <a:avLst/>
         </a:prstGeom>
         <a:solidFill>
-          <a:schemeClr val="accent5">
-            <a:hueOff val="0"/>
-            <a:satOff val="0"/>
-            <a:lumOff val="0"/>
-            <a:alphaOff val="0"/>
-          </a:schemeClr>
+          <a:schemeClr val="accent3"/>
         </a:solidFill>
-        <a:ln w="12700" cap="flat" cmpd="sng" algn="ctr">
+        <a:ln w="19050" cap="flat" cmpd="sng" algn="ctr">
           <a:solidFill>
-            <a:schemeClr val="lt1">
-              <a:hueOff val="0"/>
-              <a:satOff val="0"/>
-              <a:lumOff val="0"/>
-              <a:alphaOff val="0"/>
-            </a:schemeClr>
+            <a:schemeClr val="lt1"/>
           </a:solidFill>
           <a:prstDash val="solid"/>
           <a:miter lim="800000"/>
@@ -1569,14 +1579,14 @@
         <a:effectLst/>
       </dsp:spPr>
       <dsp:style>
-        <a:lnRef idx="2">
-          <a:scrgbClr r="0" g="0" b="0"/>
+        <a:lnRef idx="3">
+          <a:schemeClr val="lt1"/>
         </a:lnRef>
         <a:fillRef idx="1">
-          <a:scrgbClr r="0" g="0" b="0"/>
+          <a:schemeClr val="accent3"/>
         </a:fillRef>
-        <a:effectRef idx="0">
-          <a:scrgbClr r="0" g="0" b="0"/>
+        <a:effectRef idx="1">
+          <a:schemeClr val="accent3"/>
         </a:effectRef>
         <a:fontRef idx="minor">
           <a:schemeClr val="lt1"/>
@@ -3608,7 +3618,7 @@
           <a:p>
             <a:fld id="{FDB68C03-DCF9-4B87-BBF6-8F2088376604}" type="datetimeFigureOut">
               <a:rPr lang="en-US" smtClean="0"/>
-              <a:t>11/30/2023</a:t>
+              <a:t>12/7/2024</a:t>
             </a:fld>
             <a:endParaRPr lang="en-US"/>
           </a:p>
@@ -4458,7 +4468,7 @@
           <a:p>
             <a:fld id="{FDB68C03-DCF9-4B87-BBF6-8F2088376604}" type="datetimeFigureOut">
               <a:rPr lang="en-US" smtClean="0"/>
-              <a:t>11/30/2023</a:t>
+              <a:t>12/7/2024</a:t>
             </a:fld>
             <a:endParaRPr lang="en-US"/>
           </a:p>
@@ -4739,7 +4749,7 @@
           <a:p>
             <a:fld id="{FDB68C03-DCF9-4B87-BBF6-8F2088376604}" type="datetimeFigureOut">
               <a:rPr lang="en-US" smtClean="0"/>
-              <a:t>11/30/2023</a:t>
+              <a:t>12/7/2024</a:t>
             </a:fld>
             <a:endParaRPr lang="en-US"/>
           </a:p>
@@ -6751,6 +6761,9 @@
               <a:ext uri="{FF2B5EF4-FFF2-40B4-BE49-F238E27FC236}">
                 <a16:creationId xmlns:a16="http://schemas.microsoft.com/office/drawing/2014/main" id="{759F9ACC-C5BF-4597-B773-E1DBFDB3BFE1}"/>
               </a:ext>
+              <a:ext uri="{C183D7F6-B498-43B3-948B-1728B52AA6E4}">
+                <adec:decorative xmlns:adec="http://schemas.microsoft.com/office/drawing/2017/decorative" val="1"/>
+              </a:ext>
             </a:extLst>
           </p:cNvPr>
           <p:cNvPicPr>
@@ -7121,283 +7134,322 @@
           </a:p>
         </p:txBody>
       </p:sp>
-      <p:pic>
-        <p:nvPicPr>
-          <p:cNvPr id="9" name="Picture 4" descr="Creative Commons License">
+      <p:grpSp>
+        <p:nvGrpSpPr>
+          <p:cNvPr id="6" name="Group 5">
             <a:extLst>
               <a:ext uri="{FF2B5EF4-FFF2-40B4-BE49-F238E27FC236}">
-                <a16:creationId xmlns:a16="http://schemas.microsoft.com/office/drawing/2014/main" id="{DD0046E9-1953-4A65-8AFE-6A01CBC5CFFD}"/>
+                <a16:creationId xmlns:a16="http://schemas.microsoft.com/office/drawing/2014/main" id="{1957C71A-27E4-AE41-9DCD-459D63BCE44B}"/>
+              </a:ext>
+              <a:ext uri="{C183D7F6-B498-43B3-948B-1728B52AA6E4}">
+                <adec:decorative xmlns:adec="http://schemas.microsoft.com/office/drawing/2017/decorative" val="1"/>
               </a:ext>
             </a:extLst>
           </p:cNvPr>
-          <p:cNvPicPr>
-            <a:picLocks noChangeAspect="1" noChangeArrowheads="1"/>
-          </p:cNvPicPr>
+          <p:cNvGrpSpPr/>
           <p:nvPr/>
-        </p:nvPicPr>
-        <p:blipFill>
-          <a:blip r:embed="rId4">
+        </p:nvGrpSpPr>
+        <p:grpSpPr>
+          <a:xfrm>
+            <a:off x="296569" y="5785788"/>
+            <a:ext cx="3017521" cy="841700"/>
+            <a:chOff x="296569" y="5785788"/>
+            <a:chExt cx="3017521" cy="841700"/>
+          </a:xfrm>
+        </p:grpSpPr>
+        <p:pic>
+          <p:nvPicPr>
+            <p:cNvPr id="9" name="Picture 4" descr="Creative Commons License">
+              <a:extLst>
+                <a:ext uri="{FF2B5EF4-FFF2-40B4-BE49-F238E27FC236}">
+                  <a16:creationId xmlns:a16="http://schemas.microsoft.com/office/drawing/2014/main" id="{DD0046E9-1953-4A65-8AFE-6A01CBC5CFFD}"/>
+                </a:ext>
+              </a:extLst>
+            </p:cNvPr>
+            <p:cNvPicPr>
+              <a:picLocks noChangeAspect="1" noChangeArrowheads="1"/>
+            </p:cNvPicPr>
+            <p:nvPr/>
+          </p:nvPicPr>
+          <p:blipFill>
+            <a:blip r:embed="rId4">
+              <a:extLst>
+                <a:ext uri="{28A0092B-C50C-407E-A947-70E740481C1C}">
+                  <a14:useLocalDpi xmlns:a14="http://schemas.microsoft.com/office/drawing/2010/main" val="0"/>
+                </a:ext>
+              </a:extLst>
+            </a:blip>
+            <a:srcRect/>
+            <a:stretch>
+              <a:fillRect/>
+            </a:stretch>
+          </p:blipFill>
+          <p:spPr bwMode="auto">
+            <a:xfrm>
+              <a:off x="381000" y="5785788"/>
+              <a:ext cx="838200" cy="295275"/>
+            </a:xfrm>
+            <a:prstGeom prst="rect">
+              <a:avLst/>
+            </a:prstGeom>
+            <a:noFill/>
             <a:extLst>
-              <a:ext uri="{28A0092B-C50C-407E-A947-70E740481C1C}">
-                <a14:useLocalDpi xmlns:a14="http://schemas.microsoft.com/office/drawing/2010/main" val="0"/>
+              <a:ext uri="{909E8E84-426E-40DD-AFC4-6F175D3DCCD1}">
+                <a14:hiddenFill xmlns:a14="http://schemas.microsoft.com/office/drawing/2010/main">
+                  <a:solidFill>
+                    <a:srgbClr val="FFFFFF"/>
+                  </a:solidFill>
+                </a14:hiddenFill>
               </a:ext>
             </a:extLst>
-          </a:blip>
-          <a:srcRect/>
-          <a:stretch>
-            <a:fillRect/>
-          </a:stretch>
-        </p:blipFill>
-        <p:spPr bwMode="auto">
-          <a:xfrm>
-            <a:off x="381000" y="5785788"/>
-            <a:ext cx="838200" cy="295275"/>
-          </a:xfrm>
-          <a:prstGeom prst="rect">
-            <a:avLst/>
-          </a:prstGeom>
-          <a:noFill/>
-          <a:extLst>
-            <a:ext uri="{909E8E84-426E-40DD-AFC4-6F175D3DCCD1}">
-              <a14:hiddenFill xmlns:a14="http://schemas.microsoft.com/office/drawing/2010/main">
-                <a:solidFill>
-                  <a:srgbClr val="FFFFFF"/>
-                </a:solidFill>
-              </a14:hiddenFill>
-            </a:ext>
-          </a:extLst>
-        </p:spPr>
-      </p:pic>
-      <p:sp>
-        <p:nvSpPr>
-          <p:cNvPr id="10" name="TextBox 9">
-            <a:extLst>
-              <a:ext uri="{FF2B5EF4-FFF2-40B4-BE49-F238E27FC236}">
-                <a16:creationId xmlns:a16="http://schemas.microsoft.com/office/drawing/2014/main" id="{E6ABB877-EDDD-49CF-96C5-57C1990E3D8A}"/>
-              </a:ext>
-            </a:extLst>
-          </p:cNvPr>
-          <p:cNvSpPr txBox="1"/>
-          <p:nvPr/>
-        </p:nvSpPr>
-        <p:spPr>
-          <a:xfrm>
-            <a:off x="296569" y="6196601"/>
-            <a:ext cx="3017521" cy="430887"/>
-          </a:xfrm>
-          <a:prstGeom prst="rect">
-            <a:avLst/>
-          </a:prstGeom>
-          <a:noFill/>
-        </p:spPr>
-        <p:txBody>
-          <a:bodyPr wrap="square">
-            <a:spAutoFit/>
-          </a:bodyPr>
-          <a:lstStyle/>
-          <a:p>
-            <a:pPr>
-              <a:spcAft>
-                <a:spcPts val="600"/>
-              </a:spcAft>
-            </a:pPr>
-            <a:r>
-              <a:rPr lang="en-US" sz="1100" b="0" i="0">
+          </p:spPr>
+        </p:pic>
+        <p:sp>
+          <p:nvSpPr>
+            <p:cNvPr id="10" name="TextBox 9">
+              <a:extLst>
+                <a:ext uri="{FF2B5EF4-FFF2-40B4-BE49-F238E27FC236}">
+                  <a16:creationId xmlns:a16="http://schemas.microsoft.com/office/drawing/2014/main" id="{E6ABB877-EDDD-49CF-96C5-57C1990E3D8A}"/>
+                </a:ext>
+              </a:extLst>
+            </p:cNvPr>
+            <p:cNvSpPr txBox="1"/>
+            <p:nvPr/>
+          </p:nvSpPr>
+          <p:spPr>
+            <a:xfrm>
+              <a:off x="296569" y="6196601"/>
+              <a:ext cx="3017521" cy="430887"/>
+            </a:xfrm>
+            <a:prstGeom prst="rect">
+              <a:avLst/>
+            </a:prstGeom>
+            <a:noFill/>
+          </p:spPr>
+          <p:txBody>
+            <a:bodyPr wrap="square">
+              <a:spAutoFit/>
+            </a:bodyPr>
+            <a:lstStyle/>
+            <a:p>
+              <a:pPr>
+                <a:spcAft>
+                  <a:spcPts val="600"/>
+                </a:spcAft>
+              </a:pPr>
+              <a:r>
+                <a:rPr lang="en-US" sz="1100" b="0" i="0">
+                  <a:solidFill>
+                    <a:schemeClr val="tx1">
+                      <a:lumMod val="50000"/>
+                    </a:schemeClr>
+                  </a:solidFill>
+                  <a:effectLst/>
+                  <a:latin typeface="source sans pro" panose="020B0503030403020204" pitchFamily="34" charset="0"/>
+                </a:rPr>
+                <a:t>This work is licensed under a </a:t>
+              </a:r>
+              <a:r>
+                <a:rPr lang="en-US" sz="1100" b="0" i="0" strike="noStrike">
+                  <a:solidFill>
+                    <a:schemeClr val="tx1">
+                      <a:lumMod val="50000"/>
+                    </a:schemeClr>
+                  </a:solidFill>
+                  <a:effectLst/>
+                  <a:latin typeface="source sans pro" panose="020B0503030403020204" pitchFamily="34" charset="0"/>
+                  <a:hlinkClick r:id="rId5">
+                    <a:extLst>
+                      <a:ext uri="{A12FA001-AC4F-418D-AE19-62706E023703}">
+                        <ahyp:hlinkClr xmlns:ahyp="http://schemas.microsoft.com/office/drawing/2018/hyperlinkcolor" val="tx"/>
+                      </a:ext>
+                    </a:extLst>
+                  </a:hlinkClick>
+                </a:rPr>
+                <a:t>Creative Commons Attribution-ShareAlike 4.0 International License</a:t>
+              </a:r>
+              <a:r>
+                <a:rPr lang="en-US" sz="1100" b="0" i="0">
+                  <a:solidFill>
+                    <a:schemeClr val="tx1">
+                      <a:lumMod val="50000"/>
+                    </a:schemeClr>
+                  </a:solidFill>
+                  <a:effectLst/>
+                  <a:latin typeface="source sans pro" panose="020B0503030403020204" pitchFamily="34" charset="0"/>
+                </a:rPr>
+                <a:t>.</a:t>
+              </a:r>
+              <a:endParaRPr lang="en-US" sz="1100">
                 <a:solidFill>
                   <a:schemeClr val="tx1">
                     <a:lumMod val="50000"/>
                   </a:schemeClr>
                 </a:solidFill>
-                <a:effectLst/>
-                <a:latin typeface="source sans pro" panose="020B0503030403020204" pitchFamily="34" charset="0"/>
-              </a:rPr>
-              <a:t>This work is licensed under a </a:t>
-            </a:r>
-            <a:r>
-              <a:rPr lang="en-US" sz="1100" b="0" i="0" strike="noStrike">
-                <a:solidFill>
-                  <a:schemeClr val="tx1">
-                    <a:lumMod val="50000"/>
-                  </a:schemeClr>
-                </a:solidFill>
-                <a:effectLst/>
-                <a:latin typeface="source sans pro" panose="020B0503030403020204" pitchFamily="34" charset="0"/>
-                <a:hlinkClick r:id="rId5">
-                  <a:extLst>
-                    <a:ext uri="{A12FA001-AC4F-418D-AE19-62706E023703}">
-                      <ahyp:hlinkClr xmlns:ahyp="http://schemas.microsoft.com/office/drawing/2018/hyperlinkcolor" val="tx"/>
-                    </a:ext>
-                  </a:extLst>
-                </a:hlinkClick>
-              </a:rPr>
-              <a:t>Creative Commons Attribution-ShareAlike 4.0 International License</a:t>
-            </a:r>
-            <a:r>
-              <a:rPr lang="en-US" sz="1100" b="0" i="0">
-                <a:solidFill>
-                  <a:schemeClr val="tx1">
-                    <a:lumMod val="50000"/>
-                  </a:schemeClr>
-                </a:solidFill>
-                <a:effectLst/>
-                <a:latin typeface="source sans pro" panose="020B0503030403020204" pitchFamily="34" charset="0"/>
-              </a:rPr>
-              <a:t>.</a:t>
-            </a:r>
-            <a:endParaRPr lang="en-US" sz="1100">
-              <a:solidFill>
-                <a:schemeClr val="tx1">
-                  <a:lumMod val="50000"/>
-                </a:schemeClr>
-              </a:solidFill>
-            </a:endParaRPr>
-          </a:p>
-        </p:txBody>
-      </p:sp>
+              </a:endParaRPr>
+            </a:p>
+          </p:txBody>
+        </p:sp>
+      </p:grpSp>
+      <p:grpSp>
+        <p:nvGrpSpPr>
+          <p:cNvPr id="2" name="Group 1">
+            <a:extLst>
+              <a:ext uri="{FF2B5EF4-FFF2-40B4-BE49-F238E27FC236}">
+                <a16:creationId xmlns:a16="http://schemas.microsoft.com/office/drawing/2014/main" id="{2CDF5643-B4FE-A5A5-993B-2634342A4953}"/>
+              </a:ext>
+              <a:ext uri="{C183D7F6-B498-43B3-948B-1728B52AA6E4}">
+                <adec:decorative xmlns:adec="http://schemas.microsoft.com/office/drawing/2017/decorative" val="1"/>
+              </a:ext>
+            </a:extLst>
+          </p:cNvPr>
+          <p:cNvGrpSpPr/>
+          <p:nvPr/>
+        </p:nvGrpSpPr>
+        <p:grpSpPr>
+          <a:xfrm>
+            <a:off x="7675935" y="5213280"/>
+            <a:ext cx="1218146" cy="1440289"/>
+            <a:chOff x="7151029" y="4191000"/>
+            <a:chExt cx="1688171" cy="1981200"/>
+          </a:xfrm>
+        </p:grpSpPr>
+        <p:sp>
+          <p:nvSpPr>
+            <p:cNvPr id="3" name="Rectangle 2">
+              <a:extLst>
+                <a:ext uri="{FF2B5EF4-FFF2-40B4-BE49-F238E27FC236}">
+                  <a16:creationId xmlns:a16="http://schemas.microsoft.com/office/drawing/2014/main" id="{68484059-CA80-D5A8-39F7-7B2668C543C9}"/>
+                </a:ext>
+              </a:extLst>
+            </p:cNvPr>
+            <p:cNvSpPr/>
+            <p:nvPr/>
+          </p:nvSpPr>
+          <p:spPr>
+            <a:xfrm>
+              <a:off x="7162800" y="4191000"/>
+              <a:ext cx="1676400" cy="1981200"/>
+            </a:xfrm>
+            <a:prstGeom prst="rect">
+              <a:avLst/>
+            </a:prstGeom>
+            <a:ln/>
+          </p:spPr>
+          <p:style>
+            <a:lnRef idx="2">
+              <a:schemeClr val="dk1"/>
+            </a:lnRef>
+            <a:fillRef idx="1">
+              <a:schemeClr val="lt1"/>
+            </a:fillRef>
+            <a:effectRef idx="0">
+              <a:schemeClr val="dk1"/>
+            </a:effectRef>
+            <a:fontRef idx="minor">
+              <a:schemeClr val="dk1"/>
+            </a:fontRef>
+          </p:style>
+          <p:txBody>
+            <a:bodyPr rtlCol="0" anchor="ctr"/>
+            <a:lstStyle/>
+            <a:p>
+              <a:pPr algn="ctr"/>
+              <a:endParaRPr lang="en-US"/>
+            </a:p>
+          </p:txBody>
+        </p:sp>
+        <p:pic>
+          <p:nvPicPr>
+            <p:cNvPr id="4" name="Picture 3" descr="A qr code with black dots&#10;&#10;Description automatically generated">
+              <a:extLst>
+                <a:ext uri="{FF2B5EF4-FFF2-40B4-BE49-F238E27FC236}">
+                  <a16:creationId xmlns:a16="http://schemas.microsoft.com/office/drawing/2014/main" id="{68901CD7-D56E-EDFD-6CDC-AF60D915F716}"/>
+                </a:ext>
+              </a:extLst>
+            </p:cNvPr>
+            <p:cNvPicPr>
+              <a:picLocks noChangeAspect="1"/>
+            </p:cNvPicPr>
+            <p:nvPr/>
+          </p:nvPicPr>
+          <p:blipFill>
+            <a:blip r:embed="rId6">
+              <a:extLst>
+                <a:ext uri="{28A0092B-C50C-407E-A947-70E740481C1C}">
+                  <a14:useLocalDpi xmlns:a14="http://schemas.microsoft.com/office/drawing/2010/main" val="0"/>
+                </a:ext>
+              </a:extLst>
+            </a:blip>
+            <a:stretch>
+              <a:fillRect/>
+            </a:stretch>
+          </p:blipFill>
+          <p:spPr>
+            <a:xfrm>
+              <a:off x="7184684" y="4213372"/>
+              <a:ext cx="1632631" cy="1632630"/>
+            </a:xfrm>
+            <a:prstGeom prst="rect">
+              <a:avLst/>
+            </a:prstGeom>
+          </p:spPr>
+        </p:pic>
+        <p:sp>
+          <p:nvSpPr>
+            <p:cNvPr id="5" name="Rectangle 4">
+              <a:extLst>
+                <a:ext uri="{FF2B5EF4-FFF2-40B4-BE49-F238E27FC236}">
+                  <a16:creationId xmlns:a16="http://schemas.microsoft.com/office/drawing/2014/main" id="{315BE71D-FB70-20CD-E179-385E4E804D13}"/>
+                </a:ext>
+              </a:extLst>
+            </p:cNvPr>
+            <p:cNvSpPr/>
+            <p:nvPr/>
+          </p:nvSpPr>
+          <p:spPr>
+            <a:xfrm>
+              <a:off x="7151029" y="5812970"/>
+              <a:ext cx="1676400" cy="359230"/>
+            </a:xfrm>
+            <a:prstGeom prst="rect">
+              <a:avLst/>
+            </a:prstGeom>
+          </p:spPr>
+          <p:style>
+            <a:lnRef idx="2">
+              <a:schemeClr val="dk1">
+                <a:shade val="15000"/>
+              </a:schemeClr>
+            </a:lnRef>
+            <a:fillRef idx="1">
+              <a:schemeClr val="dk1"/>
+            </a:fillRef>
+            <a:effectRef idx="0">
+              <a:schemeClr val="dk1"/>
+            </a:effectRef>
+            <a:fontRef idx="minor">
+              <a:schemeClr val="lt1"/>
+            </a:fontRef>
+          </p:style>
+          <p:txBody>
+            <a:bodyPr rtlCol="0" anchor="ctr"/>
+            <a:lstStyle/>
+            <a:p>
+              <a:pPr algn="ctr"/>
+              <a:r>
+                <a:rPr lang="en-US" sz="1200" dirty="0"/>
+                <a:t>Online Material</a:t>
+              </a:r>
+            </a:p>
+          </p:txBody>
+        </p:sp>
+      </p:grpSp>
     </p:spTree>
   </p:cSld>
   <p:clrMapOvr>
     <a:overrideClrMapping bg1="lt1" tx1="dk1" bg2="lt2" tx2="dk2" accent1="accent1" accent2="accent2" accent3="accent3" accent4="accent4" accent5="accent5" accent6="accent6" hlink="hlink" folHlink="folHlink"/>
   </p:clrMapOvr>
-  <p:timing>
-    <p:tnLst>
-      <p:par>
-        <p:cTn id="1" dur="indefinite" restart="never" nodeType="tmRoot">
-          <p:childTnLst>
-            <p:seq concurrent="1" nextAc="seek">
-              <p:cTn id="2" dur="indefinite" nodeType="mainSeq">
-                <p:childTnLst>
-                  <p:par>
-                    <p:cTn id="3" fill="hold">
-                      <p:stCondLst>
-                        <p:cond delay="indefinite"/>
-                        <p:cond evt="onBegin" delay="0">
-                          <p:tn val="2"/>
-                        </p:cond>
-                      </p:stCondLst>
-                      <p:childTnLst>
-                        <p:par>
-                          <p:cTn id="4" fill="hold">
-                            <p:stCondLst>
-                              <p:cond delay="0"/>
-                            </p:stCondLst>
-                            <p:childTnLst>
-                              <p:par>
-                                <p:cTn id="5" presetID="10" presetClass="entr" presetSubtype="0" fill="hold" grpId="0" nodeType="withEffect">
-                                  <p:stCondLst>
-                                    <p:cond delay="1500"/>
-                                  </p:stCondLst>
-                                  <p:iterate>
-                                    <p:tmPct val="10000"/>
-                                  </p:iterate>
-                                  <p:childTnLst>
-                                    <p:set>
-                                      <p:cBhvr>
-                                        <p:cTn id="6" dur="1" fill="hold">
-                                          <p:stCondLst>
-                                            <p:cond delay="0"/>
-                                          </p:stCondLst>
-                                        </p:cTn>
-                                        <p:tgtEl>
-                                          <p:spTgt spid="3075">
-                                            <p:txEl>
-                                              <p:pRg st="0" end="0"/>
-                                            </p:txEl>
-                                          </p:spTgt>
-                                        </p:tgtEl>
-                                        <p:attrNameLst>
-                                          <p:attrName>style.visibility</p:attrName>
-                                        </p:attrNameLst>
-                                      </p:cBhvr>
-                                      <p:to>
-                                        <p:strVal val="visible"/>
-                                      </p:to>
-                                    </p:set>
-                                    <p:animEffect transition="in" filter="fade">
-                                      <p:cBhvr>
-                                        <p:cTn id="7" dur="700"/>
-                                        <p:tgtEl>
-                                          <p:spTgt spid="3075">
-                                            <p:txEl>
-                                              <p:pRg st="0" end="0"/>
-                                            </p:txEl>
-                                          </p:spTgt>
-                                        </p:tgtEl>
-                                      </p:cBhvr>
-                                    </p:animEffect>
-                                  </p:childTnLst>
-                                </p:cTn>
-                              </p:par>
-                              <p:par>
-                                <p:cTn id="8" presetID="10" presetClass="entr" presetSubtype="0" fill="hold" grpId="0" nodeType="withEffect">
-                                  <p:stCondLst>
-                                    <p:cond delay="1000"/>
-                                  </p:stCondLst>
-                                  <p:iterate>
-                                    <p:tmPct val="10000"/>
-                                  </p:iterate>
-                                  <p:childTnLst>
-                                    <p:set>
-                                      <p:cBhvr>
-                                        <p:cTn id="9" dur="1" fill="hold">
-                                          <p:stCondLst>
-                                            <p:cond delay="0"/>
-                                          </p:stCondLst>
-                                        </p:cTn>
-                                        <p:tgtEl>
-                                          <p:spTgt spid="3076"/>
-                                        </p:tgtEl>
-                                        <p:attrNameLst>
-                                          <p:attrName>style.visibility</p:attrName>
-                                        </p:attrNameLst>
-                                      </p:cBhvr>
-                                      <p:to>
-                                        <p:strVal val="visible"/>
-                                      </p:to>
-                                    </p:set>
-                                    <p:animEffect transition="in" filter="fade">
-                                      <p:cBhvr>
-                                        <p:cTn id="10" dur="700"/>
-                                        <p:tgtEl>
-                                          <p:spTgt spid="3076"/>
-                                        </p:tgtEl>
-                                      </p:cBhvr>
-                                    </p:animEffect>
-                                  </p:childTnLst>
-                                </p:cTn>
-                              </p:par>
-                            </p:childTnLst>
-                          </p:cTn>
-                        </p:par>
-                      </p:childTnLst>
-                    </p:cTn>
-                  </p:par>
-                </p:childTnLst>
-              </p:cTn>
-              <p:prevCondLst>
-                <p:cond evt="onPrev" delay="0">
-                  <p:tgtEl>
-                    <p:sldTgt/>
-                  </p:tgtEl>
-                </p:cond>
-              </p:prevCondLst>
-              <p:nextCondLst>
-                <p:cond evt="onNext" delay="0">
-                  <p:tgtEl>
-                    <p:sldTgt/>
-                  </p:tgtEl>
-                </p:cond>
-              </p:nextCondLst>
-            </p:seq>
-          </p:childTnLst>
-        </p:cTn>
-      </p:par>
-    </p:tnLst>
-    <p:bldLst>
-      <p:bldP spid="3076" grpId="0"/>
-      <p:bldP spid="3075" grpId="0" build="p"/>
-    </p:bldLst>
-  </p:timing>
 </p:sld>
 </file>
 
@@ -7926,13 +7978,16 @@
               <a:ext uri="{FF2B5EF4-FFF2-40B4-BE49-F238E27FC236}">
                 <a16:creationId xmlns:a16="http://schemas.microsoft.com/office/drawing/2014/main" id="{EB2EC706-40A7-4EAF-AC28-5A9BAC435DBB}"/>
               </a:ext>
+              <a:ext uri="{C183D7F6-B498-43B3-948B-1728B52AA6E4}">
+                <adec:decorative xmlns:adec="http://schemas.microsoft.com/office/drawing/2017/decorative" val="1"/>
+              </a:ext>
             </a:extLst>
           </p:cNvPr>
           <p:cNvGraphicFramePr/>
           <p:nvPr>
             <p:extLst>
               <p:ext uri="{D42A27DB-BD31-4B8C-83A1-F6EECF244321}">
-                <p14:modId xmlns:p14="http://schemas.microsoft.com/office/powerpoint/2010/main" val="2437113636"/>
+                <p14:modId xmlns:p14="http://schemas.microsoft.com/office/powerpoint/2010/main" val="942862175"/>
               </p:ext>
             </p:extLst>
           </p:nvPr>
@@ -7947,129 +8002,156 @@
           </a:graphicData>
         </a:graphic>
       </p:graphicFrame>
-      <p:sp>
-        <p:nvSpPr>
-          <p:cNvPr id="5" name="TextBox 4">
+      <p:grpSp>
+        <p:nvGrpSpPr>
+          <p:cNvPr id="10" name="Group 9">
             <a:extLst>
               <a:ext uri="{FF2B5EF4-FFF2-40B4-BE49-F238E27FC236}">
-                <a16:creationId xmlns:a16="http://schemas.microsoft.com/office/drawing/2014/main" id="{8E4041F4-540B-4D57-9290-9A962A7655B9}"/>
+                <a16:creationId xmlns:a16="http://schemas.microsoft.com/office/drawing/2014/main" id="{5088E453-F1D7-B487-D47C-EE32A310BFEE}"/>
+              </a:ext>
+              <a:ext uri="{C183D7F6-B498-43B3-948B-1728B52AA6E4}">
+                <adec:decorative xmlns:adec="http://schemas.microsoft.com/office/drawing/2017/decorative" val="1"/>
               </a:ext>
             </a:extLst>
           </p:cNvPr>
-          <p:cNvSpPr txBox="1"/>
+          <p:cNvGrpSpPr/>
           <p:nvPr/>
-        </p:nvSpPr>
-        <p:spPr>
+        </p:nvGrpSpPr>
+        <p:grpSpPr>
           <a:xfrm>
-            <a:off x="7361664" y="1255114"/>
-            <a:ext cx="516673" cy="707886"/>
+            <a:off x="1066800" y="1255114"/>
+            <a:ext cx="6811537" cy="1435908"/>
+            <a:chOff x="1066800" y="1255114"/>
+            <a:chExt cx="6811537" cy="1435908"/>
           </a:xfrm>
-          <a:prstGeom prst="rect">
-            <a:avLst/>
-          </a:prstGeom>
-          <a:noFill/>
-        </p:spPr>
-        <p:txBody>
-          <a:bodyPr wrap="square" rtlCol="0">
-            <a:spAutoFit/>
-          </a:bodyPr>
-          <a:lstStyle/>
-          <a:p>
-            <a:r>
-              <a:rPr lang="en-US" sz="4000" dirty="0"/>
-              <a:t>…</a:t>
-            </a:r>
-          </a:p>
-        </p:txBody>
-      </p:sp>
-      <p:sp>
-        <p:nvSpPr>
-          <p:cNvPr id="6" name="Right Brace 5">
-            <a:extLst>
-              <a:ext uri="{FF2B5EF4-FFF2-40B4-BE49-F238E27FC236}">
-                <a16:creationId xmlns:a16="http://schemas.microsoft.com/office/drawing/2014/main" id="{E0685775-AB1A-441B-8572-47F32B4C444B}"/>
-              </a:ext>
-            </a:extLst>
-          </p:cNvPr>
-          <p:cNvSpPr/>
-          <p:nvPr/>
-        </p:nvSpPr>
-        <p:spPr>
-          <a:xfrm rot="5400000">
-            <a:off x="4372614" y="-1096014"/>
-            <a:ext cx="160645" cy="6772274"/>
-          </a:xfrm>
-          <a:prstGeom prst="rightBrace">
-            <a:avLst/>
-          </a:prstGeom>
-        </p:spPr>
-        <p:style>
-          <a:lnRef idx="1">
-            <a:schemeClr val="accent1"/>
-          </a:lnRef>
-          <a:fillRef idx="0">
-            <a:schemeClr val="accent1"/>
-          </a:fillRef>
-          <a:effectRef idx="0">
-            <a:schemeClr val="accent1"/>
-          </a:effectRef>
-          <a:fontRef idx="minor">
-            <a:schemeClr val="tx1"/>
-          </a:fontRef>
-        </p:style>
-        <p:txBody>
-          <a:bodyPr rtlCol="0" anchor="ctr"/>
-          <a:lstStyle/>
-          <a:p>
-            <a:pPr algn="ctr"/>
-            <a:endParaRPr lang="en-US"/>
-          </a:p>
-        </p:txBody>
-      </p:sp>
-      <p:sp>
-        <p:nvSpPr>
-          <p:cNvPr id="7" name="TextBox 6">
-            <a:extLst>
-              <a:ext uri="{FF2B5EF4-FFF2-40B4-BE49-F238E27FC236}">
-                <a16:creationId xmlns:a16="http://schemas.microsoft.com/office/drawing/2014/main" id="{95442B34-9A21-4027-8691-04917518C3B2}"/>
-              </a:ext>
-            </a:extLst>
-          </p:cNvPr>
-          <p:cNvSpPr txBox="1"/>
-          <p:nvPr/>
-        </p:nvSpPr>
-        <p:spPr>
-          <a:xfrm>
-            <a:off x="3276600" y="2352468"/>
-            <a:ext cx="2438400" cy="338554"/>
-          </a:xfrm>
-          <a:prstGeom prst="rect">
-            <a:avLst/>
-          </a:prstGeom>
-          <a:noFill/>
-        </p:spPr>
-        <p:txBody>
-          <a:bodyPr wrap="square" rtlCol="0">
-            <a:spAutoFit/>
-          </a:bodyPr>
-          <a:lstStyle/>
-          <a:p>
-            <a:pPr algn="ctr"/>
-            <a:r>
-              <a:rPr lang="en-US" sz="1600" b="1" dirty="0"/>
-              <a:t>Max. reward over time</a:t>
-            </a:r>
-          </a:p>
-        </p:txBody>
-      </p:sp>
-      <mc:AlternateContent xmlns:mc="http://schemas.openxmlformats.org/markup-compatibility/2006" xmlns:a14="http://schemas.microsoft.com/office/drawing/2010/main">
-        <mc:Choice Requires="a14">
+        </p:grpSpPr>
+        <p:sp>
+          <p:nvSpPr>
+            <p:cNvPr id="5" name="TextBox 4">
+              <a:extLst>
+                <a:ext uri="{FF2B5EF4-FFF2-40B4-BE49-F238E27FC236}">
+                  <a16:creationId xmlns:a16="http://schemas.microsoft.com/office/drawing/2014/main" id="{8E4041F4-540B-4D57-9290-9A962A7655B9}"/>
+                </a:ext>
+              </a:extLst>
+            </p:cNvPr>
+            <p:cNvSpPr txBox="1"/>
+            <p:nvPr/>
+          </p:nvSpPr>
+          <p:spPr>
+            <a:xfrm>
+              <a:off x="7361664" y="1255114"/>
+              <a:ext cx="516673" cy="707886"/>
+            </a:xfrm>
+            <a:prstGeom prst="rect">
+              <a:avLst/>
+            </a:prstGeom>
+            <a:noFill/>
+          </p:spPr>
+          <p:txBody>
+            <a:bodyPr wrap="square" rtlCol="0">
+              <a:spAutoFit/>
+            </a:bodyPr>
+            <a:lstStyle/>
+            <a:p>
+              <a:r>
+                <a:rPr lang="en-US" sz="4000" dirty="0"/>
+                <a:t>…</a:t>
+              </a:r>
+            </a:p>
+          </p:txBody>
+        </p:sp>
+        <p:sp>
+          <p:nvSpPr>
+            <p:cNvPr id="6" name="Right Brace 5">
+              <a:extLst>
+                <a:ext uri="{FF2B5EF4-FFF2-40B4-BE49-F238E27FC236}">
+                  <a16:creationId xmlns:a16="http://schemas.microsoft.com/office/drawing/2014/main" id="{E0685775-AB1A-441B-8572-47F32B4C444B}"/>
+                </a:ext>
+              </a:extLst>
+            </p:cNvPr>
+            <p:cNvSpPr/>
+            <p:nvPr/>
+          </p:nvSpPr>
+          <p:spPr>
+            <a:xfrm rot="5400000">
+              <a:off x="4372614" y="-1096014"/>
+              <a:ext cx="160645" cy="6772274"/>
+            </a:xfrm>
+            <a:prstGeom prst="rightBrace">
+              <a:avLst/>
+            </a:prstGeom>
+          </p:spPr>
+          <p:style>
+            <a:lnRef idx="1">
+              <a:schemeClr val="accent1"/>
+            </a:lnRef>
+            <a:fillRef idx="0">
+              <a:schemeClr val="accent1"/>
+            </a:fillRef>
+            <a:effectRef idx="0">
+              <a:schemeClr val="accent1"/>
+            </a:effectRef>
+            <a:fontRef idx="minor">
+              <a:schemeClr val="tx1"/>
+            </a:fontRef>
+          </p:style>
+          <p:txBody>
+            <a:bodyPr rtlCol="0" anchor="ctr"/>
+            <a:lstStyle/>
+            <a:p>
+              <a:pPr algn="ctr"/>
+              <a:endParaRPr lang="en-US"/>
+            </a:p>
+          </p:txBody>
+        </p:sp>
+        <p:sp>
+          <p:nvSpPr>
+            <p:cNvPr id="7" name="TextBox 6">
+              <a:extLst>
+                <a:ext uri="{FF2B5EF4-FFF2-40B4-BE49-F238E27FC236}">
+                  <a16:creationId xmlns:a16="http://schemas.microsoft.com/office/drawing/2014/main" id="{95442B34-9A21-4027-8691-04917518C3B2}"/>
+                </a:ext>
+              </a:extLst>
+            </p:cNvPr>
+            <p:cNvSpPr txBox="1"/>
+            <p:nvPr/>
+          </p:nvSpPr>
+          <p:spPr>
+            <a:xfrm>
+              <a:off x="3276600" y="2352468"/>
+              <a:ext cx="2438400" cy="338554"/>
+            </a:xfrm>
+            <a:prstGeom prst="rect">
+              <a:avLst/>
+            </a:prstGeom>
+            <a:noFill/>
+          </p:spPr>
+          <p:txBody>
+            <a:bodyPr wrap="square" rtlCol="0">
+              <a:spAutoFit/>
+            </a:bodyPr>
+            <a:lstStyle/>
+            <a:p>
+              <a:pPr algn="ctr"/>
+              <a:r>
+                <a:rPr lang="en-US" sz="1600" b="1" dirty="0"/>
+                <a:t>Max. reward over time</a:t>
+              </a:r>
+            </a:p>
+          </p:txBody>
+        </p:sp>
+      </p:grpSp>
+      <mc:AlternateContent xmlns:mc="http://schemas.openxmlformats.org/markup-compatibility/2006">
+        <mc:Choice xmlns:a14="http://schemas.microsoft.com/office/drawing/2010/main" Requires="a14">
           <p:sp>
             <p:nvSpPr>
               <p:cNvPr id="8" name="TextBox 7">
                 <a:extLst>
                   <a:ext uri="{FF2B5EF4-FFF2-40B4-BE49-F238E27FC236}">
                     <a16:creationId xmlns:a16="http://schemas.microsoft.com/office/drawing/2014/main" id="{B4AB043C-627B-4223-9FBB-9CFEBF008B94}"/>
+                  </a:ext>
+                  <a:ext uri="{C183D7F6-B498-43B3-948B-1728B52AA6E4}">
+                    <adec:decorative xmlns:adec="http://schemas.microsoft.com/office/drawing/2017/decorative" val="1"/>
                   </a:ext>
                 </a:extLst>
               </p:cNvPr>
@@ -8177,13 +8259,16 @@
             </p:txBody>
           </p:sp>
         </mc:Choice>
-        <mc:Fallback xmlns="">
+        <mc:Fallback>
           <p:sp>
             <p:nvSpPr>
               <p:cNvPr id="8" name="TextBox 7">
                 <a:extLst>
                   <a:ext uri="{FF2B5EF4-FFF2-40B4-BE49-F238E27FC236}">
                     <a16:creationId xmlns:a16="http://schemas.microsoft.com/office/drawing/2014/main" id="{B4AB043C-627B-4223-9FBB-9CFEBF008B94}"/>
+                  </a:ext>
+                  <a:ext uri="{C183D7F6-B498-43B3-948B-1728B52AA6E4}">
+                    <adec:decorative xmlns:adec="http://schemas.microsoft.com/office/drawing/2017/decorative" val="1"/>
                   </a:ext>
                 </a:extLst>
               </p:cNvPr>
@@ -8229,6 +8314,9 @@
               <a:ext uri="{FF2B5EF4-FFF2-40B4-BE49-F238E27FC236}">
                 <a16:creationId xmlns:a16="http://schemas.microsoft.com/office/drawing/2014/main" id="{5FD2D485-81C6-4FCB-8331-D31C753D63D5}"/>
               </a:ext>
+              <a:ext uri="{C183D7F6-B498-43B3-948B-1728B52AA6E4}">
+                <adec:decorative xmlns:adec="http://schemas.microsoft.com/office/drawing/2017/decorative" val="1"/>
+              </a:ext>
             </a:extLst>
           </p:cNvPr>
           <p:cNvSpPr/>
@@ -8273,6 +8361,9 @@
               <a:ext uri="{FF2B5EF4-FFF2-40B4-BE49-F238E27FC236}">
                 <a16:creationId xmlns:a16="http://schemas.microsoft.com/office/drawing/2014/main" id="{29E05AC2-9D70-44DB-B55D-27C246E5DEC5}"/>
               </a:ext>
+              <a:ext uri="{C183D7F6-B498-43B3-948B-1728B52AA6E4}">
+                <adec:decorative xmlns:adec="http://schemas.microsoft.com/office/drawing/2017/decorative" val="1"/>
+              </a:ext>
             </a:extLst>
           </p:cNvPr>
           <p:cNvSpPr/>
@@ -8316,6 +8407,9 @@
             <a:extLst>
               <a:ext uri="{FF2B5EF4-FFF2-40B4-BE49-F238E27FC236}">
                 <a16:creationId xmlns:a16="http://schemas.microsoft.com/office/drawing/2014/main" id="{A7A3BE0A-0660-4AC4-A690-636A43E3A4DF}"/>
+              </a:ext>
+              <a:ext uri="{C183D7F6-B498-43B3-948B-1728B52AA6E4}">
+                <adec:decorative xmlns:adec="http://schemas.microsoft.com/office/drawing/2017/decorative" val="1"/>
               </a:ext>
             </a:extLst>
           </p:cNvPr>
@@ -8375,12 +8469,95 @@
           <a:chExt cx="0" cy="0"/>
         </a:xfrm>
       </p:grpSpPr>
+      <p:sp>
+        <p:nvSpPr>
+          <p:cNvPr id="2" name="Title 1">
+            <a:extLst>
+              <a:ext uri="{FF2B5EF4-FFF2-40B4-BE49-F238E27FC236}">
+                <a16:creationId xmlns:a16="http://schemas.microsoft.com/office/drawing/2014/main" id="{C37E017B-9B31-43B4-BBD5-583A39934269}"/>
+              </a:ext>
+            </a:extLst>
+          </p:cNvPr>
+          <p:cNvSpPr>
+            <a:spLocks noGrp="1"/>
+          </p:cNvSpPr>
+          <p:nvPr>
+            <p:ph type="title"/>
+          </p:nvPr>
+        </p:nvSpPr>
+        <p:spPr>
+          <a:xfrm>
+            <a:off x="628650" y="365126"/>
+            <a:ext cx="7886700" cy="791775"/>
+          </a:xfrm>
+        </p:spPr>
+        <p:txBody>
+          <a:bodyPr/>
+          <a:lstStyle/>
+          <a:p>
+            <a:r>
+              <a:rPr lang="en-US" dirty="0"/>
+              <a:t>Natural Language Processing</a:t>
+            </a:r>
+          </a:p>
+        </p:txBody>
+      </p:sp>
+      <p:sp>
+        <p:nvSpPr>
+          <p:cNvPr id="3" name="Content Placeholder 2">
+            <a:extLst>
+              <a:ext uri="{FF2B5EF4-FFF2-40B4-BE49-F238E27FC236}">
+                <a16:creationId xmlns:a16="http://schemas.microsoft.com/office/drawing/2014/main" id="{5EF7FD09-860C-4C25-A377-0AF5C8AF68BC}"/>
+              </a:ext>
+            </a:extLst>
+          </p:cNvPr>
+          <p:cNvSpPr>
+            <a:spLocks noGrp="1"/>
+          </p:cNvSpPr>
+          <p:nvPr>
+            <p:ph idx="1"/>
+          </p:nvPr>
+        </p:nvSpPr>
+        <p:spPr>
+          <a:xfrm>
+            <a:off x="639801" y="1156901"/>
+            <a:ext cx="3221386" cy="1249363"/>
+          </a:xfrm>
+        </p:spPr>
+        <p:txBody>
+          <a:bodyPr>
+            <a:normAutofit/>
+          </a:bodyPr>
+          <a:lstStyle/>
+          <a:p>
+            <a:r>
+              <a:rPr lang="en-US" sz="1800" dirty="0"/>
+              <a:t>Speech recognition</a:t>
+            </a:r>
+          </a:p>
+          <a:p>
+            <a:r>
+              <a:rPr lang="en-US" sz="1800" dirty="0"/>
+              <a:t>Information Retrieval</a:t>
+            </a:r>
+          </a:p>
+          <a:p>
+            <a:r>
+              <a:rPr lang="en-US" sz="1800" dirty="0"/>
+              <a:t>Language Models</a:t>
+            </a:r>
+          </a:p>
+        </p:txBody>
+      </p:sp>
       <p:pic>
         <p:nvPicPr>
           <p:cNvPr id="2050" name="Picture 2">
             <a:extLst>
               <a:ext uri="{FF2B5EF4-FFF2-40B4-BE49-F238E27FC236}">
                 <a16:creationId xmlns:a16="http://schemas.microsoft.com/office/drawing/2014/main" id="{A8B9A248-A1E1-4E83-B7E9-4ADB84DE7B8C}"/>
+              </a:ext>
+              <a:ext uri="{C183D7F6-B498-43B3-948B-1728B52AA6E4}">
+                <adec:decorative xmlns:adec="http://schemas.microsoft.com/office/drawing/2017/decorative" val="1"/>
               </a:ext>
             </a:extLst>
           </p:cNvPr>
@@ -8422,90 +8599,13 @@
       </p:pic>
       <p:sp>
         <p:nvSpPr>
-          <p:cNvPr id="2" name="Title 1">
-            <a:extLst>
-              <a:ext uri="{FF2B5EF4-FFF2-40B4-BE49-F238E27FC236}">
-                <a16:creationId xmlns:a16="http://schemas.microsoft.com/office/drawing/2014/main" id="{C37E017B-9B31-43B4-BBD5-583A39934269}"/>
-              </a:ext>
-            </a:extLst>
-          </p:cNvPr>
-          <p:cNvSpPr>
-            <a:spLocks noGrp="1"/>
-          </p:cNvSpPr>
-          <p:nvPr>
-            <p:ph type="title"/>
-          </p:nvPr>
-        </p:nvSpPr>
-        <p:spPr>
-          <a:xfrm>
-            <a:off x="628650" y="365126"/>
-            <a:ext cx="7886700" cy="791775"/>
-          </a:xfrm>
-        </p:spPr>
-        <p:txBody>
-          <a:bodyPr/>
-          <a:lstStyle/>
-          <a:p>
-            <a:r>
-              <a:rPr lang="en-US" dirty="0"/>
-              <a:t>Natural Language Processing</a:t>
-            </a:r>
-          </a:p>
-        </p:txBody>
-      </p:sp>
-      <p:sp>
-        <p:nvSpPr>
-          <p:cNvPr id="3" name="Content Placeholder 2">
-            <a:extLst>
-              <a:ext uri="{FF2B5EF4-FFF2-40B4-BE49-F238E27FC236}">
-                <a16:creationId xmlns:a16="http://schemas.microsoft.com/office/drawing/2014/main" id="{5EF7FD09-860C-4C25-A377-0AF5C8AF68BC}"/>
-              </a:ext>
-            </a:extLst>
-          </p:cNvPr>
-          <p:cNvSpPr>
-            <a:spLocks noGrp="1"/>
-          </p:cNvSpPr>
-          <p:nvPr>
-            <p:ph idx="1"/>
-          </p:nvPr>
-        </p:nvSpPr>
-        <p:spPr>
-          <a:xfrm>
-            <a:off x="639801" y="1156901"/>
-            <a:ext cx="3221386" cy="1249363"/>
-          </a:xfrm>
-        </p:spPr>
-        <p:txBody>
-          <a:bodyPr>
-            <a:normAutofit/>
-          </a:bodyPr>
-          <a:lstStyle/>
-          <a:p>
-            <a:r>
-              <a:rPr lang="en-US" sz="1800" dirty="0"/>
-              <a:t>Speech recognition</a:t>
-            </a:r>
-          </a:p>
-          <a:p>
-            <a:r>
-              <a:rPr lang="en-US" sz="1800" dirty="0"/>
-              <a:t>Information Retrieval</a:t>
-            </a:r>
-          </a:p>
-          <a:p>
-            <a:r>
-              <a:rPr lang="en-US" sz="1800" dirty="0"/>
-              <a:t>Language Models</a:t>
-            </a:r>
-          </a:p>
-        </p:txBody>
-      </p:sp>
-      <p:sp>
-        <p:nvSpPr>
           <p:cNvPr id="7" name="TextBox 6">
             <a:extLst>
               <a:ext uri="{FF2B5EF4-FFF2-40B4-BE49-F238E27FC236}">
                 <a16:creationId xmlns:a16="http://schemas.microsoft.com/office/drawing/2014/main" id="{297FB36A-010C-4065-B3AD-0FD5B0D42430}"/>
+              </a:ext>
+              <a:ext uri="{C183D7F6-B498-43B3-948B-1728B52AA6E4}">
+                <adec:decorative xmlns:adec="http://schemas.microsoft.com/office/drawing/2017/decorative" val="1"/>
               </a:ext>
             </a:extLst>
           </p:cNvPr>
@@ -8841,6 +8941,9 @@
               <a:ext uri="{FF2B5EF4-FFF2-40B4-BE49-F238E27FC236}">
                 <a16:creationId xmlns:a16="http://schemas.microsoft.com/office/drawing/2014/main" id="{CE55B037-75F6-4EA9-AFD1-E9447A0928EB}"/>
               </a:ext>
+              <a:ext uri="{C183D7F6-B498-43B3-948B-1728B52AA6E4}">
+                <adec:decorative xmlns:adec="http://schemas.microsoft.com/office/drawing/2017/decorative" val="1"/>
+              </a:ext>
             </a:extLst>
           </p:cNvPr>
           <p:cNvPicPr>
@@ -8978,7 +9081,7 @@
 <file path=ppt/theme/theme1.xml><?xml version="1.0" encoding="utf-8"?>
 <a:theme xmlns:a="http://schemas.openxmlformats.org/drawingml/2006/main" name="Office Theme">
   <a:themeElements>
-    <a:clrScheme name="Office">
+    <a:clrScheme name="Custom 3">
       <a:dk1>
         <a:sysClr val="windowText" lastClr="000000"/>
       </a:dk1>
@@ -8986,34 +9089,34 @@
         <a:sysClr val="window" lastClr="FFFFFF"/>
       </a:lt1>
       <a:dk2>
-        <a:srgbClr val="44546A"/>
+        <a:srgbClr val="0E2841"/>
       </a:dk2>
       <a:lt2>
-        <a:srgbClr val="E7E6E6"/>
+        <a:srgbClr val="E8E8E8"/>
       </a:lt2>
       <a:accent1>
-        <a:srgbClr val="4472C4"/>
+        <a:srgbClr val="156082"/>
       </a:accent1>
       <a:accent2>
-        <a:srgbClr val="ED7D31"/>
+        <a:srgbClr val="BE4D14"/>
       </a:accent2>
       <a:accent3>
-        <a:srgbClr val="A5A5A5"/>
+        <a:srgbClr val="196B24"/>
       </a:accent3>
       <a:accent4>
-        <a:srgbClr val="FFC000"/>
+        <a:srgbClr val="0B769F"/>
       </a:accent4>
       <a:accent5>
-        <a:srgbClr val="5B9BD5"/>
+        <a:srgbClr val="A02B93"/>
       </a:accent5>
       <a:accent6>
-        <a:srgbClr val="70AD47"/>
+        <a:srgbClr val="377620"/>
       </a:accent6>
       <a:hlink>
-        <a:srgbClr val="0563C1"/>
+        <a:srgbClr val="467886"/>
       </a:hlink>
       <a:folHlink>
-        <a:srgbClr val="954F72"/>
+        <a:srgbClr val="96607D"/>
       </a:folHlink>
     </a:clrScheme>
     <a:fontScheme name="Office">

--- a/slides/xx_more_AI.pptx
+++ b/slides/xx_more_AI.pptx
@@ -5,7 +5,7 @@
     <p:sldMasterId id="2147483678" r:id="rId1"/>
   </p:sldMasterIdLst>
   <p:notesMasterIdLst>
-    <p:notesMasterId r:id="rId7"/>
+    <p:notesMasterId r:id="rId9"/>
   </p:notesMasterIdLst>
   <p:sldIdLst>
     <p:sldId id="257" r:id="rId2"/>
@@ -13,6 +13,8 @@
     <p:sldId id="259" r:id="rId4"/>
     <p:sldId id="260" r:id="rId5"/>
     <p:sldId id="258" r:id="rId6"/>
+    <p:sldId id="262" r:id="rId7"/>
+    <p:sldId id="264" r:id="rId8"/>
   </p:sldIdLst>
   <p:sldSz cx="9144000" cy="6858000" type="screen4x3"/>
   <p:notesSz cx="7315200" cy="9601200"/>
@@ -3618,7 +3620,7 @@
           <a:p>
             <a:fld id="{FDB68C03-DCF9-4B87-BBF6-8F2088376604}" type="datetimeFigureOut">
               <a:rPr lang="en-US" smtClean="0"/>
-              <a:t>12/7/2024</a:t>
+              <a:t>12/8/2024</a:t>
             </a:fld>
             <a:endParaRPr lang="en-US"/>
           </a:p>
@@ -4468,7 +4470,7 @@
           <a:p>
             <a:fld id="{FDB68C03-DCF9-4B87-BBF6-8F2088376604}" type="datetimeFigureOut">
               <a:rPr lang="en-US" smtClean="0"/>
-              <a:t>12/7/2024</a:t>
+              <a:t>12/8/2024</a:t>
             </a:fld>
             <a:endParaRPr lang="en-US"/>
           </a:p>
@@ -4749,7 +4751,7 @@
           <a:p>
             <a:fld id="{FDB68C03-DCF9-4B87-BBF6-8F2088376604}" type="datetimeFigureOut">
               <a:rPr lang="en-US" smtClean="0"/>
-              <a:t>12/7/2024</a:t>
+              <a:t>12/8/2024</a:t>
             </a:fld>
             <a:endParaRPr lang="en-US"/>
           </a:p>
@@ -7454,7 +7456,7 @@
 </file>
 
 <file path=ppt/slides/slide2.xml><?xml version="1.0" encoding="utf-8"?>
-<p:sld xmlns:a="http://schemas.openxmlformats.org/drawingml/2006/main" xmlns:r="http://schemas.openxmlformats.org/officeDocument/2006/relationships" xmlns:p="http://schemas.openxmlformats.org/presentationml/2006/main">
+<p:sld xmlns:a="http://schemas.openxmlformats.org/drawingml/2006/main" xmlns:r="http://schemas.openxmlformats.org/officeDocument/2006/relationships" xmlns:p="http://schemas.openxmlformats.org/presentationml/2006/main" show="0">
   <p:cSld>
     <p:spTree>
       <p:nvGrpSpPr>
@@ -7498,8 +7500,8 @@
           </a:p>
         </p:txBody>
       </p:sp>
-      <mc:AlternateContent xmlns:mc="http://schemas.openxmlformats.org/markup-compatibility/2006" xmlns:a14="http://schemas.microsoft.com/office/drawing/2010/main">
-        <mc:Choice Requires="a14">
+      <mc:AlternateContent xmlns:mc="http://schemas.openxmlformats.org/markup-compatibility/2006">
+        <mc:Choice xmlns:a14="http://schemas.microsoft.com/office/drawing/2010/main" Requires="a14">
           <p:sp>
             <p:nvSpPr>
               <p:cNvPr id="3" name="Content Placeholder 2">
@@ -7666,11 +7668,11 @@
                             </m:e>
                           </m:nary>
                           <m:r>
-                            <a:rPr lang="en-US" i="1">
+                            <a:rPr lang="en-US" b="0" i="1" smtClean="0">
                               <a:latin typeface="Cambria Math" panose="02040503050406030204" pitchFamily="18" charset="0"/>
                               <a:ea typeface="Cambria Math" panose="02040503050406030204" pitchFamily="18" charset="0"/>
                             </a:rPr>
-                            <m:t>𝑅</m:t>
+                            <m:t>𝑟</m:t>
                           </m:r>
                           <m:r>
                             <a:rPr lang="en-US" i="1">
@@ -7927,7 +7929,7 @@
             </p:txBody>
           </p:sp>
         </mc:Choice>
-        <mc:Fallback xmlns="">
+        <mc:Fallback>
           <p:sp>
             <p:nvSpPr>
               <p:cNvPr id="3" name="Content Placeholder 2">
@@ -8141,8 +8143,8 @@
           </p:txBody>
         </p:sp>
       </p:grpSp>
-      <mc:AlternateContent xmlns:mc="http://schemas.openxmlformats.org/markup-compatibility/2006">
-        <mc:Choice xmlns:a14="http://schemas.microsoft.com/office/drawing/2010/main" Requires="a14">
+      <mc:AlternateContent xmlns:mc="http://schemas.openxmlformats.org/markup-compatibility/2006" xmlns:a14="http://schemas.microsoft.com/office/drawing/2010/main">
+        <mc:Choice Requires="a14">
           <p:sp>
             <p:nvSpPr>
               <p:cNvPr id="8" name="TextBox 7">
@@ -8259,7 +8261,7 @@
             </p:txBody>
           </p:sp>
         </mc:Choice>
-        <mc:Fallback>
+        <mc:Fallback xmlns="">
           <p:sp>
             <p:nvSpPr>
               <p:cNvPr id="8" name="TextBox 7">
@@ -8497,7 +8499,7 @@
           <a:p>
             <a:r>
               <a:rPr lang="en-US" dirty="0"/>
-              <a:t>Natural Language Processing</a:t>
+              <a:t>Natural Language Processing (NLP)</a:t>
             </a:r>
           </a:p>
         </p:txBody>
@@ -8520,16 +8522,25 @@
         </p:nvSpPr>
         <p:spPr>
           <a:xfrm>
-            <a:off x="639801" y="1156901"/>
-            <a:ext cx="3221386" cy="1249363"/>
+            <a:off x="639800" y="1156901"/>
+            <a:ext cx="7875550" cy="1319371"/>
           </a:xfrm>
         </p:spPr>
         <p:txBody>
-          <a:bodyPr>
-            <a:normAutofit/>
+          <a:bodyPr numCol="2">
+            <a:normAutofit fontScale="85000" lnSpcReduction="20000"/>
           </a:bodyPr>
           <a:lstStyle/>
           <a:p>
+            <a:pPr marL="0" indent="0">
+              <a:buNone/>
+            </a:pPr>
+            <a:r>
+              <a:rPr lang="en-US" sz="1800" dirty="0"/>
+              <a:t>Tasks:</a:t>
+            </a:r>
+          </a:p>
+          <a:p>
             <a:r>
               <a:rPr lang="en-US" sz="1800" dirty="0"/>
               <a:t>Speech recognition</a:t>
@@ -8538,26 +8549,102 @@
           <a:p>
             <a:r>
               <a:rPr lang="en-US" sz="1800" dirty="0"/>
-              <a:t>Information Retrieval</a:t>
+              <a:t>Text classification</a:t>
             </a:r>
           </a:p>
           <a:p>
             <a:r>
               <a:rPr lang="en-US" sz="1800" dirty="0"/>
-              <a:t>Language Models</a:t>
+              <a:t>Natural-language understanding</a:t>
+            </a:r>
+          </a:p>
+          <a:p>
+            <a:r>
+              <a:rPr lang="en-US" sz="1800" dirty="0"/>
+              <a:t>Natural-language generation.</a:t>
+            </a:r>
+          </a:p>
+          <a:p>
+            <a:pPr marL="0" indent="0">
+              <a:buNone/>
+            </a:pPr>
+            <a:r>
+              <a:rPr lang="en-US" sz="1800" dirty="0"/>
+              <a:t>Techniques:</a:t>
+            </a:r>
+          </a:p>
+          <a:p>
+            <a:r>
+              <a:rPr lang="en-US" sz="1800" dirty="0"/>
+              <a:t>Text embeddings</a:t>
+            </a:r>
+          </a:p>
+          <a:p>
+            <a:r>
+              <a:rPr lang="en-US" sz="1800" dirty="0"/>
+              <a:t>Transformers</a:t>
+            </a:r>
+          </a:p>
+          <a:p>
+            <a:r>
+              <a:rPr lang="en-US" sz="1800" dirty="0"/>
+              <a:t>Large language models (LLMs)</a:t>
+            </a:r>
+          </a:p>
+        </p:txBody>
+      </p:sp>
+      <p:sp>
+        <p:nvSpPr>
+          <p:cNvPr id="5" name="TextBox 4">
+            <a:extLst>
+              <a:ext uri="{FF2B5EF4-FFF2-40B4-BE49-F238E27FC236}">
+                <a16:creationId xmlns:a16="http://schemas.microsoft.com/office/drawing/2014/main" id="{84395F43-0BC8-3D1A-CDAA-2521F5B4F0D1}"/>
+              </a:ext>
+              <a:ext uri="{C183D7F6-B498-43B3-948B-1728B52AA6E4}">
+                <adec:decorative xmlns:adec="http://schemas.microsoft.com/office/drawing/2017/decorative" val="1"/>
+              </a:ext>
+            </a:extLst>
+          </p:cNvPr>
+          <p:cNvSpPr txBox="1"/>
+          <p:nvPr/>
+        </p:nvSpPr>
+        <p:spPr>
+          <a:xfrm>
+            <a:off x="6019800" y="2590800"/>
+            <a:ext cx="2667000" cy="461665"/>
+          </a:xfrm>
+          <a:prstGeom prst="rect">
+            <a:avLst/>
+          </a:prstGeom>
+          <a:noFill/>
+        </p:spPr>
+        <p:txBody>
+          <a:bodyPr wrap="square" rtlCol="0">
+            <a:spAutoFit/>
+          </a:bodyPr>
+          <a:lstStyle/>
+          <a:p>
+            <a:pPr algn="ctr"/>
+            <a:r>
+              <a:rPr lang="en-US" sz="1200" dirty="0"/>
+              <a:t>Decoder-only transformer</a:t>
+            </a:r>
+            <a:br>
+              <a:rPr lang="en-US" sz="1200" dirty="0"/>
+            </a:br>
+            <a:r>
+              <a:rPr lang="en-US" sz="1200" dirty="0"/>
+              <a:t> used by LLMs</a:t>
             </a:r>
           </a:p>
         </p:txBody>
       </p:sp>
       <p:pic>
         <p:nvPicPr>
-          <p:cNvPr id="2050" name="Picture 2">
+          <p:cNvPr id="2052" name="Picture 4" descr="Word Embeddings for PyTorch Text Classification Networks">
             <a:extLst>
               <a:ext uri="{FF2B5EF4-FFF2-40B4-BE49-F238E27FC236}">
-                <a16:creationId xmlns:a16="http://schemas.microsoft.com/office/drawing/2014/main" id="{A8B9A248-A1E1-4E83-B7E9-4ADB84DE7B8C}"/>
-              </a:ext>
-              <a:ext uri="{C183D7F6-B498-43B3-948B-1728B52AA6E4}">
-                <adec:decorative xmlns:adec="http://schemas.microsoft.com/office/drawing/2017/decorative" val="1"/>
+                <a16:creationId xmlns:a16="http://schemas.microsoft.com/office/drawing/2014/main" id="{7C83FC80-3B9D-883E-ECDE-32D8C1E187EB}"/>
               </a:ext>
             </a:extLst>
           </p:cNvPr>
@@ -8566,7 +8653,7 @@
           </p:cNvPicPr>
           <p:nvPr/>
         </p:nvPicPr>
-        <p:blipFill rotWithShape="1">
+        <p:blipFill>
           <a:blip r:embed="rId2" cstate="print">
             <a:extLst>
               <a:ext uri="{28A0092B-C50C-407E-A947-70E740481C1C}">
@@ -8574,13 +8661,62 @@
               </a:ext>
             </a:extLst>
           </a:blip>
-          <a:srcRect l="2041" t="2720" r="979" b="690"/>
-          <a:stretch/>
+          <a:srcRect/>
+          <a:stretch>
+            <a:fillRect/>
+          </a:stretch>
         </p:blipFill>
         <p:spPr bwMode="auto">
           <a:xfrm>
-            <a:off x="1600199" y="1295400"/>
-            <a:ext cx="7239001" cy="5410200"/>
+            <a:off x="304800" y="2476272"/>
+            <a:ext cx="5107589" cy="3813843"/>
+          </a:xfrm>
+          <a:prstGeom prst="rect">
+            <a:avLst/>
+          </a:prstGeom>
+          <a:noFill/>
+          <a:extLst>
+            <a:ext uri="{909E8E84-426E-40DD-AFC4-6F175D3DCCD1}">
+              <a14:hiddenFill xmlns:a14="http://schemas.microsoft.com/office/drawing/2010/main">
+                <a:solidFill>
+                  <a:srgbClr val="FFFFFF"/>
+                </a:solidFill>
+              </a14:hiddenFill>
+            </a:ext>
+          </a:extLst>
+        </p:spPr>
+      </p:pic>
+      <p:pic>
+        <p:nvPicPr>
+          <p:cNvPr id="4" name="Picture 2" descr="A diagram with a decoder-only transformer architecture used by LLMs.&#10;">
+            <a:extLst>
+              <a:ext uri="{FF2B5EF4-FFF2-40B4-BE49-F238E27FC236}">
+                <a16:creationId xmlns:a16="http://schemas.microsoft.com/office/drawing/2014/main" id="{17E88751-D31D-65EC-9D5D-6C2A35FBB5E1}"/>
+              </a:ext>
+            </a:extLst>
+          </p:cNvPr>
+          <p:cNvPicPr>
+            <a:picLocks noChangeAspect="1" noChangeArrowheads="1"/>
+          </p:cNvPicPr>
+          <p:nvPr/>
+        </p:nvPicPr>
+        <p:blipFill>
+          <a:blip r:embed="rId3">
+            <a:extLst>
+              <a:ext uri="{28A0092B-C50C-407E-A947-70E740481C1C}">
+                <a14:useLocalDpi xmlns:a14="http://schemas.microsoft.com/office/drawing/2010/main" val="0"/>
+              </a:ext>
+            </a:extLst>
+          </a:blip>
+          <a:srcRect/>
+          <a:stretch>
+            <a:fillRect/>
+          </a:stretch>
+        </p:blipFill>
+        <p:spPr bwMode="auto">
+          <a:xfrm>
+            <a:off x="5791200" y="2711116"/>
+            <a:ext cx="3487102" cy="4114800"/>
           </a:xfrm>
           <a:prstGeom prst="rect">
             <a:avLst/>
@@ -8599,10 +8735,10 @@
       </p:pic>
       <p:sp>
         <p:nvSpPr>
-          <p:cNvPr id="7" name="TextBox 6">
+          <p:cNvPr id="9" name="TextBox 8">
             <a:extLst>
               <a:ext uri="{FF2B5EF4-FFF2-40B4-BE49-F238E27FC236}">
-                <a16:creationId xmlns:a16="http://schemas.microsoft.com/office/drawing/2014/main" id="{297FB36A-010C-4065-B3AD-0FD5B0D42430}"/>
+                <a16:creationId xmlns:a16="http://schemas.microsoft.com/office/drawing/2014/main" id="{5A9AC65E-E257-3C9D-F698-2F8CC86485CD}"/>
               </a:ext>
               <a:ext uri="{C183D7F6-B498-43B3-948B-1728B52AA6E4}">
                 <adec:decorative xmlns:adec="http://schemas.microsoft.com/office/drawing/2017/decorative" val="1"/>
@@ -8614,8 +8750,8 @@
         </p:nvSpPr>
         <p:spPr>
           <a:xfrm>
-            <a:off x="1981200" y="6567100"/>
-            <a:ext cx="9829800" cy="276999"/>
+            <a:off x="390714" y="6360239"/>
+            <a:ext cx="5039906" cy="307777"/>
           </a:xfrm>
           <a:prstGeom prst="rect">
             <a:avLst/>
@@ -8623,22 +8759,34 @@
           <a:noFill/>
         </p:spPr>
         <p:txBody>
-          <a:bodyPr wrap="square">
+          <a:bodyPr wrap="none" rtlCol="0">
             <a:spAutoFit/>
           </a:bodyPr>
           <a:lstStyle/>
           <a:p>
             <a:r>
-              <a:rPr lang="en-US" sz="1200"/>
-              <a:t>Source:  </a:t>
-            </a:r>
-            <a:r>
-              <a:rPr lang="en-US" sz="1200">
-                <a:hlinkClick r:id="rId3"/>
+              <a:rPr lang="en-US" sz="1400" dirty="0"/>
+              <a:t>Source: </a:t>
+            </a:r>
+            <a:r>
+              <a:rPr lang="en-US" sz="1400" dirty="0">
+                <a:hlinkClick r:id="rId4"/>
               </a:rPr>
-              <a:t>Leveraging Deep Learning for Multilingual Sentiment Analysis - AYLIEN News API</a:t>
-            </a:r>
-            <a:endParaRPr lang="en-US" sz="1200" dirty="0"/>
+              <a:t>Word Embeddings for </a:t>
+            </a:r>
+            <a:r>
+              <a:rPr lang="en-US" sz="1400" dirty="0" err="1">
+                <a:hlinkClick r:id="rId4"/>
+              </a:rPr>
+              <a:t>PyTorch</a:t>
+            </a:r>
+            <a:r>
+              <a:rPr lang="en-US" sz="1400" dirty="0">
+                <a:hlinkClick r:id="rId4"/>
+              </a:rPr>
+              <a:t> Text Classification Networks</a:t>
+            </a:r>
+            <a:endParaRPr lang="en-US" sz="1400" dirty="0"/>
           </a:p>
         </p:txBody>
       </p:sp>
@@ -8698,8 +8846,8 @@
         </p:nvSpPr>
         <p:spPr>
           <a:xfrm>
-            <a:off x="360758" y="3752849"/>
-            <a:ext cx="8554642" cy="2452687"/>
+            <a:off x="360759" y="3752849"/>
+            <a:ext cx="2468166" cy="2452687"/>
           </a:xfrm>
         </p:spPr>
         <p:txBody>
@@ -8708,42 +8856,22 @@
           </a:bodyPr>
           <a:lstStyle/>
           <a:p>
-            <a:pPr algn="ctr"/>
-            <a:r>
-              <a:rPr lang="en-US" sz="3100" dirty="0"/>
+            <a:r>
+              <a:rPr lang="en-US" sz="3600" b="1" dirty="0"/>
               <a:t>Computer Vision</a:t>
             </a:r>
-            <a:br>
-              <a:rPr lang="en-US" sz="3100" dirty="0"/>
-            </a:br>
-            <a:r>
-              <a:rPr lang="en-US" sz="3100" dirty="0"/>
-              <a:t>Image Processing &amp; </a:t>
-            </a:r>
-            <a:r>
-              <a:rPr lang="en-US" sz="3200" dirty="0"/>
-              <a:t>Object Recognition</a:t>
-            </a:r>
-            <a:br>
-              <a:rPr lang="en-US" sz="3200" dirty="0"/>
-            </a:br>
-            <a:br>
-              <a:rPr lang="en-US" sz="3200" dirty="0"/>
-            </a:br>
-            <a:r>
-              <a:rPr lang="en-US" sz="2400" dirty="0"/>
-              <a:t>Uses Deep Convolutional Neural Networks </a:t>
-            </a:r>
-            <a:endParaRPr lang="en-US" sz="3100" dirty="0"/>
           </a:p>
         </p:txBody>
       </p:sp>
       <p:pic>
         <p:nvPicPr>
-          <p:cNvPr id="3074" name="Picture 2" descr="See the source image">
+          <p:cNvPr id="3074" name="Picture 2">
             <a:extLst>
               <a:ext uri="{FF2B5EF4-FFF2-40B4-BE49-F238E27FC236}">
                 <a16:creationId xmlns:a16="http://schemas.microsoft.com/office/drawing/2014/main" id="{0AFD5689-018C-4837-857F-57A269716A39}"/>
+              </a:ext>
+              <a:ext uri="{C183D7F6-B498-43B3-948B-1728B52AA6E4}">
+                <adec:decorative xmlns:adec="http://schemas.microsoft.com/office/drawing/2017/decorative" val="1"/>
               </a:ext>
             </a:extLst>
           </p:cNvPr>
@@ -8812,6 +8940,133 @@
           </a:extLst>
         </p:spPr>
       </p:pic>
+      <p:sp>
+        <p:nvSpPr>
+          <p:cNvPr id="3" name="Content Placeholder 2">
+            <a:extLst>
+              <a:ext uri="{FF2B5EF4-FFF2-40B4-BE49-F238E27FC236}">
+                <a16:creationId xmlns:a16="http://schemas.microsoft.com/office/drawing/2014/main" id="{8779F921-2525-9E49-8FE9-A28CF0FD5AD2}"/>
+              </a:ext>
+            </a:extLst>
+          </p:cNvPr>
+          <p:cNvSpPr>
+            <a:spLocks noGrp="1"/>
+          </p:cNvSpPr>
+          <p:nvPr>
+            <p:ph idx="1"/>
+          </p:nvPr>
+        </p:nvSpPr>
+        <p:spPr>
+          <a:xfrm>
+            <a:off x="3167986" y="3752850"/>
+            <a:ext cx="5614060" cy="2647950"/>
+          </a:xfrm>
+        </p:spPr>
+        <p:txBody>
+          <a:bodyPr anchor="ctr">
+            <a:normAutofit/>
+          </a:bodyPr>
+          <a:lstStyle/>
+          <a:p>
+            <a:r>
+              <a:rPr lang="en-US" sz="1600" dirty="0"/>
+              <a:t>Object detection</a:t>
+            </a:r>
+          </a:p>
+          <a:p>
+            <a:r>
+              <a:rPr lang="en-US" sz="1600" dirty="0"/>
+              <a:t>Event detection</a:t>
+            </a:r>
+          </a:p>
+          <a:p>
+            <a:r>
+              <a:rPr lang="en-US" sz="1600" dirty="0"/>
+              <a:t>Activity recognition</a:t>
+            </a:r>
+          </a:p>
+          <a:p>
+            <a:r>
+              <a:rPr lang="en-US" sz="1600" dirty="0"/>
+              <a:t>Video tracking</a:t>
+            </a:r>
+          </a:p>
+          <a:p>
+            <a:r>
+              <a:rPr lang="en-US" sz="1600" dirty="0"/>
+              <a:t>Object recognition</a:t>
+            </a:r>
+          </a:p>
+          <a:p>
+            <a:r>
+              <a:rPr lang="en-US" sz="1600" dirty="0"/>
+              <a:t>3D pose estimation</a:t>
+            </a:r>
+          </a:p>
+          <a:p>
+            <a:endParaRPr lang="en-US" sz="1600" dirty="0"/>
+          </a:p>
+          <a:p>
+            <a:r>
+              <a:rPr lang="en-US" sz="1600" dirty="0"/>
+              <a:t>Uses Deep Convolutional Neural Networks</a:t>
+            </a:r>
+          </a:p>
+        </p:txBody>
+      </p:sp>
+      <p:sp>
+        <p:nvSpPr>
+          <p:cNvPr id="4" name="TextBox 3">
+            <a:extLst>
+              <a:ext uri="{FF2B5EF4-FFF2-40B4-BE49-F238E27FC236}">
+                <a16:creationId xmlns:a16="http://schemas.microsoft.com/office/drawing/2014/main" id="{CABD32DC-2FFD-ADAE-81E0-1D21C226AC2C}"/>
+              </a:ext>
+              <a:ext uri="{C183D7F6-B498-43B3-948B-1728B52AA6E4}">
+                <adec:decorative xmlns:adec="http://schemas.microsoft.com/office/drawing/2017/decorative" val="1"/>
+              </a:ext>
+            </a:extLst>
+          </p:cNvPr>
+          <p:cNvSpPr txBox="1"/>
+          <p:nvPr/>
+        </p:nvSpPr>
+        <p:spPr>
+          <a:xfrm>
+            <a:off x="7791446" y="272534"/>
+            <a:ext cx="990600" cy="369332"/>
+          </a:xfrm>
+          <a:prstGeom prst="rect">
+            <a:avLst/>
+          </a:prstGeom>
+        </p:spPr>
+        <p:style>
+          <a:lnRef idx="2">
+            <a:schemeClr val="accent2">
+              <a:shade val="15000"/>
+            </a:schemeClr>
+          </a:lnRef>
+          <a:fillRef idx="1">
+            <a:schemeClr val="accent2"/>
+          </a:fillRef>
+          <a:effectRef idx="0">
+            <a:schemeClr val="accent2"/>
+          </a:effectRef>
+          <a:fontRef idx="minor">
+            <a:schemeClr val="lt1"/>
+          </a:fontRef>
+        </p:style>
+        <p:txBody>
+          <a:bodyPr wrap="square" rtlCol="0">
+            <a:spAutoFit/>
+          </a:bodyPr>
+          <a:lstStyle/>
+          <a:p>
+            <a:r>
+              <a:rPr lang="en-US" dirty="0"/>
+              <a:t>Percepts</a:t>
+            </a:r>
+          </a:p>
+        </p:txBody>
+      </p:sp>
     </p:spTree>
     <p:extLst>
       <p:ext uri="{BB962C8B-B14F-4D97-AF65-F5344CB8AC3E}">
@@ -8822,104 +9077,20 @@
   <p:clrMapOvr>
     <a:masterClrMapping/>
   </p:clrMapOvr>
-  <p:timing>
-    <p:tnLst>
-      <p:par>
-        <p:cTn id="1" dur="indefinite" restart="never" nodeType="tmRoot">
-          <p:childTnLst>
-            <p:seq concurrent="1" nextAc="seek">
-              <p:cTn id="2" dur="indefinite" nodeType="mainSeq">
-                <p:childTnLst>
-                  <p:par>
-                    <p:cTn id="3" fill="hold">
-                      <p:stCondLst>
-                        <p:cond delay="indefinite"/>
-                        <p:cond evt="onBegin" delay="0">
-                          <p:tn val="2"/>
-                        </p:cond>
-                      </p:stCondLst>
-                      <p:childTnLst>
-                        <p:par>
-                          <p:cTn id="4" fill="hold">
-                            <p:stCondLst>
-                              <p:cond delay="0"/>
-                            </p:stCondLst>
-                            <p:childTnLst>
-                              <p:par>
-                                <p:cTn id="5" presetID="10" presetClass="entr" presetSubtype="0" fill="hold" grpId="0" nodeType="withEffect">
-                                  <p:stCondLst>
-                                    <p:cond delay="1000"/>
-                                  </p:stCondLst>
-                                  <p:iterate type="lt">
-                                    <p:tmPct val="10000"/>
-                                  </p:iterate>
-                                  <p:childTnLst>
-                                    <p:set>
-                                      <p:cBhvr>
-                                        <p:cTn id="6" dur="1" fill="hold">
-                                          <p:stCondLst>
-                                            <p:cond delay="0"/>
-                                          </p:stCondLst>
-                                        </p:cTn>
-                                        <p:tgtEl>
-                                          <p:spTgt spid="2"/>
-                                        </p:tgtEl>
-                                        <p:attrNameLst>
-                                          <p:attrName>style.visibility</p:attrName>
-                                        </p:attrNameLst>
-                                      </p:cBhvr>
-                                      <p:to>
-                                        <p:strVal val="visible"/>
-                                      </p:to>
-                                    </p:set>
-                                    <p:animEffect transition="in" filter="fade">
-                                      <p:cBhvr>
-                                        <p:cTn id="7" dur="400"/>
-                                        <p:tgtEl>
-                                          <p:spTgt spid="2"/>
-                                        </p:tgtEl>
-                                      </p:cBhvr>
-                                    </p:animEffect>
-                                  </p:childTnLst>
-                                </p:cTn>
-                              </p:par>
-                            </p:childTnLst>
-                          </p:cTn>
-                        </p:par>
-                      </p:childTnLst>
-                    </p:cTn>
-                  </p:par>
-                </p:childTnLst>
-              </p:cTn>
-              <p:prevCondLst>
-                <p:cond evt="onPrev" delay="0">
-                  <p:tgtEl>
-                    <p:sldTgt/>
-                  </p:tgtEl>
-                </p:cond>
-              </p:prevCondLst>
-              <p:nextCondLst>
-                <p:cond evt="onNext" delay="0">
-                  <p:tgtEl>
-                    <p:sldTgt/>
-                  </p:tgtEl>
-                </p:cond>
-              </p:nextCondLst>
-            </p:seq>
-          </p:childTnLst>
-        </p:cTn>
-      </p:par>
-    </p:tnLst>
-    <p:bldLst>
-      <p:bldP spid="2" grpId="0"/>
-    </p:bldLst>
-  </p:timing>
 </p:sld>
 </file>
 
 <file path=ppt/slides/slide5.xml><?xml version="1.0" encoding="utf-8"?>
 <p:sld xmlns:a="http://schemas.openxmlformats.org/drawingml/2006/main" xmlns:r="http://schemas.openxmlformats.org/officeDocument/2006/relationships" xmlns:p="http://schemas.openxmlformats.org/presentationml/2006/main">
   <p:cSld>
+    <p:bg>
+      <p:bgPr>
+        <a:solidFill>
+          <a:schemeClr val="bg1"/>
+        </a:solidFill>
+        <a:effectLst/>
+      </p:bgPr>
+    </p:bg>
     <p:spTree>
       <p:nvGrpSpPr>
         <p:cNvPr id="1" name=""/>
@@ -8934,6 +9105,66 @@
           <a:chExt cx="0" cy="0"/>
         </a:xfrm>
       </p:grpSpPr>
+      <p:sp useBgFill="1">
+        <p:nvSpPr>
+          <p:cNvPr id="4103" name="Rectangle 4102">
+            <a:extLst>
+              <a:ext uri="{FF2B5EF4-FFF2-40B4-BE49-F238E27FC236}">
+                <a16:creationId xmlns:a16="http://schemas.microsoft.com/office/drawing/2014/main" id="{5A59F003-E00A-43F9-91DC-CC54E3B87466}"/>
+              </a:ext>
+              <a:ext uri="{C183D7F6-B498-43B3-948B-1728B52AA6E4}">
+                <adec:decorative xmlns:adec="http://schemas.microsoft.com/office/drawing/2017/decorative" val="1"/>
+              </a:ext>
+            </a:extLst>
+          </p:cNvPr>
+          <p:cNvSpPr>
+            <a:spLocks noGrp="1" noRot="1" noChangeAspect="1" noMove="1" noResize="1" noEditPoints="1" noAdjustHandles="1" noChangeArrowheads="1" noChangeShapeType="1" noTextEdit="1"/>
+          </p:cNvSpPr>
+          <p:nvPr>
+            <p:extLst>
+              <p:ext uri="{386F3935-93C4-4BCD-93E2-E3B085C9AB24}">
+                <p16:designElem xmlns:p16="http://schemas.microsoft.com/office/powerpoint/2015/main" val="1"/>
+              </p:ext>
+            </p:extLst>
+          </p:nvPr>
+        </p:nvSpPr>
+        <p:spPr>
+          <a:xfrm>
+            <a:off x="0" y="0"/>
+            <a:ext cx="9144000" cy="6858000"/>
+          </a:xfrm>
+          <a:prstGeom prst="rect">
+            <a:avLst/>
+          </a:prstGeom>
+          <a:ln>
+            <a:noFill/>
+          </a:ln>
+        </p:spPr>
+        <p:style>
+          <a:lnRef idx="2">
+            <a:schemeClr val="accent1">
+              <a:shade val="50000"/>
+            </a:schemeClr>
+          </a:lnRef>
+          <a:fillRef idx="1">
+            <a:schemeClr val="accent1"/>
+          </a:fillRef>
+          <a:effectRef idx="0">
+            <a:schemeClr val="accent1"/>
+          </a:effectRef>
+          <a:fontRef idx="minor">
+            <a:schemeClr val="lt1"/>
+          </a:fontRef>
+        </p:style>
+        <p:txBody>
+          <a:bodyPr rtlCol="0" anchor="ctr"/>
+          <a:lstStyle/>
+          <a:p>
+            <a:pPr algn="ctr"/>
+            <a:endParaRPr lang="en-US"/>
+          </a:p>
+        </p:txBody>
+      </p:sp>
       <p:pic>
         <p:nvPicPr>
           <p:cNvPr id="4098" name="Picture 2">
@@ -8959,15 +9190,843 @@
               </a:ext>
             </a:extLst>
           </a:blip>
-          <a:srcRect/>
-          <a:stretch>
-            <a:fillRect/>
-          </a:stretch>
+          <a:srcRect l="4399" t="9091" r="4692"/>
+          <a:stretch/>
         </p:blipFill>
         <p:spPr bwMode="auto">
           <a:xfrm>
+            <a:off x="20" y="10"/>
+            <a:ext cx="9143980" cy="6857990"/>
+          </a:xfrm>
+          <a:prstGeom prst="rect">
+            <a:avLst/>
+          </a:prstGeom>
+          <a:noFill/>
+          <a:extLst>
+            <a:ext uri="{909E8E84-426E-40DD-AFC4-6F175D3DCCD1}">
+              <a14:hiddenFill xmlns:a14="http://schemas.microsoft.com/office/drawing/2010/main">
+                <a:solidFill>
+                  <a:srgbClr val="FFFFFF"/>
+                </a:solidFill>
+              </a14:hiddenFill>
+            </a:ext>
+          </a:extLst>
+        </p:spPr>
+      </p:pic>
+      <p:sp>
+        <p:nvSpPr>
+          <p:cNvPr id="4105" name="Rectangle 4104">
+            <a:extLst>
+              <a:ext uri="{FF2B5EF4-FFF2-40B4-BE49-F238E27FC236}">
+                <a16:creationId xmlns:a16="http://schemas.microsoft.com/office/drawing/2014/main" id="{D74A4382-E3AD-430A-9A1F-DFA3E0E77A7D}"/>
+              </a:ext>
+              <a:ext uri="{C183D7F6-B498-43B3-948B-1728B52AA6E4}">
+                <adec:decorative xmlns:adec="http://schemas.microsoft.com/office/drawing/2017/decorative" val="1"/>
+              </a:ext>
+            </a:extLst>
+          </p:cNvPr>
+          <p:cNvSpPr>
+            <a:spLocks noGrp="1" noRot="1" noChangeAspect="1" noMove="1" noResize="1" noEditPoints="1" noAdjustHandles="1" noChangeArrowheads="1" noChangeShapeType="1" noTextEdit="1"/>
+          </p:cNvSpPr>
+          <p:nvPr>
+            <p:extLst>
+              <p:ext uri="{386F3935-93C4-4BCD-93E2-E3B085C9AB24}">
+                <p16:designElem xmlns:p16="http://schemas.microsoft.com/office/powerpoint/2015/main" val="1"/>
+              </p:ext>
+            </p:extLst>
+          </p:nvPr>
+        </p:nvSpPr>
+        <p:spPr>
+          <a:xfrm rot="16200000">
+            <a:off x="2275865" y="-511"/>
+            <a:ext cx="4592270" cy="9144001"/>
+          </a:xfrm>
+          <a:prstGeom prst="rect">
+            <a:avLst/>
+          </a:prstGeom>
+          <a:gradFill>
+            <a:gsLst>
+              <a:gs pos="35000">
+                <a:schemeClr val="tx1">
+                  <a:alpha val="46000"/>
+                </a:schemeClr>
+              </a:gs>
+              <a:gs pos="21000">
+                <a:schemeClr val="tx1">
+                  <a:alpha val="30000"/>
+                </a:schemeClr>
+              </a:gs>
+              <a:gs pos="0">
+                <a:schemeClr val="tx1">
+                  <a:alpha val="0"/>
+                </a:schemeClr>
+              </a:gs>
+              <a:gs pos="100000">
+                <a:schemeClr val="tx1">
+                  <a:alpha val="90000"/>
+                </a:schemeClr>
+              </a:gs>
+            </a:gsLst>
+            <a:lin ang="10800000" scaled="0"/>
+          </a:gradFill>
+          <a:ln>
+            <a:noFill/>
+          </a:ln>
+        </p:spPr>
+        <p:style>
+          <a:lnRef idx="2">
+            <a:schemeClr val="accent1">
+              <a:shade val="50000"/>
+            </a:schemeClr>
+          </a:lnRef>
+          <a:fillRef idx="1">
+            <a:schemeClr val="accent1"/>
+          </a:fillRef>
+          <a:effectRef idx="0">
+            <a:schemeClr val="accent1"/>
+          </a:effectRef>
+          <a:fontRef idx="minor">
+            <a:schemeClr val="lt1"/>
+          </a:fontRef>
+        </p:style>
+        <p:txBody>
+          <a:bodyPr rtlCol="0" anchor="ctr"/>
+          <a:lstStyle/>
+          <a:p>
+            <a:pPr algn="ctr"/>
+            <a:endParaRPr lang="en-US" dirty="0"/>
+          </a:p>
+        </p:txBody>
+      </p:sp>
+      <p:sp>
+        <p:nvSpPr>
+          <p:cNvPr id="2" name="Title 1">
+            <a:extLst>
+              <a:ext uri="{FF2B5EF4-FFF2-40B4-BE49-F238E27FC236}">
+                <a16:creationId xmlns:a16="http://schemas.microsoft.com/office/drawing/2014/main" id="{C44D7C84-B190-4132-AEAB-D61B1E6C4E9B}"/>
+              </a:ext>
+            </a:extLst>
+          </p:cNvPr>
+          <p:cNvSpPr>
+            <a:spLocks noGrp="1"/>
+          </p:cNvSpPr>
+          <p:nvPr>
+            <p:ph type="title"/>
+          </p:nvPr>
+        </p:nvSpPr>
+        <p:spPr>
+          <a:xfrm>
+            <a:off x="303414" y="3091928"/>
+            <a:ext cx="6808922" cy="2387600"/>
+          </a:xfrm>
+        </p:spPr>
+        <p:txBody>
+          <a:bodyPr vert="horz" lIns="91440" tIns="45720" rIns="91440" bIns="45720" rtlCol="0" anchor="b">
+            <a:normAutofit/>
+          </a:bodyPr>
+          <a:lstStyle/>
+          <a:p>
+            <a:pPr defTabSz="914400"/>
+            <a:r>
+              <a:rPr lang="en-US" sz="5700" dirty="0">
+                <a:solidFill>
+                  <a:schemeClr val="bg1"/>
+                </a:solidFill>
+              </a:rPr>
+              <a:t>  Robotics</a:t>
+            </a:r>
+          </a:p>
+        </p:txBody>
+      </p:sp>
+      <p:sp>
+        <p:nvSpPr>
+          <p:cNvPr id="4107" name="Rectangle: Rounded Corners 4106">
+            <a:extLst>
+              <a:ext uri="{FF2B5EF4-FFF2-40B4-BE49-F238E27FC236}">
+                <a16:creationId xmlns:a16="http://schemas.microsoft.com/office/drawing/2014/main" id="{79F40191-0F44-4FD1-82CC-ACB507C14BE6}"/>
+              </a:ext>
+              <a:ext uri="{C183D7F6-B498-43B3-948B-1728B52AA6E4}">
+                <adec:decorative xmlns:adec="http://schemas.microsoft.com/office/drawing/2017/decorative" val="1"/>
+              </a:ext>
+            </a:extLst>
+          </p:cNvPr>
+          <p:cNvSpPr>
+            <a:spLocks noGrp="1" noRot="1" noChangeAspect="1" noMove="1" noResize="1" noEditPoints="1" noAdjustHandles="1" noChangeArrowheads="1" noChangeShapeType="1" noTextEdit="1"/>
+          </p:cNvSpPr>
+          <p:nvPr>
+            <p:extLst>
+              <p:ext uri="{386F3935-93C4-4BCD-93E2-E3B085C9AB24}">
+                <p16:designElem xmlns:p16="http://schemas.microsoft.com/office/powerpoint/2015/main" val="1"/>
+              </p:ext>
+            </p:extLst>
+          </p:nvPr>
+        </p:nvSpPr>
+        <p:spPr>
+          <a:xfrm>
+            <a:off x="0" y="5575039"/>
+            <a:ext cx="7339422" cy="685800"/>
+          </a:xfrm>
+          <a:prstGeom prst="roundRect">
+            <a:avLst>
+              <a:gd name="adj" fmla="val 0"/>
+            </a:avLst>
+          </a:prstGeom>
+          <a:solidFill>
+            <a:schemeClr val="accent2"/>
+          </a:solidFill>
+          <a:ln>
+            <a:noFill/>
+          </a:ln>
+        </p:spPr>
+        <p:style>
+          <a:lnRef idx="2">
+            <a:schemeClr val="accent1">
+              <a:shade val="50000"/>
+            </a:schemeClr>
+          </a:lnRef>
+          <a:fillRef idx="1">
+            <a:schemeClr val="accent1"/>
+          </a:fillRef>
+          <a:effectRef idx="0">
+            <a:schemeClr val="accent1"/>
+          </a:effectRef>
+          <a:fontRef idx="minor">
+            <a:schemeClr val="lt1"/>
+          </a:fontRef>
+        </p:style>
+        <p:txBody>
+          <a:bodyPr rtlCol="0" anchor="ctr"/>
+          <a:lstStyle/>
+          <a:p>
+            <a:pPr algn="ctr"/>
+            <a:endParaRPr lang="en-US"/>
+          </a:p>
+        </p:txBody>
+      </p:sp>
+      <p:sp>
+        <p:nvSpPr>
+          <p:cNvPr id="3" name="Content Placeholder 2">
+            <a:extLst>
+              <a:ext uri="{FF2B5EF4-FFF2-40B4-BE49-F238E27FC236}">
+                <a16:creationId xmlns:a16="http://schemas.microsoft.com/office/drawing/2014/main" id="{18A0DFC2-A097-4722-ACFA-ADD8C82A0CA2}"/>
+              </a:ext>
+            </a:extLst>
+          </p:cNvPr>
+          <p:cNvSpPr>
+            <a:spLocks noGrp="1"/>
+          </p:cNvSpPr>
+          <p:nvPr>
+            <p:ph idx="1"/>
+          </p:nvPr>
+        </p:nvSpPr>
+        <p:spPr>
+          <a:xfrm>
+            <a:off x="303414" y="5624945"/>
+            <a:ext cx="6808922" cy="592975"/>
+          </a:xfrm>
+        </p:spPr>
+        <p:txBody>
+          <a:bodyPr vert="horz" lIns="91440" tIns="45720" rIns="91440" bIns="45720" rtlCol="0" anchor="ctr">
+            <a:normAutofit/>
+          </a:bodyPr>
+          <a:lstStyle/>
+          <a:p>
+            <a:pPr marL="0" indent="0" defTabSz="914400">
+              <a:spcBef>
+                <a:spcPts val="1000"/>
+              </a:spcBef>
+              <a:buNone/>
+            </a:pPr>
+            <a:r>
+              <a:rPr lang="en-US" sz="2000">
+                <a:solidFill>
+                  <a:schemeClr val="bg1"/>
+                </a:solidFill>
+              </a:rPr>
+              <a:t>Hardware, sensors, control theory (feedback-based controllers)</a:t>
+            </a:r>
+          </a:p>
+        </p:txBody>
+      </p:sp>
+      <p:sp>
+        <p:nvSpPr>
+          <p:cNvPr id="4" name="TextBox 3">
+            <a:extLst>
+              <a:ext uri="{FF2B5EF4-FFF2-40B4-BE49-F238E27FC236}">
+                <a16:creationId xmlns:a16="http://schemas.microsoft.com/office/drawing/2014/main" id="{BBEE0C49-97C9-68C8-7098-C033742453EE}"/>
+              </a:ext>
+            </a:extLst>
+          </p:cNvPr>
+          <p:cNvSpPr txBox="1"/>
+          <p:nvPr/>
+        </p:nvSpPr>
+        <p:spPr>
+          <a:xfrm>
+            <a:off x="6781800" y="412495"/>
+            <a:ext cx="1981200" cy="369332"/>
+          </a:xfrm>
+          <a:prstGeom prst="rect">
+            <a:avLst/>
+          </a:prstGeom>
+        </p:spPr>
+        <p:style>
+          <a:lnRef idx="2">
+            <a:schemeClr val="accent2">
+              <a:shade val="15000"/>
+            </a:schemeClr>
+          </a:lnRef>
+          <a:fillRef idx="1">
+            <a:schemeClr val="accent2"/>
+          </a:fillRef>
+          <a:effectRef idx="0">
+            <a:schemeClr val="accent2"/>
+          </a:effectRef>
+          <a:fontRef idx="minor">
+            <a:schemeClr val="lt1"/>
+          </a:fontRef>
+        </p:style>
+        <p:txBody>
+          <a:bodyPr wrap="square" rtlCol="0">
+            <a:spAutoFit/>
+          </a:bodyPr>
+          <a:lstStyle/>
+          <a:p>
+            <a:r>
+              <a:rPr lang="en-US" dirty="0"/>
+              <a:t>Percepts &amp; Actions</a:t>
+            </a:r>
+          </a:p>
+        </p:txBody>
+      </p:sp>
+    </p:spTree>
+    <p:extLst>
+      <p:ext uri="{BB962C8B-B14F-4D97-AF65-F5344CB8AC3E}">
+        <p14:creationId xmlns:p14="http://schemas.microsoft.com/office/powerpoint/2010/main" val="4189258210"/>
+      </p:ext>
+    </p:extLst>
+  </p:cSld>
+  <p:clrMapOvr>
+    <a:masterClrMapping/>
+  </p:clrMapOvr>
+</p:sld>
+</file>
+
+<file path=ppt/slides/slide6.xml><?xml version="1.0" encoding="utf-8"?>
+<p:sld xmlns:a="http://schemas.openxmlformats.org/drawingml/2006/main" xmlns:r="http://schemas.openxmlformats.org/officeDocument/2006/relationships" xmlns:p="http://schemas.openxmlformats.org/presentationml/2006/main">
+  <p:cSld>
+    <p:bg>
+      <p:bgPr>
+        <a:solidFill>
+          <a:schemeClr val="bg1"/>
+        </a:solidFill>
+        <a:effectLst/>
+      </p:bgPr>
+    </p:bg>
+    <p:spTree>
+      <p:nvGrpSpPr>
+        <p:cNvPr id="1" name=""/>
+        <p:cNvGrpSpPr/>
+        <p:nvPr/>
+      </p:nvGrpSpPr>
+      <p:grpSpPr>
+        <a:xfrm>
+          <a:off x="0" y="0"/>
+          <a:ext cx="0" cy="0"/>
+          <a:chOff x="0" y="0"/>
+          <a:chExt cx="0" cy="0"/>
+        </a:xfrm>
+      </p:grpSpPr>
+      <p:sp useBgFill="1">
+        <p:nvSpPr>
+          <p:cNvPr id="1028" name="Rectangle 1027">
+            <a:extLst>
+              <a:ext uri="{FF2B5EF4-FFF2-40B4-BE49-F238E27FC236}">
+                <a16:creationId xmlns:a16="http://schemas.microsoft.com/office/drawing/2014/main" id="{5A59F003-E00A-43F9-91DC-CC54E3B87466}"/>
+              </a:ext>
+              <a:ext uri="{C183D7F6-B498-43B3-948B-1728B52AA6E4}">
+                <adec:decorative xmlns:adec="http://schemas.microsoft.com/office/drawing/2017/decorative" val="1"/>
+              </a:ext>
+            </a:extLst>
+          </p:cNvPr>
+          <p:cNvSpPr>
+            <a:spLocks noGrp="1" noRot="1" noChangeAspect="1" noMove="1" noResize="1" noEditPoints="1" noAdjustHandles="1" noChangeArrowheads="1" noChangeShapeType="1" noTextEdit="1"/>
+          </p:cNvSpPr>
+          <p:nvPr>
+            <p:extLst>
+              <p:ext uri="{386F3935-93C4-4BCD-93E2-E3B085C9AB24}">
+                <p16:designElem xmlns:p16="http://schemas.microsoft.com/office/powerpoint/2015/main" val="1"/>
+              </p:ext>
+            </p:extLst>
+          </p:nvPr>
+        </p:nvSpPr>
+        <p:spPr>
+          <a:xfrm>
             <a:off x="0" y="0"/>
             <a:ext cx="9144000" cy="6858000"/>
+          </a:xfrm>
+          <a:prstGeom prst="rect">
+            <a:avLst/>
+          </a:prstGeom>
+          <a:ln>
+            <a:noFill/>
+          </a:ln>
+        </p:spPr>
+        <p:style>
+          <a:lnRef idx="2">
+            <a:schemeClr val="accent1">
+              <a:shade val="50000"/>
+            </a:schemeClr>
+          </a:lnRef>
+          <a:fillRef idx="1">
+            <a:schemeClr val="accent1"/>
+          </a:fillRef>
+          <a:effectRef idx="0">
+            <a:schemeClr val="accent1"/>
+          </a:effectRef>
+          <a:fontRef idx="minor">
+            <a:schemeClr val="lt1"/>
+          </a:fontRef>
+        </p:style>
+        <p:txBody>
+          <a:bodyPr rtlCol="0" anchor="ctr"/>
+          <a:lstStyle/>
+          <a:p>
+            <a:pPr algn="ctr"/>
+            <a:endParaRPr lang="en-US"/>
+          </a:p>
+        </p:txBody>
+      </p:sp>
+      <p:pic>
+        <p:nvPicPr>
+          <p:cNvPr id="1026" name="Picture 2" descr="1. Agents in Action (RoboCup 2002).">
+            <a:extLst>
+              <a:ext uri="{FF2B5EF4-FFF2-40B4-BE49-F238E27FC236}">
+                <a16:creationId xmlns:a16="http://schemas.microsoft.com/office/drawing/2014/main" id="{080190DF-2122-D125-BA98-D4D0431E7EA8}"/>
+              </a:ext>
+            </a:extLst>
+          </p:cNvPr>
+          <p:cNvPicPr>
+            <a:picLocks noChangeAspect="1" noChangeArrowheads="1"/>
+          </p:cNvPicPr>
+          <p:nvPr/>
+        </p:nvPicPr>
+        <p:blipFill>
+          <a:blip r:embed="rId2">
+            <a:extLst>
+              <a:ext uri="{28A0092B-C50C-407E-A947-70E740481C1C}">
+                <a14:useLocalDpi xmlns:a14="http://schemas.microsoft.com/office/drawing/2010/main" val="0"/>
+              </a:ext>
+            </a:extLst>
+          </a:blip>
+          <a:srcRect t="9091" r="9090" b="-1"/>
+          <a:stretch/>
+        </p:blipFill>
+        <p:spPr bwMode="auto">
+          <a:xfrm>
+            <a:off x="20" y="10"/>
+            <a:ext cx="9143980" cy="6857990"/>
+          </a:xfrm>
+          <a:prstGeom prst="rect">
+            <a:avLst/>
+          </a:prstGeom>
+          <a:noFill/>
+          <a:extLst>
+            <a:ext uri="{909E8E84-426E-40DD-AFC4-6F175D3DCCD1}">
+              <a14:hiddenFill xmlns:a14="http://schemas.microsoft.com/office/drawing/2010/main">
+                <a:solidFill>
+                  <a:srgbClr val="FFFFFF"/>
+                </a:solidFill>
+              </a14:hiddenFill>
+            </a:ext>
+          </a:extLst>
+        </p:spPr>
+      </p:pic>
+      <p:sp>
+        <p:nvSpPr>
+          <p:cNvPr id="1029" name="Rectangle 1028">
+            <a:extLst>
+              <a:ext uri="{FF2B5EF4-FFF2-40B4-BE49-F238E27FC236}">
+                <a16:creationId xmlns:a16="http://schemas.microsoft.com/office/drawing/2014/main" id="{D74A4382-E3AD-430A-9A1F-DFA3E0E77A7D}"/>
+              </a:ext>
+              <a:ext uri="{C183D7F6-B498-43B3-948B-1728B52AA6E4}">
+                <adec:decorative xmlns:adec="http://schemas.microsoft.com/office/drawing/2017/decorative" val="1"/>
+              </a:ext>
+            </a:extLst>
+          </p:cNvPr>
+          <p:cNvSpPr>
+            <a:spLocks noGrp="1" noRot="1" noChangeAspect="1" noMove="1" noResize="1" noEditPoints="1" noAdjustHandles="1" noChangeArrowheads="1" noChangeShapeType="1" noTextEdit="1"/>
+          </p:cNvSpPr>
+          <p:nvPr>
+            <p:extLst>
+              <p:ext uri="{386F3935-93C4-4BCD-93E2-E3B085C9AB24}">
+                <p16:designElem xmlns:p16="http://schemas.microsoft.com/office/powerpoint/2015/main" val="1"/>
+              </p:ext>
+            </p:extLst>
+          </p:nvPr>
+        </p:nvSpPr>
+        <p:spPr>
+          <a:xfrm rot="16200000">
+            <a:off x="2275865" y="-511"/>
+            <a:ext cx="4592270" cy="9144001"/>
+          </a:xfrm>
+          <a:prstGeom prst="rect">
+            <a:avLst/>
+          </a:prstGeom>
+          <a:gradFill>
+            <a:gsLst>
+              <a:gs pos="35000">
+                <a:schemeClr val="tx1">
+                  <a:alpha val="46000"/>
+                </a:schemeClr>
+              </a:gs>
+              <a:gs pos="21000">
+                <a:schemeClr val="tx1">
+                  <a:alpha val="30000"/>
+                </a:schemeClr>
+              </a:gs>
+              <a:gs pos="0">
+                <a:schemeClr val="tx1">
+                  <a:alpha val="0"/>
+                </a:schemeClr>
+              </a:gs>
+              <a:gs pos="100000">
+                <a:schemeClr val="tx1">
+                  <a:alpha val="90000"/>
+                </a:schemeClr>
+              </a:gs>
+            </a:gsLst>
+            <a:lin ang="10800000" scaled="0"/>
+          </a:gradFill>
+          <a:ln>
+            <a:noFill/>
+          </a:ln>
+        </p:spPr>
+        <p:style>
+          <a:lnRef idx="2">
+            <a:schemeClr val="accent1">
+              <a:shade val="50000"/>
+            </a:schemeClr>
+          </a:lnRef>
+          <a:fillRef idx="1">
+            <a:schemeClr val="accent1"/>
+          </a:fillRef>
+          <a:effectRef idx="0">
+            <a:schemeClr val="accent1"/>
+          </a:effectRef>
+          <a:fontRef idx="minor">
+            <a:schemeClr val="lt1"/>
+          </a:fontRef>
+        </p:style>
+        <p:txBody>
+          <a:bodyPr rtlCol="0" anchor="ctr"/>
+          <a:lstStyle/>
+          <a:p>
+            <a:pPr algn="ctr"/>
+            <a:endParaRPr lang="en-US" dirty="0"/>
+          </a:p>
+        </p:txBody>
+      </p:sp>
+      <p:sp>
+        <p:nvSpPr>
+          <p:cNvPr id="2" name="Title 1">
+            <a:extLst>
+              <a:ext uri="{FF2B5EF4-FFF2-40B4-BE49-F238E27FC236}">
+                <a16:creationId xmlns:a16="http://schemas.microsoft.com/office/drawing/2014/main" id="{453E2038-7E28-9F4A-9567-AF638A700FD1}"/>
+              </a:ext>
+            </a:extLst>
+          </p:cNvPr>
+          <p:cNvSpPr>
+            <a:spLocks noGrp="1"/>
+          </p:cNvSpPr>
+          <p:nvPr>
+            <p:ph type="title"/>
+          </p:nvPr>
+        </p:nvSpPr>
+        <p:spPr>
+          <a:xfrm>
+            <a:off x="303414" y="3091928"/>
+            <a:ext cx="6808922" cy="2387600"/>
+          </a:xfrm>
+        </p:spPr>
+        <p:style>
+          <a:lnRef idx="0">
+            <a:scrgbClr r="0" g="0" b="0"/>
+          </a:lnRef>
+          <a:fillRef idx="0">
+            <a:scrgbClr r="0" g="0" b="0"/>
+          </a:fillRef>
+          <a:effectRef idx="0">
+            <a:scrgbClr r="0" g="0" b="0"/>
+          </a:effectRef>
+          <a:fontRef idx="minor">
+            <a:schemeClr val="lt1"/>
+          </a:fontRef>
+        </p:style>
+        <p:txBody>
+          <a:bodyPr vert="horz" lIns="91440" tIns="45720" rIns="91440" bIns="45720" rtlCol="0" anchor="b">
+            <a:normAutofit/>
+          </a:bodyPr>
+          <a:lstStyle/>
+          <a:p>
+            <a:pPr defTabSz="914400"/>
+            <a:r>
+              <a:rPr lang="en-US" sz="5700" dirty="0">
+                <a:solidFill>
+                  <a:schemeClr val="bg1"/>
+                </a:solidFill>
+                <a:latin typeface="+mj-lt"/>
+                <a:ea typeface="+mj-ea"/>
+                <a:cs typeface="+mj-cs"/>
+              </a:rPr>
+              <a:t>       Multiagent Decision Making</a:t>
+            </a:r>
+          </a:p>
+        </p:txBody>
+      </p:sp>
+      <p:sp>
+        <p:nvSpPr>
+          <p:cNvPr id="1030" name="Rectangle: Rounded Corners 1029">
+            <a:extLst>
+              <a:ext uri="{FF2B5EF4-FFF2-40B4-BE49-F238E27FC236}">
+                <a16:creationId xmlns:a16="http://schemas.microsoft.com/office/drawing/2014/main" id="{79F40191-0F44-4FD1-82CC-ACB507C14BE6}"/>
+              </a:ext>
+              <a:ext uri="{C183D7F6-B498-43B3-948B-1728B52AA6E4}">
+                <adec:decorative xmlns:adec="http://schemas.microsoft.com/office/drawing/2017/decorative" val="1"/>
+              </a:ext>
+            </a:extLst>
+          </p:cNvPr>
+          <p:cNvSpPr>
+            <a:spLocks noGrp="1" noRot="1" noChangeAspect="1" noMove="1" noResize="1" noEditPoints="1" noAdjustHandles="1" noChangeArrowheads="1" noChangeShapeType="1" noTextEdit="1"/>
+          </p:cNvSpPr>
+          <p:nvPr>
+            <p:extLst>
+              <p:ext uri="{386F3935-93C4-4BCD-93E2-E3B085C9AB24}">
+                <p16:designElem xmlns:p16="http://schemas.microsoft.com/office/powerpoint/2015/main" val="1"/>
+              </p:ext>
+            </p:extLst>
+          </p:nvPr>
+        </p:nvSpPr>
+        <p:spPr>
+          <a:xfrm>
+            <a:off x="0" y="5575039"/>
+            <a:ext cx="7339422" cy="685800"/>
+          </a:xfrm>
+          <a:prstGeom prst="roundRect">
+            <a:avLst>
+              <a:gd name="adj" fmla="val 0"/>
+            </a:avLst>
+          </a:prstGeom>
+          <a:solidFill>
+            <a:schemeClr val="accent2"/>
+          </a:solidFill>
+          <a:ln>
+            <a:noFill/>
+          </a:ln>
+        </p:spPr>
+        <p:style>
+          <a:lnRef idx="2">
+            <a:schemeClr val="accent1">
+              <a:shade val="50000"/>
+            </a:schemeClr>
+          </a:lnRef>
+          <a:fillRef idx="1">
+            <a:schemeClr val="accent1"/>
+          </a:fillRef>
+          <a:effectRef idx="0">
+            <a:schemeClr val="accent1"/>
+          </a:effectRef>
+          <a:fontRef idx="minor">
+            <a:schemeClr val="lt1"/>
+          </a:fontRef>
+        </p:style>
+        <p:txBody>
+          <a:bodyPr rtlCol="0" anchor="ctr"/>
+          <a:lstStyle/>
+          <a:p>
+            <a:pPr algn="ctr"/>
+            <a:endParaRPr lang="en-US"/>
+          </a:p>
+        </p:txBody>
+      </p:sp>
+      <p:sp>
+        <p:nvSpPr>
+          <p:cNvPr id="4" name="Content Placeholder 3">
+            <a:extLst>
+              <a:ext uri="{FF2B5EF4-FFF2-40B4-BE49-F238E27FC236}">
+                <a16:creationId xmlns:a16="http://schemas.microsoft.com/office/drawing/2014/main" id="{A997472D-39A4-C55C-9841-2BDAF9ABE556}"/>
+              </a:ext>
+            </a:extLst>
+          </p:cNvPr>
+          <p:cNvSpPr>
+            <a:spLocks noGrp="1"/>
+          </p:cNvSpPr>
+          <p:nvPr>
+            <p:ph idx="1"/>
+          </p:nvPr>
+        </p:nvSpPr>
+        <p:spPr>
+          <a:xfrm>
+            <a:off x="303414" y="5624945"/>
+            <a:ext cx="6808922" cy="592975"/>
+          </a:xfrm>
+        </p:spPr>
+        <p:txBody>
+          <a:bodyPr vert="horz" lIns="91440" tIns="45720" rIns="91440" bIns="45720" rtlCol="0" anchor="ctr">
+            <a:normAutofit/>
+          </a:bodyPr>
+          <a:lstStyle/>
+          <a:p>
+            <a:pPr marL="0" indent="0" defTabSz="914400">
+              <a:spcBef>
+                <a:spcPts val="1000"/>
+              </a:spcBef>
+              <a:buNone/>
+            </a:pPr>
+            <a:r>
+              <a:rPr lang="en-US" sz="2400">
+                <a:solidFill>
+                  <a:schemeClr val="bg1"/>
+                </a:solidFill>
+              </a:rPr>
+              <a:t>Communication and Coordination</a:t>
+            </a:r>
+          </a:p>
+        </p:txBody>
+      </p:sp>
+    </p:spTree>
+    <p:extLst>
+      <p:ext uri="{BB962C8B-B14F-4D97-AF65-F5344CB8AC3E}">
+        <p14:creationId xmlns:p14="http://schemas.microsoft.com/office/powerpoint/2010/main" val="3032324153"/>
+      </p:ext>
+    </p:extLst>
+  </p:cSld>
+  <p:clrMapOvr>
+    <a:masterClrMapping/>
+  </p:clrMapOvr>
+</p:sld>
+</file>
+
+<file path=ppt/slides/slide7.xml><?xml version="1.0" encoding="utf-8"?>
+<p:sld xmlns:a="http://schemas.openxmlformats.org/drawingml/2006/main" xmlns:r="http://schemas.openxmlformats.org/officeDocument/2006/relationships" xmlns:p="http://schemas.openxmlformats.org/presentationml/2006/main">
+  <p:cSld>
+    <p:bg>
+      <p:bgPr>
+        <a:solidFill>
+          <a:srgbClr val="000000"/>
+        </a:solidFill>
+        <a:effectLst/>
+      </p:bgPr>
+    </p:bg>
+    <p:spTree>
+      <p:nvGrpSpPr>
+        <p:cNvPr id="1" name=""/>
+        <p:cNvGrpSpPr/>
+        <p:nvPr/>
+      </p:nvGrpSpPr>
+      <p:grpSpPr>
+        <a:xfrm>
+          <a:off x="0" y="0"/>
+          <a:ext cx="0" cy="0"/>
+          <a:chOff x="0" y="0"/>
+          <a:chExt cx="0" cy="0"/>
+        </a:xfrm>
+      </p:grpSpPr>
+      <p:sp>
+        <p:nvSpPr>
+          <p:cNvPr id="3081" name="Rectangle 3080">
+            <a:extLst>
+              <a:ext uri="{FF2B5EF4-FFF2-40B4-BE49-F238E27FC236}">
+                <a16:creationId xmlns:a16="http://schemas.microsoft.com/office/drawing/2014/main" id="{71B2258F-86CA-4D4D-8270-BC05FCDEBFB3}"/>
+              </a:ext>
+              <a:ext uri="{C183D7F6-B498-43B3-948B-1728B52AA6E4}">
+                <adec:decorative xmlns:adec="http://schemas.microsoft.com/office/drawing/2017/decorative" val="1"/>
+              </a:ext>
+            </a:extLst>
+          </p:cNvPr>
+          <p:cNvSpPr>
+            <a:spLocks noGrp="1" noRot="1" noChangeAspect="1" noMove="1" noResize="1" noEditPoints="1" noAdjustHandles="1" noChangeArrowheads="1" noChangeShapeType="1" noTextEdit="1"/>
+          </p:cNvSpPr>
+          <p:nvPr>
+            <p:extLst>
+              <p:ext uri="{386F3935-93C4-4BCD-93E2-E3B085C9AB24}">
+                <p16:designElem xmlns:p16="http://schemas.microsoft.com/office/powerpoint/2015/main" val="1"/>
+              </p:ext>
+            </p:extLst>
+          </p:nvPr>
+        </p:nvSpPr>
+        <p:spPr>
+          <a:xfrm>
+            <a:off x="0" y="0"/>
+            <a:ext cx="9144000" cy="6857999"/>
+          </a:xfrm>
+          <a:prstGeom prst="rect">
+            <a:avLst/>
+          </a:prstGeom>
+          <a:solidFill>
+            <a:srgbClr val="000000"/>
+          </a:solidFill>
+          <a:ln>
+            <a:noFill/>
+          </a:ln>
+        </p:spPr>
+        <p:style>
+          <a:lnRef idx="2">
+            <a:schemeClr val="accent1">
+              <a:shade val="50000"/>
+            </a:schemeClr>
+          </a:lnRef>
+          <a:fillRef idx="1">
+            <a:schemeClr val="accent1"/>
+          </a:fillRef>
+          <a:effectRef idx="0">
+            <a:schemeClr val="accent1"/>
+          </a:effectRef>
+          <a:fontRef idx="minor">
+            <a:schemeClr val="lt1"/>
+          </a:fontRef>
+        </p:style>
+        <p:txBody>
+          <a:bodyPr rtlCol="0" anchor="ctr"/>
+          <a:lstStyle/>
+          <a:p>
+            <a:pPr algn="ctr"/>
+            <a:endParaRPr lang="en-US"/>
+          </a:p>
+        </p:txBody>
+      </p:sp>
+      <p:pic>
+        <p:nvPicPr>
+          <p:cNvPr id="3076" name="Picture 4">
+            <a:extLst>
+              <a:ext uri="{FF2B5EF4-FFF2-40B4-BE49-F238E27FC236}">
+                <a16:creationId xmlns:a16="http://schemas.microsoft.com/office/drawing/2014/main" id="{712EED6F-8A32-71B3-A013-4263C5B0132F}"/>
+              </a:ext>
+              <a:ext uri="{C183D7F6-B498-43B3-948B-1728B52AA6E4}">
+                <adec:decorative xmlns:adec="http://schemas.microsoft.com/office/drawing/2017/decorative" val="1"/>
+              </a:ext>
+            </a:extLst>
+          </p:cNvPr>
+          <p:cNvPicPr>
+            <a:picLocks noChangeAspect="1" noChangeArrowheads="1"/>
+          </p:cNvPicPr>
+          <p:nvPr/>
+        </p:nvPicPr>
+        <p:blipFill>
+          <a:blip r:embed="rId2">
+            <a:alphaModFix amt="50000"/>
+            <a:extLst>
+              <a:ext uri="{28A0092B-C50C-407E-A947-70E740481C1C}">
+                <a14:useLocalDpi xmlns:a14="http://schemas.microsoft.com/office/drawing/2010/main" val="0"/>
+              </a:ext>
+            </a:extLst>
+          </a:blip>
+          <a:srcRect l="14042" r="10958"/>
+          <a:stretch/>
+        </p:blipFill>
+        <p:spPr bwMode="auto">
+          <a:xfrm>
+            <a:off x="20" y="1"/>
+            <a:ext cx="9143980" cy="6857999"/>
           </a:xfrm>
           <a:prstGeom prst="rect">
             <a:avLst/>
@@ -8989,7 +10048,7 @@
           <p:cNvPr id="2" name="Title 1">
             <a:extLst>
               <a:ext uri="{FF2B5EF4-FFF2-40B4-BE49-F238E27FC236}">
-                <a16:creationId xmlns:a16="http://schemas.microsoft.com/office/drawing/2014/main" id="{C44D7C84-B190-4132-AEAB-D61B1E6C4E9B}"/>
+                <a16:creationId xmlns:a16="http://schemas.microsoft.com/office/drawing/2014/main" id="{EC169811-CA11-AA5B-AC37-2CE8BD3263F5}"/>
               </a:ext>
             </a:extLst>
           </p:cNvPr>
@@ -9002,26 +10061,24 @@
         </p:nvSpPr>
         <p:spPr>
           <a:xfrm>
-            <a:off x="0" y="228600"/>
-            <a:ext cx="7924800" cy="854074"/>
+            <a:off x="1143000" y="1122362"/>
+            <a:ext cx="6858000" cy="2900518"/>
           </a:xfrm>
-          <a:solidFill>
-            <a:srgbClr val="000000">
-              <a:alpha val="58039"/>
-            </a:srgbClr>
-          </a:solidFill>
         </p:spPr>
         <p:txBody>
-          <a:bodyPr/>
+          <a:bodyPr vert="horz" lIns="91440" tIns="45720" rIns="91440" bIns="45720" rtlCol="0" anchor="b">
+            <a:normAutofit/>
+          </a:bodyPr>
           <a:lstStyle/>
           <a:p>
-            <a:r>
-              <a:rPr lang="en-US" b="1" dirty="0">
+            <a:pPr algn="ctr" defTabSz="914400"/>
+            <a:r>
+              <a:rPr lang="en-US" sz="6000">
                 <a:solidFill>
-                  <a:schemeClr val="bg1"/>
+                  <a:srgbClr val="FFFFFF"/>
                 </a:solidFill>
               </a:rPr>
-              <a:t>  Robotics</a:t>
+              <a:t>Conclusion</a:t>
             </a:r>
           </a:p>
         </p:txBody>
@@ -9031,7 +10088,7 @@
           <p:cNvPr id="3" name="Content Placeholder 2">
             <a:extLst>
               <a:ext uri="{FF2B5EF4-FFF2-40B4-BE49-F238E27FC236}">
-                <a16:creationId xmlns:a16="http://schemas.microsoft.com/office/drawing/2014/main" id="{18A0DFC2-A097-4722-ACFA-ADD8C82A0CA2}"/>
+                <a16:creationId xmlns:a16="http://schemas.microsoft.com/office/drawing/2014/main" id="{EC4A2FCB-D7D3-C5B0-7F50-195945686363}"/>
               </a:ext>
             </a:extLst>
           </p:cNvPr>
@@ -9044,23 +10101,44 @@
         </p:nvSpPr>
         <p:spPr>
           <a:xfrm>
-            <a:off x="1981200" y="514746"/>
-            <a:ext cx="5486400" cy="281781"/>
+            <a:off x="1143000" y="4159404"/>
+            <a:ext cx="6858000" cy="1098395"/>
           </a:xfrm>
         </p:spPr>
         <p:txBody>
-          <a:bodyPr>
-            <a:normAutofit fontScale="70000" lnSpcReduction="20000"/>
+          <a:bodyPr vert="horz" lIns="91440" tIns="45720" rIns="91440" bIns="45720" rtlCol="0">
+            <a:normAutofit/>
           </a:bodyPr>
           <a:lstStyle/>
           <a:p>
-            <a:r>
-              <a:rPr lang="en-US" dirty="0">
+            <a:pPr marL="0" indent="0" algn="ctr" defTabSz="914400">
+              <a:spcBef>
+                <a:spcPts val="1000"/>
+              </a:spcBef>
+              <a:buNone/>
+            </a:pPr>
+            <a:r>
+              <a:rPr lang="en-US" sz="2400" dirty="0">
                 <a:solidFill>
-                  <a:schemeClr val="bg1"/>
+                  <a:srgbClr val="FFFFFF"/>
                 </a:solidFill>
               </a:rPr>
-              <a:t>Hardware, sensors, control theory (feedback-based controllers)</a:t>
+              <a:t>AI development is currently moving </a:t>
+            </a:r>
+            <a:br>
+              <a:rPr lang="en-US" sz="2400" dirty="0">
+                <a:solidFill>
+                  <a:srgbClr val="FFFFFF"/>
+                </a:solidFill>
+              </a:rPr>
+            </a:br>
+            <a:r>
+              <a:rPr lang="en-US" sz="2400" dirty="0">
+                <a:solidFill>
+                  <a:srgbClr val="FFFFFF"/>
+                </a:solidFill>
+              </a:rPr>
+              <a:t>at the speed of light!</a:t>
             </a:r>
           </a:p>
         </p:txBody>
@@ -9068,12 +10146,12 @@
     </p:spTree>
     <p:extLst>
       <p:ext uri="{BB962C8B-B14F-4D97-AF65-F5344CB8AC3E}">
-        <p14:creationId xmlns:p14="http://schemas.microsoft.com/office/powerpoint/2010/main" val="4189258210"/>
+        <p14:creationId xmlns:p14="http://schemas.microsoft.com/office/powerpoint/2010/main" val="4215643003"/>
       </p:ext>
     </p:extLst>
   </p:cSld>
   <p:clrMapOvr>
-    <a:masterClrMapping/>
+    <a:overrideClrMapping bg1="dk1" tx1="lt1" bg2="dk2" tx2="lt2" accent1="accent1" accent2="accent2" accent3="accent3" accent4="accent4" accent5="accent5" accent6="accent6" hlink="hlink" folHlink="folHlink"/>
   </p:clrMapOvr>
 </p:sld>
 </file>

--- a/slides/xx_more_AI.pptx
+++ b/slides/xx_more_AI.pptx
@@ -3620,7 +3620,7 @@
           <a:p>
             <a:fld id="{FDB68C03-DCF9-4B87-BBF6-8F2088376604}" type="datetimeFigureOut">
               <a:rPr lang="en-US" smtClean="0"/>
-              <a:t>12/8/2024</a:t>
+              <a:t>12/9/2024</a:t>
             </a:fld>
             <a:endParaRPr lang="en-US"/>
           </a:p>
@@ -4470,7 +4470,7 @@
           <a:p>
             <a:fld id="{FDB68C03-DCF9-4B87-BBF6-8F2088376604}" type="datetimeFigureOut">
               <a:rPr lang="en-US" smtClean="0"/>
-              <a:t>12/8/2024</a:t>
+              <a:t>12/9/2024</a:t>
             </a:fld>
             <a:endParaRPr lang="en-US"/>
           </a:p>
@@ -4751,7 +4751,7 @@
           <a:p>
             <a:fld id="{FDB68C03-DCF9-4B87-BBF6-8F2088376604}" type="datetimeFigureOut">
               <a:rPr lang="en-US" smtClean="0"/>
-              <a:t>12/8/2024</a:t>
+              <a:t>12/9/2024</a:t>
             </a:fld>
             <a:endParaRPr lang="en-US"/>
           </a:p>
@@ -7500,8 +7500,8 @@
           </a:p>
         </p:txBody>
       </p:sp>
-      <mc:AlternateContent xmlns:mc="http://schemas.openxmlformats.org/markup-compatibility/2006">
-        <mc:Choice xmlns:a14="http://schemas.microsoft.com/office/drawing/2010/main" Requires="a14">
+      <mc:AlternateContent xmlns:mc="http://schemas.openxmlformats.org/markup-compatibility/2006" xmlns:a14="http://schemas.microsoft.com/office/drawing/2010/main">
+        <mc:Choice Requires="a14">
           <p:sp>
             <p:nvSpPr>
               <p:cNvPr id="3" name="Content Placeholder 2">
@@ -7929,7 +7929,7 @@
             </p:txBody>
           </p:sp>
         </mc:Choice>
-        <mc:Fallback>
+        <mc:Fallback xmlns="">
           <p:sp>
             <p:nvSpPr>
               <p:cNvPr id="3" name="Content Placeholder 2">
@@ -8522,7 +8522,7 @@
         </p:nvSpPr>
         <p:spPr>
           <a:xfrm>
-            <a:off x="639800" y="1156901"/>
+            <a:off x="639800" y="1080929"/>
             <a:ext cx="7875550" cy="1319371"/>
           </a:xfrm>
         </p:spPr>
@@ -8589,52 +8589,6 @@
             <a:r>
               <a:rPr lang="en-US" sz="1800" dirty="0"/>
               <a:t>Large language models (LLMs)</a:t>
-            </a:r>
-          </a:p>
-        </p:txBody>
-      </p:sp>
-      <p:sp>
-        <p:nvSpPr>
-          <p:cNvPr id="5" name="TextBox 4">
-            <a:extLst>
-              <a:ext uri="{FF2B5EF4-FFF2-40B4-BE49-F238E27FC236}">
-                <a16:creationId xmlns:a16="http://schemas.microsoft.com/office/drawing/2014/main" id="{84395F43-0BC8-3D1A-CDAA-2521F5B4F0D1}"/>
-              </a:ext>
-              <a:ext uri="{C183D7F6-B498-43B3-948B-1728B52AA6E4}">
-                <adec:decorative xmlns:adec="http://schemas.microsoft.com/office/drawing/2017/decorative" val="1"/>
-              </a:ext>
-            </a:extLst>
-          </p:cNvPr>
-          <p:cNvSpPr txBox="1"/>
-          <p:nvPr/>
-        </p:nvSpPr>
-        <p:spPr>
-          <a:xfrm>
-            <a:off x="6019800" y="2590800"/>
-            <a:ext cx="2667000" cy="461665"/>
-          </a:xfrm>
-          <a:prstGeom prst="rect">
-            <a:avLst/>
-          </a:prstGeom>
-          <a:noFill/>
-        </p:spPr>
-        <p:txBody>
-          <a:bodyPr wrap="square" rtlCol="0">
-            <a:spAutoFit/>
-          </a:bodyPr>
-          <a:lstStyle/>
-          <a:p>
-            <a:pPr algn="ctr"/>
-            <a:r>
-              <a:rPr lang="en-US" sz="1200" dirty="0"/>
-              <a:t>Decoder-only transformer</a:t>
-            </a:r>
-            <a:br>
-              <a:rPr lang="en-US" sz="1200" dirty="0"/>
-            </a:br>
-            <a:r>
-              <a:rPr lang="en-US" sz="1200" dirty="0"/>
-              <a:t> used by LLMs</a:t>
             </a:r>
           </a:p>
         </p:txBody>
@@ -8787,6 +8741,52 @@
               <a:t> Text Classification Networks</a:t>
             </a:r>
             <a:endParaRPr lang="en-US" sz="1400" dirty="0"/>
+          </a:p>
+        </p:txBody>
+      </p:sp>
+      <p:sp>
+        <p:nvSpPr>
+          <p:cNvPr id="5" name="TextBox 4">
+            <a:extLst>
+              <a:ext uri="{FF2B5EF4-FFF2-40B4-BE49-F238E27FC236}">
+                <a16:creationId xmlns:a16="http://schemas.microsoft.com/office/drawing/2014/main" id="{84395F43-0BC8-3D1A-CDAA-2521F5B4F0D1}"/>
+              </a:ext>
+              <a:ext uri="{C183D7F6-B498-43B3-948B-1728B52AA6E4}">
+                <adec:decorative xmlns:adec="http://schemas.microsoft.com/office/drawing/2017/decorative" val="1"/>
+              </a:ext>
+            </a:extLst>
+          </p:cNvPr>
+          <p:cNvSpPr txBox="1"/>
+          <p:nvPr/>
+        </p:nvSpPr>
+        <p:spPr>
+          <a:xfrm>
+            <a:off x="6019800" y="2590800"/>
+            <a:ext cx="2667000" cy="461665"/>
+          </a:xfrm>
+          <a:prstGeom prst="rect">
+            <a:avLst/>
+          </a:prstGeom>
+          <a:noFill/>
+        </p:spPr>
+        <p:txBody>
+          <a:bodyPr wrap="square" rtlCol="0">
+            <a:spAutoFit/>
+          </a:bodyPr>
+          <a:lstStyle/>
+          <a:p>
+            <a:pPr algn="ctr"/>
+            <a:r>
+              <a:rPr lang="en-US" sz="1200" dirty="0"/>
+              <a:t>Decoder-only transformer</a:t>
+            </a:r>
+            <a:br>
+              <a:rPr lang="en-US" sz="1200" dirty="0"/>
+            </a:br>
+            <a:r>
+              <a:rPr lang="en-US" sz="1200" dirty="0"/>
+              <a:t> used by LLMs</a:t>
+            </a:r>
           </a:p>
         </p:txBody>
       </p:sp>
@@ -10073,7 +10073,7 @@
           <a:p>
             <a:pPr algn="ctr" defTabSz="914400"/>
             <a:r>
-              <a:rPr lang="en-US" sz="6000">
+              <a:rPr lang="en-US" sz="6000" b="1" dirty="0">
                 <a:solidFill>
                   <a:srgbClr val="FFFFFF"/>
                 </a:solidFill>

--- a/slides/xx_more_AI.pptx
+++ b/slides/xx_more_AI.pptx
@@ -5,16 +5,17 @@
     <p:sldMasterId id="2147483678" r:id="rId1"/>
   </p:sldMasterIdLst>
   <p:notesMasterIdLst>
-    <p:notesMasterId r:id="rId9"/>
+    <p:notesMasterId r:id="rId10"/>
   </p:notesMasterIdLst>
   <p:sldIdLst>
     <p:sldId id="257" r:id="rId2"/>
-    <p:sldId id="261" r:id="rId3"/>
-    <p:sldId id="259" r:id="rId4"/>
-    <p:sldId id="260" r:id="rId5"/>
-    <p:sldId id="258" r:id="rId6"/>
-    <p:sldId id="262" r:id="rId7"/>
-    <p:sldId id="264" r:id="rId8"/>
+    <p:sldId id="265" r:id="rId3"/>
+    <p:sldId id="261" r:id="rId4"/>
+    <p:sldId id="259" r:id="rId5"/>
+    <p:sldId id="260" r:id="rId6"/>
+    <p:sldId id="258" r:id="rId7"/>
+    <p:sldId id="262" r:id="rId8"/>
+    <p:sldId id="264" r:id="rId9"/>
   </p:sldIdLst>
   <p:sldSz cx="9144000" cy="6858000" type="screen4x3"/>
   <p:notesSz cx="7315200" cy="9601200"/>
@@ -3005,12 +3006,12 @@
           <a:lstStyle>
             <a:lvl1pPr eaLnBrk="1" hangingPunct="1">
               <a:defRPr sz="1300">
-                <a:latin typeface="Arial" pitchFamily="34" charset="0"/>
+                <a:latin typeface="Calibri" panose="020F0502020204030204" pitchFamily="34" charset="0"/>
               </a:defRPr>
             </a:lvl1pPr>
           </a:lstStyle>
           <a:p>
-            <a:endParaRPr lang="en-US"/>
+            <a:endParaRPr lang="en-US" dirty="0"/>
           </a:p>
         </p:txBody>
       </p:sp>
@@ -3050,12 +3051,12 @@
           <a:lstStyle>
             <a:lvl1pPr algn="r" eaLnBrk="1" hangingPunct="1">
               <a:defRPr sz="1300">
-                <a:latin typeface="Arial" pitchFamily="34" charset="0"/>
+                <a:latin typeface="Calibri" panose="020F0502020204030204" pitchFamily="34" charset="0"/>
               </a:defRPr>
             </a:lvl1pPr>
           </a:lstStyle>
           <a:p>
-            <a:endParaRPr lang="en-US"/>
+            <a:endParaRPr lang="en-US" dirty="0"/>
           </a:p>
         </p:txBody>
       </p:sp>
@@ -3126,35 +3127,35 @@
           <a:p>
             <a:pPr lvl="0"/>
             <a:r>
-              <a:rPr lang="en-US"/>
+              <a:rPr lang="en-US" dirty="0"/>
               <a:t>Click to edit Master text styles</a:t>
             </a:r>
           </a:p>
           <a:p>
             <a:pPr lvl="1"/>
             <a:r>
-              <a:rPr lang="en-US"/>
+              <a:rPr lang="en-US" dirty="0"/>
               <a:t>Second level</a:t>
             </a:r>
           </a:p>
           <a:p>
             <a:pPr lvl="2"/>
             <a:r>
-              <a:rPr lang="en-US"/>
+              <a:rPr lang="en-US" dirty="0"/>
               <a:t>Third level</a:t>
             </a:r>
           </a:p>
           <a:p>
             <a:pPr lvl="3"/>
             <a:r>
-              <a:rPr lang="en-US"/>
+              <a:rPr lang="en-US" dirty="0"/>
               <a:t>Fourth level</a:t>
             </a:r>
           </a:p>
           <a:p>
             <a:pPr lvl="4"/>
             <a:r>
-              <a:rPr lang="en-US"/>
+              <a:rPr lang="en-US" dirty="0"/>
               <a:t>Fifth level</a:t>
             </a:r>
           </a:p>
@@ -3196,12 +3197,12 @@
           <a:lstStyle>
             <a:lvl1pPr eaLnBrk="1" hangingPunct="1">
               <a:defRPr sz="1300">
-                <a:latin typeface="Arial" pitchFamily="34" charset="0"/>
+                <a:latin typeface="Calibri" panose="020F0502020204030204" pitchFamily="34" charset="0"/>
               </a:defRPr>
             </a:lvl1pPr>
           </a:lstStyle>
           <a:p>
-            <a:endParaRPr lang="en-US"/>
+            <a:endParaRPr lang="en-US" dirty="0"/>
           </a:p>
         </p:txBody>
       </p:sp>
@@ -3241,17 +3242,17 @@
           <a:lstStyle>
             <a:lvl1pPr algn="r" eaLnBrk="1" hangingPunct="1">
               <a:defRPr sz="1300">
-                <a:latin typeface="Arial" pitchFamily="34" charset="0"/>
+                <a:latin typeface="Calibri" panose="020F0502020204030204" pitchFamily="34" charset="0"/>
               </a:defRPr>
             </a:lvl1pPr>
           </a:lstStyle>
           <a:p>
             <a:fld id="{3AED0B83-FA1E-482D-AD89-4E224F76AB55}" type="slidenum">
-              <a:rPr lang="en-US"/>
+              <a:rPr lang="en-US" smtClean="0"/>
               <a:pPr/>
               <a:t>‹#›</a:t>
             </a:fld>
-            <a:endParaRPr lang="en-US"/>
+            <a:endParaRPr lang="en-US" dirty="0"/>
           </a:p>
         </p:txBody>
       </p:sp>
@@ -3270,7 +3271,7 @@
         <a:solidFill>
           <a:schemeClr val="tx1"/>
         </a:solidFill>
-        <a:latin typeface="Arial" pitchFamily="34" charset="0"/>
+        <a:latin typeface="Calibri" panose="020F0502020204030204" pitchFamily="34" charset="0"/>
         <a:ea typeface="+mn-ea"/>
         <a:cs typeface="+mn-cs"/>
       </a:defRPr>
@@ -3286,7 +3287,7 @@
         <a:solidFill>
           <a:schemeClr val="tx1"/>
         </a:solidFill>
-        <a:latin typeface="Arial" pitchFamily="34" charset="0"/>
+        <a:latin typeface="Calibri" panose="020F0502020204030204" pitchFamily="34" charset="0"/>
         <a:ea typeface="+mn-ea"/>
         <a:cs typeface="+mn-cs"/>
       </a:defRPr>
@@ -3302,7 +3303,7 @@
         <a:solidFill>
           <a:schemeClr val="tx1"/>
         </a:solidFill>
-        <a:latin typeface="Arial" pitchFamily="34" charset="0"/>
+        <a:latin typeface="Calibri" panose="020F0502020204030204" pitchFamily="34" charset="0"/>
         <a:ea typeface="+mn-ea"/>
         <a:cs typeface="+mn-cs"/>
       </a:defRPr>
@@ -3318,7 +3319,7 @@
         <a:solidFill>
           <a:schemeClr val="tx1"/>
         </a:solidFill>
-        <a:latin typeface="Arial" pitchFamily="34" charset="0"/>
+        <a:latin typeface="Calibri" panose="020F0502020204030204" pitchFamily="34" charset="0"/>
         <a:ea typeface="+mn-ea"/>
         <a:cs typeface="+mn-cs"/>
       </a:defRPr>
@@ -3334,7 +3335,7 @@
         <a:solidFill>
           <a:schemeClr val="tx1"/>
         </a:solidFill>
-        <a:latin typeface="Arial" pitchFamily="34" charset="0"/>
+        <a:latin typeface="Calibri" panose="020F0502020204030204" pitchFamily="34" charset="0"/>
         <a:ea typeface="+mn-ea"/>
         <a:cs typeface="+mn-cs"/>
       </a:defRPr>
@@ -3620,7 +3621,7 @@
           <a:p>
             <a:fld id="{FDB68C03-DCF9-4B87-BBF6-8F2088376604}" type="datetimeFigureOut">
               <a:rPr lang="en-US" smtClean="0"/>
-              <a:t>12/9/2024</a:t>
+              <a:t>6/12/2025</a:t>
             </a:fld>
             <a:endParaRPr lang="en-US"/>
           </a:p>
@@ -4470,7 +4471,7 @@
           <a:p>
             <a:fld id="{FDB68C03-DCF9-4B87-BBF6-8F2088376604}" type="datetimeFigureOut">
               <a:rPr lang="en-US" smtClean="0"/>
-              <a:t>12/9/2024</a:t>
+              <a:t>6/12/2025</a:t>
             </a:fld>
             <a:endParaRPr lang="en-US"/>
           </a:p>
@@ -4751,7 +4752,7 @@
           <a:p>
             <a:fld id="{FDB68C03-DCF9-4B87-BBF6-8F2088376604}" type="datetimeFigureOut">
               <a:rPr lang="en-US" smtClean="0"/>
-              <a:t>12/9/2024</a:t>
+              <a:t>6/12/2025</a:t>
             </a:fld>
             <a:endParaRPr lang="en-US"/>
           </a:p>
@@ -6914,25 +6915,25 @@
           <a:p>
             <a:pPr algn="l" defTabSz="914400"/>
             <a:r>
-              <a:rPr lang="en-US" sz="3300"/>
+              <a:rPr lang="en-US" sz="3300" dirty="0"/>
               <a:t>CS 5/7320 </a:t>
             </a:r>
             <a:br>
-              <a:rPr lang="en-US" sz="3300"/>
+              <a:rPr lang="en-US" sz="3300" dirty="0"/>
             </a:br>
             <a:r>
-              <a:rPr lang="en-US" sz="3300"/>
+              <a:rPr lang="en-US" sz="3300" dirty="0"/>
               <a:t>Artificial Intelligence</a:t>
             </a:r>
             <a:br>
-              <a:rPr lang="en-US" sz="3300"/>
+              <a:rPr lang="en-US" sz="3300" dirty="0"/>
             </a:br>
             <a:br>
-              <a:rPr lang="en-US" sz="3300"/>
+              <a:rPr lang="en-US" sz="3300" dirty="0"/>
             </a:br>
             <a:r>
-              <a:rPr lang="en-US" sz="3300"/>
-              <a:t>More Important AI Topics</a:t>
+              <a:rPr lang="en-US" sz="3300" dirty="0"/>
+              <a:t>Conclusion</a:t>
             </a:r>
           </a:p>
         </p:txBody>
@@ -6965,13 +6966,13 @@
               </a:spcBef>
             </a:pPr>
             <a:r>
-              <a:rPr lang="en-US" sz="1700"/>
+              <a:rPr lang="en-US" sz="1600" dirty="0"/>
               <a:t>Slides by Michael Hahsler</a:t>
             </a:r>
             <a:br>
-              <a:rPr lang="en-US" sz="1700"/>
+              <a:rPr lang="en-US" sz="1600" dirty="0"/>
             </a:br>
-            <a:endParaRPr lang="en-US" sz="1700"/>
+            <a:endParaRPr lang="en-US" sz="1600" dirty="0"/>
           </a:p>
         </p:txBody>
       </p:sp>
@@ -7153,7 +7154,7 @@
         </p:nvGrpSpPr>
         <p:grpSpPr>
           <a:xfrm>
-            <a:off x="296569" y="5785788"/>
+            <a:off x="360419" y="5785788"/>
             <a:ext cx="3017521" cy="841700"/>
             <a:chOff x="296569" y="5785788"/>
             <a:chExt cx="3017521" cy="841700"/>
@@ -7240,26 +7241,26 @@
                 </a:spcAft>
               </a:pPr>
               <a:r>
-                <a:rPr lang="en-US" sz="1100" b="0" i="0">
+                <a:rPr lang="en-US" sz="1100" b="0" i="0" dirty="0">
                   <a:solidFill>
                     <a:schemeClr val="tx1">
                       <a:lumMod val="50000"/>
                     </a:schemeClr>
                   </a:solidFill>
                   <a:effectLst/>
-                  <a:latin typeface="source sans pro" panose="020B0503030403020204" pitchFamily="34" charset="0"/>
+                  <a:latin typeface="Calibri" panose="020F0502020204030204" pitchFamily="34" charset="0"/>
                 </a:rPr>
                 <a:t>This work is licensed under a </a:t>
               </a:r>
               <a:r>
-                <a:rPr lang="en-US" sz="1100" b="0" i="0" strike="noStrike">
+                <a:rPr lang="en-US" sz="1100" b="0" i="0" strike="noStrike" dirty="0">
                   <a:solidFill>
                     <a:schemeClr val="tx1">
                       <a:lumMod val="50000"/>
                     </a:schemeClr>
                   </a:solidFill>
                   <a:effectLst/>
-                  <a:latin typeface="source sans pro" panose="020B0503030403020204" pitchFamily="34" charset="0"/>
+                  <a:latin typeface="Calibri" panose="020F0502020204030204" pitchFamily="34" charset="0"/>
                   <a:hlinkClick r:id="rId5">
                     <a:extLst>
                       <a:ext uri="{A12FA001-AC4F-418D-AE19-62706E023703}">
@@ -7268,21 +7269,59 @@
                     </a:extLst>
                   </a:hlinkClick>
                 </a:rPr>
-                <a:t>Creative Commons Attribution-ShareAlike 4.0 International License</a:t>
+                <a:t>Creative Commons Attribution-</a:t>
               </a:r>
               <a:r>
-                <a:rPr lang="en-US" sz="1100" b="0" i="0">
+                <a:rPr lang="en-US" sz="1100" b="0" i="0" strike="noStrike" dirty="0" err="1">
                   <a:solidFill>
                     <a:schemeClr val="tx1">
                       <a:lumMod val="50000"/>
                     </a:schemeClr>
                   </a:solidFill>
                   <a:effectLst/>
-                  <a:latin typeface="source sans pro" panose="020B0503030403020204" pitchFamily="34" charset="0"/>
+                  <a:latin typeface="Calibri" panose="020F0502020204030204" pitchFamily="34" charset="0"/>
+                  <a:hlinkClick r:id="rId5">
+                    <a:extLst>
+                      <a:ext uri="{A12FA001-AC4F-418D-AE19-62706E023703}">
+                        <ahyp:hlinkClr xmlns:ahyp="http://schemas.microsoft.com/office/drawing/2018/hyperlinkcolor" val="tx"/>
+                      </a:ext>
+                    </a:extLst>
+                  </a:hlinkClick>
+                </a:rPr>
+                <a:t>ShareAlike</a:t>
+              </a:r>
+              <a:r>
+                <a:rPr lang="en-US" sz="1100" b="0" i="0" strike="noStrike" dirty="0">
+                  <a:solidFill>
+                    <a:schemeClr val="tx1">
+                      <a:lumMod val="50000"/>
+                    </a:schemeClr>
+                  </a:solidFill>
+                  <a:effectLst/>
+                  <a:latin typeface="Calibri" panose="020F0502020204030204" pitchFamily="34" charset="0"/>
+                  <a:hlinkClick r:id="rId5">
+                    <a:extLst>
+                      <a:ext uri="{A12FA001-AC4F-418D-AE19-62706E023703}">
+                        <ahyp:hlinkClr xmlns:ahyp="http://schemas.microsoft.com/office/drawing/2018/hyperlinkcolor" val="tx"/>
+                      </a:ext>
+                    </a:extLst>
+                  </a:hlinkClick>
+                </a:rPr>
+                <a:t> 4.0 International License</a:t>
+              </a:r>
+              <a:r>
+                <a:rPr lang="en-US" sz="1100" b="0" i="0" dirty="0">
+                  <a:solidFill>
+                    <a:schemeClr val="tx1">
+                      <a:lumMod val="50000"/>
+                    </a:schemeClr>
+                  </a:solidFill>
+                  <a:effectLst/>
+                  <a:latin typeface="Calibri" panose="020F0502020204030204" pitchFamily="34" charset="0"/>
                 </a:rPr>
                 <a:t>.</a:t>
               </a:r>
-              <a:endParaRPr lang="en-US" sz="1100">
+              <a:endParaRPr lang="en-US" sz="1100" dirty="0">
                 <a:solidFill>
                   <a:schemeClr val="tx1">
                     <a:lumMod val="50000"/>
@@ -7456,7 +7495,1735 @@
 </file>
 
 <file path=ppt/slides/slide2.xml><?xml version="1.0" encoding="utf-8"?>
-<p:sld xmlns:a="http://schemas.openxmlformats.org/drawingml/2006/main" xmlns:r="http://schemas.openxmlformats.org/officeDocument/2006/relationships" xmlns:p="http://schemas.openxmlformats.org/presentationml/2006/main" show="0">
+<p:sld xmlns:a="http://schemas.openxmlformats.org/drawingml/2006/main" xmlns:r="http://schemas.openxmlformats.org/officeDocument/2006/relationships" xmlns:p="http://schemas.openxmlformats.org/presentationml/2006/main">
+  <p:cSld>
+    <p:bg>
+      <p:bgPr>
+        <a:solidFill>
+          <a:schemeClr val="bg1"/>
+        </a:solidFill>
+        <a:effectLst/>
+      </p:bgPr>
+    </p:bg>
+    <p:spTree>
+      <p:nvGrpSpPr>
+        <p:cNvPr id="1" name=""/>
+        <p:cNvGrpSpPr/>
+        <p:nvPr/>
+      </p:nvGrpSpPr>
+      <p:grpSpPr>
+        <a:xfrm>
+          <a:off x="0" y="0"/>
+          <a:ext cx="0" cy="0"/>
+          <a:chOff x="0" y="0"/>
+          <a:chExt cx="0" cy="0"/>
+        </a:xfrm>
+      </p:grpSpPr>
+      <p:sp useBgFill="1">
+        <p:nvSpPr>
+          <p:cNvPr id="17" name="Rectangle 16">
+            <a:extLst>
+              <a:ext uri="{FF2B5EF4-FFF2-40B4-BE49-F238E27FC236}">
+                <a16:creationId xmlns:a16="http://schemas.microsoft.com/office/drawing/2014/main" id="{1CD81A2A-6ED4-4EF4-A14C-912D31E14800}"/>
+              </a:ext>
+              <a:ext uri="{C183D7F6-B498-43B3-948B-1728B52AA6E4}">
+                <adec:decorative xmlns:adec="http://schemas.microsoft.com/office/drawing/2017/decorative" val="1"/>
+              </a:ext>
+            </a:extLst>
+          </p:cNvPr>
+          <p:cNvSpPr>
+            <a:spLocks noGrp="1" noRot="1" noChangeAspect="1" noMove="1" noResize="1" noEditPoints="1" noAdjustHandles="1" noChangeArrowheads="1" noChangeShapeType="1" noTextEdit="1"/>
+          </p:cNvSpPr>
+          <p:nvPr>
+            <p:extLst>
+              <p:ext uri="{386F3935-93C4-4BCD-93E2-E3B085C9AB24}">
+                <p16:designElem xmlns:p16="http://schemas.microsoft.com/office/powerpoint/2015/main" val="1"/>
+              </p:ext>
+            </p:extLst>
+          </p:nvPr>
+        </p:nvSpPr>
+        <p:spPr bwMode="white">
+          <a:xfrm>
+            <a:off x="0" y="0"/>
+            <a:ext cx="9144000" cy="6858000"/>
+          </a:xfrm>
+          <a:prstGeom prst="rect">
+            <a:avLst/>
+          </a:prstGeom>
+          <a:ln>
+            <a:noFill/>
+          </a:ln>
+        </p:spPr>
+        <p:style>
+          <a:lnRef idx="2">
+            <a:schemeClr val="accent1">
+              <a:shade val="50000"/>
+            </a:schemeClr>
+          </a:lnRef>
+          <a:fillRef idx="1">
+            <a:schemeClr val="accent1"/>
+          </a:fillRef>
+          <a:effectRef idx="0">
+            <a:schemeClr val="accent1"/>
+          </a:effectRef>
+          <a:fontRef idx="minor">
+            <a:schemeClr val="lt1"/>
+          </a:fontRef>
+        </p:style>
+        <p:txBody>
+          <a:bodyPr rtlCol="0" anchor="ctr"/>
+          <a:lstStyle>
+            <a:defPPr>
+              <a:defRPr lang="en-US"/>
+            </a:defPPr>
+            <a:lvl1pPr marL="0" algn="l" defTabSz="914400" rtl="0" eaLnBrk="1" latinLnBrk="0" hangingPunct="1">
+              <a:defRPr sz="1800" kern="1200">
+                <a:solidFill>
+                  <a:schemeClr val="lt1"/>
+                </a:solidFill>
+                <a:latin typeface="+mn-lt"/>
+                <a:ea typeface="+mn-ea"/>
+                <a:cs typeface="+mn-cs"/>
+              </a:defRPr>
+            </a:lvl1pPr>
+            <a:lvl2pPr marL="457200" algn="l" defTabSz="914400" rtl="0" eaLnBrk="1" latinLnBrk="0" hangingPunct="1">
+              <a:defRPr sz="1800" kern="1200">
+                <a:solidFill>
+                  <a:schemeClr val="lt1"/>
+                </a:solidFill>
+                <a:latin typeface="+mn-lt"/>
+                <a:ea typeface="+mn-ea"/>
+                <a:cs typeface="+mn-cs"/>
+              </a:defRPr>
+            </a:lvl2pPr>
+            <a:lvl3pPr marL="914400" algn="l" defTabSz="914400" rtl="0" eaLnBrk="1" latinLnBrk="0" hangingPunct="1">
+              <a:defRPr sz="1800" kern="1200">
+                <a:solidFill>
+                  <a:schemeClr val="lt1"/>
+                </a:solidFill>
+                <a:latin typeface="+mn-lt"/>
+                <a:ea typeface="+mn-ea"/>
+                <a:cs typeface="+mn-cs"/>
+              </a:defRPr>
+            </a:lvl3pPr>
+            <a:lvl4pPr marL="1371600" algn="l" defTabSz="914400" rtl="0" eaLnBrk="1" latinLnBrk="0" hangingPunct="1">
+              <a:defRPr sz="1800" kern="1200">
+                <a:solidFill>
+                  <a:schemeClr val="lt1"/>
+                </a:solidFill>
+                <a:latin typeface="+mn-lt"/>
+                <a:ea typeface="+mn-ea"/>
+                <a:cs typeface="+mn-cs"/>
+              </a:defRPr>
+            </a:lvl4pPr>
+            <a:lvl5pPr marL="1828800" algn="l" defTabSz="914400" rtl="0" eaLnBrk="1" latinLnBrk="0" hangingPunct="1">
+              <a:defRPr sz="1800" kern="1200">
+                <a:solidFill>
+                  <a:schemeClr val="lt1"/>
+                </a:solidFill>
+                <a:latin typeface="+mn-lt"/>
+                <a:ea typeface="+mn-ea"/>
+                <a:cs typeface="+mn-cs"/>
+              </a:defRPr>
+            </a:lvl5pPr>
+            <a:lvl6pPr marL="2286000" algn="l" defTabSz="914400" rtl="0" eaLnBrk="1" latinLnBrk="0" hangingPunct="1">
+              <a:defRPr sz="1800" kern="1200">
+                <a:solidFill>
+                  <a:schemeClr val="lt1"/>
+                </a:solidFill>
+                <a:latin typeface="+mn-lt"/>
+                <a:ea typeface="+mn-ea"/>
+                <a:cs typeface="+mn-cs"/>
+              </a:defRPr>
+            </a:lvl6pPr>
+            <a:lvl7pPr marL="2743200" algn="l" defTabSz="914400" rtl="0" eaLnBrk="1" latinLnBrk="0" hangingPunct="1">
+              <a:defRPr sz="1800" kern="1200">
+                <a:solidFill>
+                  <a:schemeClr val="lt1"/>
+                </a:solidFill>
+                <a:latin typeface="+mn-lt"/>
+                <a:ea typeface="+mn-ea"/>
+                <a:cs typeface="+mn-cs"/>
+              </a:defRPr>
+            </a:lvl7pPr>
+            <a:lvl8pPr marL="3200400" algn="l" defTabSz="914400" rtl="0" eaLnBrk="1" latinLnBrk="0" hangingPunct="1">
+              <a:defRPr sz="1800" kern="1200">
+                <a:solidFill>
+                  <a:schemeClr val="lt1"/>
+                </a:solidFill>
+                <a:latin typeface="+mn-lt"/>
+                <a:ea typeface="+mn-ea"/>
+                <a:cs typeface="+mn-cs"/>
+              </a:defRPr>
+            </a:lvl8pPr>
+            <a:lvl9pPr marL="3657600" algn="l" defTabSz="914400" rtl="0" eaLnBrk="1" latinLnBrk="0" hangingPunct="1">
+              <a:defRPr sz="1800" kern="1200">
+                <a:solidFill>
+                  <a:schemeClr val="lt1"/>
+                </a:solidFill>
+                <a:latin typeface="+mn-lt"/>
+                <a:ea typeface="+mn-ea"/>
+                <a:cs typeface="+mn-cs"/>
+              </a:defRPr>
+            </a:lvl9pPr>
+          </a:lstStyle>
+          <a:p>
+            <a:pPr algn="ctr"/>
+            <a:endParaRPr lang="en-US"/>
+          </a:p>
+        </p:txBody>
+      </p:sp>
+      <p:sp>
+        <p:nvSpPr>
+          <p:cNvPr id="2" name="Title 1">
+            <a:extLst>
+              <a:ext uri="{FF2B5EF4-FFF2-40B4-BE49-F238E27FC236}">
+                <a16:creationId xmlns:a16="http://schemas.microsoft.com/office/drawing/2014/main" id="{4268ED47-8646-E204-CE33-17ED9C0579B4}"/>
+              </a:ext>
+            </a:extLst>
+          </p:cNvPr>
+          <p:cNvSpPr>
+            <a:spLocks noGrp="1"/>
+          </p:cNvSpPr>
+          <p:nvPr>
+            <p:ph type="title"/>
+          </p:nvPr>
+        </p:nvSpPr>
+        <p:spPr>
+          <a:xfrm>
+            <a:off x="628650" y="365125"/>
+            <a:ext cx="4393610" cy="1325563"/>
+          </a:xfrm>
+        </p:spPr>
+        <p:txBody>
+          <a:bodyPr>
+            <a:normAutofit/>
+          </a:bodyPr>
+          <a:lstStyle/>
+          <a:p>
+            <a:r>
+              <a:rPr lang="en-US" dirty="0"/>
+              <a:t>What We Have Covered</a:t>
+            </a:r>
+          </a:p>
+        </p:txBody>
+      </p:sp>
+      <p:sp>
+        <p:nvSpPr>
+          <p:cNvPr id="19" name="Freeform: Shape 18">
+            <a:extLst>
+              <a:ext uri="{FF2B5EF4-FFF2-40B4-BE49-F238E27FC236}">
+                <a16:creationId xmlns:a16="http://schemas.microsoft.com/office/drawing/2014/main" id="{1661932C-CA15-4E17-B115-FAE7CBEE4789}"/>
+              </a:ext>
+              <a:ext uri="{C183D7F6-B498-43B3-948B-1728B52AA6E4}">
+                <adec:decorative xmlns:adec="http://schemas.microsoft.com/office/drawing/2017/decorative" val="1"/>
+              </a:ext>
+            </a:extLst>
+          </p:cNvPr>
+          <p:cNvSpPr>
+            <a:spLocks noGrp="1" noRot="1" noChangeAspect="1" noMove="1" noResize="1" noEditPoints="1" noAdjustHandles="1" noChangeArrowheads="1" noChangeShapeType="1" noTextEdit="1"/>
+          </p:cNvSpPr>
+          <p:nvPr>
+            <p:extLst>
+              <p:ext uri="{386F3935-93C4-4BCD-93E2-E3B085C9AB24}">
+                <p16:designElem xmlns:p16="http://schemas.microsoft.com/office/powerpoint/2015/main" val="1"/>
+              </p:ext>
+            </p:extLst>
+          </p:nvPr>
+        </p:nvSpPr>
+        <p:spPr>
+          <a:xfrm>
+            <a:off x="7648992" y="1"/>
+            <a:ext cx="866357" cy="625027"/>
+          </a:xfrm>
+          <a:custGeom>
+            <a:avLst/>
+            <a:gdLst>
+              <a:gd name="connsiteX0" fmla="*/ 4784 w 1155142"/>
+              <a:gd name="connsiteY0" fmla="*/ 0 h 625027"/>
+              <a:gd name="connsiteX1" fmla="*/ 1150358 w 1155142"/>
+              <a:gd name="connsiteY1" fmla="*/ 0 h 625027"/>
+              <a:gd name="connsiteX2" fmla="*/ 1155142 w 1155142"/>
+              <a:gd name="connsiteY2" fmla="*/ 47456 h 625027"/>
+              <a:gd name="connsiteX3" fmla="*/ 577571 w 1155142"/>
+              <a:gd name="connsiteY3" fmla="*/ 625027 h 625027"/>
+              <a:gd name="connsiteX4" fmla="*/ 0 w 1155142"/>
+              <a:gd name="connsiteY4" fmla="*/ 47456 h 625027"/>
+            </a:gdLst>
+            <a:ahLst/>
+            <a:cxnLst>
+              <a:cxn ang="0">
+                <a:pos x="connsiteX0" y="connsiteY0"/>
+              </a:cxn>
+              <a:cxn ang="0">
+                <a:pos x="connsiteX1" y="connsiteY1"/>
+              </a:cxn>
+              <a:cxn ang="0">
+                <a:pos x="connsiteX2" y="connsiteY2"/>
+              </a:cxn>
+              <a:cxn ang="0">
+                <a:pos x="connsiteX3" y="connsiteY3"/>
+              </a:cxn>
+              <a:cxn ang="0">
+                <a:pos x="connsiteX4" y="connsiteY4"/>
+              </a:cxn>
+            </a:cxnLst>
+            <a:rect l="l" t="t" r="r" b="b"/>
+            <a:pathLst>
+              <a:path w="1155142" h="625027">
+                <a:moveTo>
+                  <a:pt x="4784" y="0"/>
+                </a:moveTo>
+                <a:lnTo>
+                  <a:pt x="1150358" y="0"/>
+                </a:lnTo>
+                <a:lnTo>
+                  <a:pt x="1155142" y="47456"/>
+                </a:lnTo>
+                <a:cubicBezTo>
+                  <a:pt x="1155142" y="366440"/>
+                  <a:pt x="896555" y="625027"/>
+                  <a:pt x="577571" y="625027"/>
+                </a:cubicBezTo>
+                <a:cubicBezTo>
+                  <a:pt x="258587" y="625027"/>
+                  <a:pt x="0" y="366440"/>
+                  <a:pt x="0" y="47456"/>
+                </a:cubicBezTo>
+                <a:close/>
+              </a:path>
+            </a:pathLst>
+          </a:custGeom>
+          <a:solidFill>
+            <a:schemeClr val="accent5">
+              <a:alpha val="95000"/>
+            </a:schemeClr>
+          </a:solidFill>
+          <a:ln>
+            <a:noFill/>
+          </a:ln>
+        </p:spPr>
+        <p:style>
+          <a:lnRef idx="2">
+            <a:schemeClr val="accent1">
+              <a:shade val="50000"/>
+            </a:schemeClr>
+          </a:lnRef>
+          <a:fillRef idx="1">
+            <a:schemeClr val="accent1"/>
+          </a:fillRef>
+          <a:effectRef idx="0">
+            <a:schemeClr val="accent1"/>
+          </a:effectRef>
+          <a:fontRef idx="minor">
+            <a:schemeClr val="lt1"/>
+          </a:fontRef>
+        </p:style>
+        <p:txBody>
+          <a:bodyPr wrap="square" rtlCol="0" anchor="ctr">
+            <a:noAutofit/>
+          </a:bodyPr>
+          <a:lstStyle/>
+          <a:p>
+            <a:pPr algn="ctr"/>
+            <a:endParaRPr lang="en-US"/>
+          </a:p>
+        </p:txBody>
+      </p:sp>
+      <p:sp>
+        <p:nvSpPr>
+          <p:cNvPr id="3" name="Content Placeholder 2">
+            <a:extLst>
+              <a:ext uri="{FF2B5EF4-FFF2-40B4-BE49-F238E27FC236}">
+                <a16:creationId xmlns:a16="http://schemas.microsoft.com/office/drawing/2014/main" id="{F0085672-D812-E605-FA59-6F918E664236}"/>
+              </a:ext>
+            </a:extLst>
+          </p:cNvPr>
+          <p:cNvSpPr>
+            <a:spLocks noGrp="1"/>
+          </p:cNvSpPr>
+          <p:nvPr>
+            <p:ph idx="1"/>
+          </p:nvPr>
+        </p:nvSpPr>
+        <p:spPr>
+          <a:xfrm>
+            <a:off x="628650" y="1825625"/>
+            <a:ext cx="3794241" cy="4351338"/>
+          </a:xfrm>
+        </p:spPr>
+        <p:txBody>
+          <a:bodyPr>
+            <a:normAutofit/>
+          </a:bodyPr>
+          <a:lstStyle/>
+          <a:p>
+            <a:r>
+              <a:rPr lang="en-US" dirty="0"/>
+              <a:t>Agents and the environment</a:t>
+            </a:r>
+          </a:p>
+          <a:p>
+            <a:r>
+              <a:rPr lang="en-US" dirty="0"/>
+              <a:t>Many flavors of search for good actions</a:t>
+            </a:r>
+          </a:p>
+          <a:p>
+            <a:r>
+              <a:rPr lang="en-US" dirty="0"/>
+              <a:t>Uncertainty and the Bayesian update rule</a:t>
+            </a:r>
+          </a:p>
+          <a:p>
+            <a:r>
+              <a:rPr lang="en-US" dirty="0"/>
+              <a:t>Supervised machine learning and agents</a:t>
+            </a:r>
+          </a:p>
+          <a:p>
+            <a:pPr marL="0" indent="0">
+              <a:buNone/>
+            </a:pPr>
+            <a:endParaRPr lang="en-US" dirty="0"/>
+          </a:p>
+          <a:p>
+            <a:pPr marL="0" indent="0">
+              <a:buNone/>
+            </a:pPr>
+            <a:r>
+              <a:rPr lang="en-US" dirty="0"/>
+              <a:t>In the following, I will go through important areas that we have not covered and that you can take a class on.</a:t>
+            </a:r>
+          </a:p>
+        </p:txBody>
+      </p:sp>
+      <p:sp>
+        <p:nvSpPr>
+          <p:cNvPr id="21" name="Oval 20">
+            <a:extLst>
+              <a:ext uri="{FF2B5EF4-FFF2-40B4-BE49-F238E27FC236}">
+                <a16:creationId xmlns:a16="http://schemas.microsoft.com/office/drawing/2014/main" id="{8590ADD5-9383-4D3D-9047-3DA2593CCB5D}"/>
+              </a:ext>
+              <a:ext uri="{C183D7F6-B498-43B3-948B-1728B52AA6E4}">
+                <adec:decorative xmlns:adec="http://schemas.microsoft.com/office/drawing/2017/decorative" val="1"/>
+              </a:ext>
+            </a:extLst>
+          </p:cNvPr>
+          <p:cNvSpPr>
+            <a:spLocks noGrp="1" noRot="1" noChangeAspect="1" noMove="1" noResize="1" noEditPoints="1" noAdjustHandles="1" noChangeArrowheads="1" noChangeShapeType="1" noTextEdit="1"/>
+          </p:cNvSpPr>
+          <p:nvPr>
+            <p:extLst>
+              <p:ext uri="{386F3935-93C4-4BCD-93E2-E3B085C9AB24}">
+                <p16:designElem xmlns:p16="http://schemas.microsoft.com/office/powerpoint/2015/main" val="1"/>
+              </p:ext>
+            </p:extLst>
+          </p:nvPr>
+        </p:nvSpPr>
+        <p:spPr>
+          <a:xfrm>
+            <a:off x="5106138" y="3423959"/>
+            <a:ext cx="405617" cy="540822"/>
+          </a:xfrm>
+          <a:prstGeom prst="ellipse">
+            <a:avLst/>
+          </a:prstGeom>
+          <a:noFill/>
+          <a:ln w="127000">
+            <a:solidFill>
+              <a:schemeClr val="accent5"/>
+            </a:solidFill>
+          </a:ln>
+        </p:spPr>
+        <p:style>
+          <a:lnRef idx="2">
+            <a:schemeClr val="accent1">
+              <a:shade val="50000"/>
+            </a:schemeClr>
+          </a:lnRef>
+          <a:fillRef idx="1">
+            <a:schemeClr val="accent1"/>
+          </a:fillRef>
+          <a:effectRef idx="0">
+            <a:schemeClr val="accent1"/>
+          </a:effectRef>
+          <a:fontRef idx="minor">
+            <a:schemeClr val="lt1"/>
+          </a:fontRef>
+        </p:style>
+        <p:txBody>
+          <a:bodyPr rtlCol="0" anchor="ctr"/>
+          <a:lstStyle/>
+          <a:p>
+            <a:pPr algn="ctr"/>
+            <a:endParaRPr lang="en-US"/>
+          </a:p>
+        </p:txBody>
+      </p:sp>
+      <p:pic>
+        <p:nvPicPr>
+          <p:cNvPr id="5" name="Graphic 4" descr="Robot with solid fill">
+            <a:extLst>
+              <a:ext uri="{FF2B5EF4-FFF2-40B4-BE49-F238E27FC236}">
+                <a16:creationId xmlns:a16="http://schemas.microsoft.com/office/drawing/2014/main" id="{5AC739AD-5010-2834-BF96-9A593DBFF462}"/>
+              </a:ext>
+            </a:extLst>
+          </p:cNvPr>
+          <p:cNvPicPr>
+            <a:picLocks noChangeAspect="1"/>
+          </p:cNvPicPr>
+          <p:nvPr/>
+        </p:nvPicPr>
+        <p:blipFill>
+          <a:blip r:embed="rId2">
+            <a:extLst>
+              <a:ext uri="{96DAC541-7B7A-43D3-8B79-37D633B846F1}">
+                <asvg:svgBlip xmlns:asvg="http://schemas.microsoft.com/office/drawing/2016/SVG/main" r:embed="rId3"/>
+              </a:ext>
+            </a:extLst>
+          </a:blip>
+          <a:stretch>
+            <a:fillRect/>
+          </a:stretch>
+        </p:blipFill>
+        <p:spPr>
+          <a:xfrm>
+            <a:off x="5915388" y="1689117"/>
+            <a:ext cx="2835788" cy="2835788"/>
+          </a:xfrm>
+          <a:custGeom>
+            <a:avLst/>
+            <a:gdLst/>
+            <a:ahLst/>
+            <a:cxnLst/>
+            <a:rect l="l" t="t" r="r" b="b"/>
+            <a:pathLst>
+              <a:path w="4114800" h="5712488">
+                <a:moveTo>
+                  <a:pt x="133155" y="0"/>
+                </a:moveTo>
+                <a:lnTo>
+                  <a:pt x="3981645" y="0"/>
+                </a:lnTo>
+                <a:cubicBezTo>
+                  <a:pt x="4055184" y="0"/>
+                  <a:pt x="4114800" y="59616"/>
+                  <a:pt x="4114800" y="133155"/>
+                </a:cubicBezTo>
+                <a:lnTo>
+                  <a:pt x="4114800" y="5579333"/>
+                </a:lnTo>
+                <a:cubicBezTo>
+                  <a:pt x="4114800" y="5652872"/>
+                  <a:pt x="4055184" y="5712488"/>
+                  <a:pt x="3981645" y="5712488"/>
+                </a:cubicBezTo>
+                <a:lnTo>
+                  <a:pt x="133155" y="5712488"/>
+                </a:lnTo>
+                <a:cubicBezTo>
+                  <a:pt x="59616" y="5712488"/>
+                  <a:pt x="0" y="5652872"/>
+                  <a:pt x="0" y="5579333"/>
+                </a:cubicBezTo>
+                <a:lnTo>
+                  <a:pt x="0" y="133155"/>
+                </a:lnTo>
+                <a:cubicBezTo>
+                  <a:pt x="0" y="59616"/>
+                  <a:pt x="59616" y="0"/>
+                  <a:pt x="133155" y="0"/>
+                </a:cubicBezTo>
+                <a:close/>
+              </a:path>
+            </a:pathLst>
+          </a:custGeom>
+        </p:spPr>
+      </p:pic>
+      <p:sp>
+        <p:nvSpPr>
+          <p:cNvPr id="23" name="Freeform: Shape 22">
+            <a:extLst>
+              <a:ext uri="{FF2B5EF4-FFF2-40B4-BE49-F238E27FC236}">
+                <a16:creationId xmlns:a16="http://schemas.microsoft.com/office/drawing/2014/main" id="{DABE3E45-88CF-45D8-8D40-C773324D93F6}"/>
+              </a:ext>
+              <a:ext uri="{C183D7F6-B498-43B3-948B-1728B52AA6E4}">
+                <adec:decorative xmlns:adec="http://schemas.microsoft.com/office/drawing/2017/decorative" val="1"/>
+              </a:ext>
+            </a:extLst>
+          </p:cNvPr>
+          <p:cNvSpPr>
+            <a:spLocks noGrp="1" noRot="1" noChangeAspect="1" noMove="1" noResize="1" noEditPoints="1" noAdjustHandles="1" noChangeArrowheads="1" noChangeShapeType="1" noTextEdit="1"/>
+          </p:cNvSpPr>
+          <p:nvPr>
+            <p:extLst>
+              <p:ext uri="{386F3935-93C4-4BCD-93E2-E3B085C9AB24}">
+                <p16:designElem xmlns:p16="http://schemas.microsoft.com/office/powerpoint/2015/main" val="1"/>
+              </p:ext>
+            </p:extLst>
+          </p:nvPr>
+        </p:nvSpPr>
+        <p:spPr>
+          <a:xfrm>
+            <a:off x="5062201" y="1"/>
+            <a:ext cx="1550211" cy="1621879"/>
+          </a:xfrm>
+          <a:custGeom>
+            <a:avLst/>
+            <a:gdLst>
+              <a:gd name="connsiteX0" fmla="*/ 0 w 2066948"/>
+              <a:gd name="connsiteY0" fmla="*/ 0 h 1621879"/>
+              <a:gd name="connsiteX1" fmla="*/ 123825 w 2066948"/>
+              <a:gd name="connsiteY1" fmla="*/ 0 h 1621879"/>
+              <a:gd name="connsiteX2" fmla="*/ 123825 w 2066948"/>
+              <a:gd name="connsiteY2" fmla="*/ 1452620 h 1621879"/>
+              <a:gd name="connsiteX3" fmla="*/ 1881378 w 2066948"/>
+              <a:gd name="connsiteY3" fmla="*/ 436017 h 1621879"/>
+              <a:gd name="connsiteX4" fmla="*/ 1127572 w 2066948"/>
+              <a:gd name="connsiteY4" fmla="*/ 0 h 1621879"/>
+              <a:gd name="connsiteX5" fmla="*/ 1374887 w 2066948"/>
+              <a:gd name="connsiteY5" fmla="*/ 0 h 1621879"/>
+              <a:gd name="connsiteX6" fmla="*/ 2035969 w 2066948"/>
+              <a:gd name="connsiteY6" fmla="*/ 382391 h 1621879"/>
+              <a:gd name="connsiteX7" fmla="*/ 2058648 w 2066948"/>
+              <a:gd name="connsiteY7" fmla="*/ 466963 h 1621879"/>
+              <a:gd name="connsiteX8" fmla="*/ 2035969 w 2066948"/>
+              <a:gd name="connsiteY8" fmla="*/ 489642 h 1621879"/>
+              <a:gd name="connsiteX9" fmla="*/ 92869 w 2066948"/>
+              <a:gd name="connsiteY9" fmla="*/ 1613592 h 1621879"/>
+              <a:gd name="connsiteX10" fmla="*/ 61913 w 2066948"/>
+              <a:gd name="connsiteY10" fmla="*/ 1621879 h 1621879"/>
+              <a:gd name="connsiteX11" fmla="*/ 0 w 2066948"/>
+              <a:gd name="connsiteY11" fmla="*/ 1559967 h 1621879"/>
+            </a:gdLst>
+            <a:ahLst/>
+            <a:cxnLst>
+              <a:cxn ang="0">
+                <a:pos x="connsiteX0" y="connsiteY0"/>
+              </a:cxn>
+              <a:cxn ang="0">
+                <a:pos x="connsiteX1" y="connsiteY1"/>
+              </a:cxn>
+              <a:cxn ang="0">
+                <a:pos x="connsiteX2" y="connsiteY2"/>
+              </a:cxn>
+              <a:cxn ang="0">
+                <a:pos x="connsiteX3" y="connsiteY3"/>
+              </a:cxn>
+              <a:cxn ang="0">
+                <a:pos x="connsiteX4" y="connsiteY4"/>
+              </a:cxn>
+              <a:cxn ang="0">
+                <a:pos x="connsiteX5" y="connsiteY5"/>
+              </a:cxn>
+              <a:cxn ang="0">
+                <a:pos x="connsiteX6" y="connsiteY6"/>
+              </a:cxn>
+              <a:cxn ang="0">
+                <a:pos x="connsiteX7" y="connsiteY7"/>
+              </a:cxn>
+              <a:cxn ang="0">
+                <a:pos x="connsiteX8" y="connsiteY8"/>
+              </a:cxn>
+              <a:cxn ang="0">
+                <a:pos x="connsiteX9" y="connsiteY9"/>
+              </a:cxn>
+              <a:cxn ang="0">
+                <a:pos x="connsiteX10" y="connsiteY10"/>
+              </a:cxn>
+              <a:cxn ang="0">
+                <a:pos x="connsiteX11" y="connsiteY11"/>
+              </a:cxn>
+            </a:cxnLst>
+            <a:rect l="l" t="t" r="r" b="b"/>
+            <a:pathLst>
+              <a:path w="2066948" h="1621879">
+                <a:moveTo>
+                  <a:pt x="0" y="0"/>
+                </a:moveTo>
+                <a:lnTo>
+                  <a:pt x="123825" y="0"/>
+                </a:lnTo>
+                <a:lnTo>
+                  <a:pt x="123825" y="1452620"/>
+                </a:lnTo>
+                <a:lnTo>
+                  <a:pt x="1881378" y="436017"/>
+                </a:lnTo>
+                <a:lnTo>
+                  <a:pt x="1127572" y="0"/>
+                </a:lnTo>
+                <a:lnTo>
+                  <a:pt x="1374887" y="0"/>
+                </a:lnTo>
+                <a:lnTo>
+                  <a:pt x="2035969" y="382391"/>
+                </a:lnTo>
+                <a:cubicBezTo>
+                  <a:pt x="2065582" y="399479"/>
+                  <a:pt x="2075745" y="437340"/>
+                  <a:pt x="2058648" y="466963"/>
+                </a:cubicBezTo>
+                <a:cubicBezTo>
+                  <a:pt x="2053219" y="476384"/>
+                  <a:pt x="2045389" y="484204"/>
+                  <a:pt x="2035969" y="489642"/>
+                </a:cubicBezTo>
+                <a:lnTo>
+                  <a:pt x="92869" y="1613592"/>
+                </a:lnTo>
+                <a:cubicBezTo>
+                  <a:pt x="83458" y="1619031"/>
+                  <a:pt x="72780" y="1621889"/>
+                  <a:pt x="61913" y="1621879"/>
+                </a:cubicBezTo>
+                <a:cubicBezTo>
+                  <a:pt x="27719" y="1621879"/>
+                  <a:pt x="0" y="1594161"/>
+                  <a:pt x="0" y="1559967"/>
+                </a:cubicBezTo>
+                <a:close/>
+              </a:path>
+            </a:pathLst>
+          </a:custGeom>
+          <a:solidFill>
+            <a:schemeClr val="accent6"/>
+          </a:solidFill>
+          <a:ln w="9525" cap="flat">
+            <a:noFill/>
+            <a:prstDash val="solid"/>
+            <a:miter/>
+          </a:ln>
+        </p:spPr>
+        <p:txBody>
+          <a:bodyPr rtlCol="0" anchor="ctr"/>
+          <a:lstStyle/>
+          <a:p>
+            <a:endParaRPr lang="en-US"/>
+          </a:p>
+        </p:txBody>
+      </p:sp>
+      <p:cxnSp>
+        <p:nvCxnSpPr>
+          <p:cNvPr id="25" name="Straight Connector 24">
+            <a:extLst>
+              <a:ext uri="{FF2B5EF4-FFF2-40B4-BE49-F238E27FC236}">
+                <a16:creationId xmlns:a16="http://schemas.microsoft.com/office/drawing/2014/main" id="{49CD1692-827B-4C8D-B4A1-134FD04CF45C}"/>
+              </a:ext>
+              <a:ext uri="{C183D7F6-B498-43B3-948B-1728B52AA6E4}">
+                <adec:decorative xmlns:adec="http://schemas.microsoft.com/office/drawing/2017/decorative" val="1"/>
+              </a:ext>
+            </a:extLst>
+          </p:cNvPr>
+          <p:cNvCxnSpPr>
+            <a:cxnSpLocks noGrp="1" noRot="1" noChangeAspect="1" noMove="1" noResize="1" noEditPoints="1" noAdjustHandles="1" noChangeArrowheads="1" noChangeShapeType="1"/>
+          </p:cNvCxnSpPr>
+          <p:nvPr>
+            <p:extLst>
+              <p:ext uri="{386F3935-93C4-4BCD-93E2-E3B085C9AB24}">
+                <p16:designElem xmlns:p16="http://schemas.microsoft.com/office/powerpoint/2015/main" val="1"/>
+              </p:ext>
+            </p:extLst>
+          </p:nvPr>
+        </p:nvCxnSpPr>
+        <p:spPr>
+          <a:xfrm>
+            <a:off x="9104058" y="1027906"/>
+            <a:ext cx="0" cy="1597708"/>
+          </a:xfrm>
+          <a:prstGeom prst="line">
+            <a:avLst/>
+          </a:prstGeom>
+          <a:ln w="127000" cap="rnd">
+            <a:solidFill>
+              <a:schemeClr val="accent4"/>
+            </a:solidFill>
+            <a:prstDash val="dash"/>
+          </a:ln>
+        </p:spPr>
+        <p:style>
+          <a:lnRef idx="1">
+            <a:schemeClr val="accent1"/>
+          </a:lnRef>
+          <a:fillRef idx="0">
+            <a:schemeClr val="accent1"/>
+          </a:fillRef>
+          <a:effectRef idx="0">
+            <a:schemeClr val="accent1"/>
+          </a:effectRef>
+          <a:fontRef idx="minor">
+            <a:schemeClr val="tx1"/>
+          </a:fontRef>
+        </p:style>
+      </p:cxnSp>
+      <p:sp>
+        <p:nvSpPr>
+          <p:cNvPr id="27" name="Freeform: Shape 26">
+            <a:extLst>
+              <a:ext uri="{FF2B5EF4-FFF2-40B4-BE49-F238E27FC236}">
+                <a16:creationId xmlns:a16="http://schemas.microsoft.com/office/drawing/2014/main" id="{B91ECDA9-56DC-4270-8F33-01C5637B8CEB}"/>
+              </a:ext>
+              <a:ext uri="{C183D7F6-B498-43B3-948B-1728B52AA6E4}">
+                <adec:decorative xmlns:adec="http://schemas.microsoft.com/office/drawing/2017/decorative" val="1"/>
+              </a:ext>
+            </a:extLst>
+          </p:cNvPr>
+          <p:cNvSpPr>
+            <a:spLocks noGrp="1" noRot="1" noChangeAspect="1" noMove="1" noResize="1" noEditPoints="1" noAdjustHandles="1" noChangeArrowheads="1" noChangeShapeType="1" noTextEdit="1"/>
+          </p:cNvSpPr>
+          <p:nvPr>
+            <p:extLst>
+              <p:ext uri="{386F3935-93C4-4BCD-93E2-E3B085C9AB24}">
+                <p16:designElem xmlns:p16="http://schemas.microsoft.com/office/powerpoint/2015/main" val="1"/>
+              </p:ext>
+            </p:extLst>
+          </p:nvPr>
+        </p:nvSpPr>
+        <p:spPr>
+          <a:xfrm rot="20463438">
+            <a:off x="5592435" y="5166682"/>
+            <a:ext cx="1376793" cy="2024785"/>
+          </a:xfrm>
+          <a:custGeom>
+            <a:avLst/>
+            <a:gdLst>
+              <a:gd name="connsiteX0" fmla="*/ 1801138 w 1835725"/>
+              <a:gd name="connsiteY0" fmla="*/ 1622662 h 2024785"/>
+              <a:gd name="connsiteX1" fmla="*/ 1835717 w 1835725"/>
+              <a:gd name="connsiteY1" fmla="*/ 1680254 h 2024785"/>
+              <a:gd name="connsiteX2" fmla="*/ 1812568 w 1835725"/>
+              <a:gd name="connsiteY2" fmla="*/ 1877193 h 2024785"/>
+              <a:gd name="connsiteX3" fmla="*/ 1776210 w 1835725"/>
+              <a:gd name="connsiteY3" fmla="*/ 2024785 h 2024785"/>
+              <a:gd name="connsiteX4" fmla="*/ 1655772 w 1835725"/>
+              <a:gd name="connsiteY4" fmla="*/ 1983449 h 2024785"/>
+              <a:gd name="connsiteX5" fmla="*/ 1687591 w 1835725"/>
+              <a:gd name="connsiteY5" fmla="*/ 1854495 h 2024785"/>
+              <a:gd name="connsiteX6" fmla="*/ 1708939 w 1835725"/>
+              <a:gd name="connsiteY6" fmla="*/ 1673301 h 2024785"/>
+              <a:gd name="connsiteX7" fmla="*/ 1778129 w 1835725"/>
+              <a:gd name="connsiteY7" fmla="*/ 1615979 h 2024785"/>
+              <a:gd name="connsiteX8" fmla="*/ 1801138 w 1835725"/>
+              <a:gd name="connsiteY8" fmla="*/ 1622662 h 2024785"/>
+              <a:gd name="connsiteX9" fmla="*/ 1585229 w 1835725"/>
+              <a:gd name="connsiteY9" fmla="*/ 764759 h 2024785"/>
+              <a:gd name="connsiteX10" fmla="*/ 1623024 w 1835725"/>
+              <a:gd name="connsiteY10" fmla="*/ 792810 h 2024785"/>
+              <a:gd name="connsiteX11" fmla="*/ 1777614 w 1835725"/>
+              <a:gd name="connsiteY11" fmla="*/ 1157141 h 2024785"/>
+              <a:gd name="connsiteX12" fmla="*/ 1733799 w 1835725"/>
+              <a:gd name="connsiteY12" fmla="*/ 1235532 h 2024785"/>
+              <a:gd name="connsiteX13" fmla="*/ 1716464 w 1835725"/>
+              <a:gd name="connsiteY13" fmla="*/ 1237722 h 2024785"/>
+              <a:gd name="connsiteX14" fmla="*/ 1716464 w 1835725"/>
+              <a:gd name="connsiteY14" fmla="*/ 1237913 h 2024785"/>
+              <a:gd name="connsiteX15" fmla="*/ 1655409 w 1835725"/>
+              <a:gd name="connsiteY15" fmla="*/ 1191717 h 2024785"/>
+              <a:gd name="connsiteX16" fmla="*/ 1513200 w 1835725"/>
+              <a:gd name="connsiteY16" fmla="*/ 856627 h 2024785"/>
+              <a:gd name="connsiteX17" fmla="*/ 1538499 w 1835725"/>
+              <a:gd name="connsiteY17" fmla="*/ 770415 h 2024785"/>
+              <a:gd name="connsiteX18" fmla="*/ 1585229 w 1835725"/>
+              <a:gd name="connsiteY18" fmla="*/ 764759 h 2024785"/>
+              <a:gd name="connsiteX19" fmla="*/ 477919 w 1835725"/>
+              <a:gd name="connsiteY19" fmla="*/ 21437 h 2024785"/>
+              <a:gd name="connsiteX20" fmla="*/ 509236 w 1835725"/>
+              <a:gd name="connsiteY20" fmla="*/ 84182 h 2024785"/>
+              <a:gd name="connsiteX21" fmla="*/ 445829 w 1835725"/>
+              <a:gd name="connsiteY21" fmla="*/ 139871 h 2024785"/>
+              <a:gd name="connsiteX22" fmla="*/ 437447 w 1835725"/>
+              <a:gd name="connsiteY22" fmla="*/ 139395 h 2024785"/>
+              <a:gd name="connsiteX23" fmla="*/ 73211 w 1835725"/>
+              <a:gd name="connsiteY23" fmla="*/ 137204 h 2024785"/>
+              <a:gd name="connsiteX24" fmla="*/ 749 w 1835725"/>
+              <a:gd name="connsiteY24" fmla="*/ 84082 h 2024785"/>
+              <a:gd name="connsiteX25" fmla="*/ 53871 w 1835725"/>
+              <a:gd name="connsiteY25" fmla="*/ 11621 h 2024785"/>
+              <a:gd name="connsiteX26" fmla="*/ 58352 w 1835725"/>
+              <a:gd name="connsiteY26" fmla="*/ 11093 h 2024785"/>
+              <a:gd name="connsiteX27" fmla="*/ 454020 w 1835725"/>
+              <a:gd name="connsiteY27" fmla="*/ 13474 h 2024785"/>
+              <a:gd name="connsiteX28" fmla="*/ 477919 w 1835725"/>
+              <a:gd name="connsiteY28" fmla="*/ 21437 h 2024785"/>
+              <a:gd name="connsiteX29" fmla="*/ 957797 w 1835725"/>
+              <a:gd name="connsiteY29" fmla="*/ 167970 h 2024785"/>
+              <a:gd name="connsiteX30" fmla="*/ 1286982 w 1835725"/>
+              <a:gd name="connsiteY30" fmla="*/ 387616 h 2024785"/>
+              <a:gd name="connsiteX31" fmla="*/ 1293725 w 1835725"/>
+              <a:gd name="connsiteY31" fmla="*/ 477075 h 2024785"/>
+              <a:gd name="connsiteX32" fmla="*/ 1245453 w 1835725"/>
+              <a:gd name="connsiteY32" fmla="*/ 499154 h 2024785"/>
+              <a:gd name="connsiteX33" fmla="*/ 1245167 w 1835725"/>
+              <a:gd name="connsiteY33" fmla="*/ 499154 h 2024785"/>
+              <a:gd name="connsiteX34" fmla="*/ 1203638 w 1835725"/>
+              <a:gd name="connsiteY34" fmla="*/ 484104 h 2024785"/>
+              <a:gd name="connsiteX35" fmla="*/ 900647 w 1835725"/>
+              <a:gd name="connsiteY35" fmla="*/ 281508 h 2024785"/>
+              <a:gd name="connsiteX36" fmla="*/ 872454 w 1835725"/>
+              <a:gd name="connsiteY36" fmla="*/ 196164 h 2024785"/>
+              <a:gd name="connsiteX37" fmla="*/ 957797 w 1835725"/>
+              <a:gd name="connsiteY37" fmla="*/ 167970 h 2024785"/>
+            </a:gdLst>
+            <a:ahLst/>
+            <a:cxnLst>
+              <a:cxn ang="0">
+                <a:pos x="connsiteX0" y="connsiteY0"/>
+              </a:cxn>
+              <a:cxn ang="0">
+                <a:pos x="connsiteX1" y="connsiteY1"/>
+              </a:cxn>
+              <a:cxn ang="0">
+                <a:pos x="connsiteX2" y="connsiteY2"/>
+              </a:cxn>
+              <a:cxn ang="0">
+                <a:pos x="connsiteX3" y="connsiteY3"/>
+              </a:cxn>
+              <a:cxn ang="0">
+                <a:pos x="connsiteX4" y="connsiteY4"/>
+              </a:cxn>
+              <a:cxn ang="0">
+                <a:pos x="connsiteX5" y="connsiteY5"/>
+              </a:cxn>
+              <a:cxn ang="0">
+                <a:pos x="connsiteX6" y="connsiteY6"/>
+              </a:cxn>
+              <a:cxn ang="0">
+                <a:pos x="connsiteX7" y="connsiteY7"/>
+              </a:cxn>
+              <a:cxn ang="0">
+                <a:pos x="connsiteX8" y="connsiteY8"/>
+              </a:cxn>
+              <a:cxn ang="0">
+                <a:pos x="connsiteX9" y="connsiteY9"/>
+              </a:cxn>
+              <a:cxn ang="0">
+                <a:pos x="connsiteX10" y="connsiteY10"/>
+              </a:cxn>
+              <a:cxn ang="0">
+                <a:pos x="connsiteX11" y="connsiteY11"/>
+              </a:cxn>
+              <a:cxn ang="0">
+                <a:pos x="connsiteX12" y="connsiteY12"/>
+              </a:cxn>
+              <a:cxn ang="0">
+                <a:pos x="connsiteX13" y="connsiteY13"/>
+              </a:cxn>
+              <a:cxn ang="0">
+                <a:pos x="connsiteX14" y="connsiteY14"/>
+              </a:cxn>
+              <a:cxn ang="0">
+                <a:pos x="connsiteX15" y="connsiteY15"/>
+              </a:cxn>
+              <a:cxn ang="0">
+                <a:pos x="connsiteX16" y="connsiteY16"/>
+              </a:cxn>
+              <a:cxn ang="0">
+                <a:pos x="connsiteX17" y="connsiteY17"/>
+              </a:cxn>
+              <a:cxn ang="0">
+                <a:pos x="connsiteX18" y="connsiteY18"/>
+              </a:cxn>
+              <a:cxn ang="0">
+                <a:pos x="connsiteX19" y="connsiteY19"/>
+              </a:cxn>
+              <a:cxn ang="0">
+                <a:pos x="connsiteX20" y="connsiteY20"/>
+              </a:cxn>
+              <a:cxn ang="0">
+                <a:pos x="connsiteX21" y="connsiteY21"/>
+              </a:cxn>
+              <a:cxn ang="0">
+                <a:pos x="connsiteX22" y="connsiteY22"/>
+              </a:cxn>
+              <a:cxn ang="0">
+                <a:pos x="connsiteX23" y="connsiteY23"/>
+              </a:cxn>
+              <a:cxn ang="0">
+                <a:pos x="connsiteX24" y="connsiteY24"/>
+              </a:cxn>
+              <a:cxn ang="0">
+                <a:pos x="connsiteX25" y="connsiteY25"/>
+              </a:cxn>
+              <a:cxn ang="0">
+                <a:pos x="connsiteX26" y="connsiteY26"/>
+              </a:cxn>
+              <a:cxn ang="0">
+                <a:pos x="connsiteX27" y="connsiteY27"/>
+              </a:cxn>
+              <a:cxn ang="0">
+                <a:pos x="connsiteX28" y="connsiteY28"/>
+              </a:cxn>
+              <a:cxn ang="0">
+                <a:pos x="connsiteX29" y="connsiteY29"/>
+              </a:cxn>
+              <a:cxn ang="0">
+                <a:pos x="connsiteX30" y="connsiteY30"/>
+              </a:cxn>
+              <a:cxn ang="0">
+                <a:pos x="connsiteX31" y="connsiteY31"/>
+              </a:cxn>
+              <a:cxn ang="0">
+                <a:pos x="connsiteX32" y="connsiteY32"/>
+              </a:cxn>
+              <a:cxn ang="0">
+                <a:pos x="connsiteX33" y="connsiteY33"/>
+              </a:cxn>
+              <a:cxn ang="0">
+                <a:pos x="connsiteX34" y="connsiteY34"/>
+              </a:cxn>
+              <a:cxn ang="0">
+                <a:pos x="connsiteX35" y="connsiteY35"/>
+              </a:cxn>
+              <a:cxn ang="0">
+                <a:pos x="connsiteX36" y="connsiteY36"/>
+              </a:cxn>
+              <a:cxn ang="0">
+                <a:pos x="connsiteX37" y="connsiteY37"/>
+              </a:cxn>
+            </a:cxnLst>
+            <a:rect l="l" t="t" r="r" b="b"/>
+            <a:pathLst>
+              <a:path w="1835725" h="2024785">
+                <a:moveTo>
+                  <a:pt x="1801138" y="1622662"/>
+                </a:moveTo>
+                <a:cubicBezTo>
+                  <a:pt x="1822105" y="1633400"/>
+                  <a:pt x="1836117" y="1655372"/>
+                  <a:pt x="1835717" y="1680254"/>
+                </a:cubicBezTo>
+                <a:cubicBezTo>
+                  <a:pt x="1832093" y="1746382"/>
+                  <a:pt x="1824354" y="1812154"/>
+                  <a:pt x="1812568" y="1877193"/>
+                </a:cubicBezTo>
+                <a:lnTo>
+                  <a:pt x="1776210" y="2024785"/>
+                </a:lnTo>
+                <a:lnTo>
+                  <a:pt x="1655772" y="1983449"/>
+                </a:lnTo>
+                <a:lnTo>
+                  <a:pt x="1687591" y="1854495"/>
+                </a:lnTo>
+                <a:cubicBezTo>
+                  <a:pt x="1698455" y="1794657"/>
+                  <a:pt x="1705590" y="1734142"/>
+                  <a:pt x="1708939" y="1673301"/>
+                </a:cubicBezTo>
+                <a:cubicBezTo>
+                  <a:pt x="1712216" y="1638363"/>
+                  <a:pt x="1743190" y="1612703"/>
+                  <a:pt x="1778129" y="1615979"/>
+                </a:cubicBezTo>
+                <a:cubicBezTo>
+                  <a:pt x="1786387" y="1616753"/>
+                  <a:pt x="1794149" y="1619084"/>
+                  <a:pt x="1801138" y="1622662"/>
+                </a:cubicBezTo>
+                <a:close/>
+                <a:moveTo>
+                  <a:pt x="1585229" y="764759"/>
+                </a:moveTo>
+                <a:cubicBezTo>
+                  <a:pt x="1600438" y="768789"/>
+                  <a:pt x="1614156" y="778436"/>
+                  <a:pt x="1623024" y="792810"/>
+                </a:cubicBezTo>
+                <a:cubicBezTo>
+                  <a:pt x="1689575" y="907319"/>
+                  <a:pt x="1741505" y="1029715"/>
+                  <a:pt x="1777614" y="1157141"/>
+                </a:cubicBezTo>
+                <a:cubicBezTo>
+                  <a:pt x="1787149" y="1190888"/>
+                  <a:pt x="1767537" y="1225969"/>
+                  <a:pt x="1733799" y="1235532"/>
+                </a:cubicBezTo>
+                <a:cubicBezTo>
+                  <a:pt x="1728151" y="1237046"/>
+                  <a:pt x="1722312" y="1237780"/>
+                  <a:pt x="1716464" y="1237722"/>
+                </a:cubicBezTo>
+                <a:lnTo>
+                  <a:pt x="1716464" y="1237913"/>
+                </a:lnTo>
+                <a:cubicBezTo>
+                  <a:pt x="1688070" y="1237913"/>
+                  <a:pt x="1663124" y="1219044"/>
+                  <a:pt x="1655409" y="1191717"/>
+                </a:cubicBezTo>
+                <a:cubicBezTo>
+                  <a:pt x="1622214" y="1074512"/>
+                  <a:pt x="1574437" y="961936"/>
+                  <a:pt x="1513200" y="856627"/>
+                </a:cubicBezTo>
+                <a:cubicBezTo>
+                  <a:pt x="1496379" y="825834"/>
+                  <a:pt x="1507704" y="787236"/>
+                  <a:pt x="1538499" y="770415"/>
+                </a:cubicBezTo>
+                <a:cubicBezTo>
+                  <a:pt x="1553325" y="762319"/>
+                  <a:pt x="1570022" y="760730"/>
+                  <a:pt x="1585229" y="764759"/>
+                </a:cubicBezTo>
+                <a:close/>
+                <a:moveTo>
+                  <a:pt x="477919" y="21437"/>
+                </a:moveTo>
+                <a:cubicBezTo>
+                  <a:pt x="499341" y="33775"/>
+                  <a:pt x="512445" y="58102"/>
+                  <a:pt x="509236" y="84182"/>
+                </a:cubicBezTo>
+                <a:cubicBezTo>
+                  <a:pt x="505303" y="116151"/>
+                  <a:pt x="478038" y="140098"/>
+                  <a:pt x="445829" y="139871"/>
+                </a:cubicBezTo>
+                <a:cubicBezTo>
+                  <a:pt x="443027" y="139899"/>
+                  <a:pt x="440227" y="139740"/>
+                  <a:pt x="437447" y="139395"/>
+                </a:cubicBezTo>
+                <a:cubicBezTo>
+                  <a:pt x="316592" y="123615"/>
+                  <a:pt x="194247" y="122878"/>
+                  <a:pt x="73211" y="137204"/>
+                </a:cubicBezTo>
+                <a:cubicBezTo>
+                  <a:pt x="38532" y="142545"/>
+                  <a:pt x="6090" y="118762"/>
+                  <a:pt x="749" y="84082"/>
+                </a:cubicBezTo>
+                <a:cubicBezTo>
+                  <a:pt x="-4591" y="49403"/>
+                  <a:pt x="19192" y="16961"/>
+                  <a:pt x="53871" y="11621"/>
+                </a:cubicBezTo>
+                <a:cubicBezTo>
+                  <a:pt x="55358" y="11392"/>
+                  <a:pt x="56852" y="11216"/>
+                  <a:pt x="58352" y="11093"/>
+                </a:cubicBezTo>
+                <a:cubicBezTo>
+                  <a:pt x="189834" y="-4456"/>
+                  <a:pt x="322735" y="-3656"/>
+                  <a:pt x="454020" y="13474"/>
+                </a:cubicBezTo>
+                <a:cubicBezTo>
+                  <a:pt x="462713" y="14543"/>
+                  <a:pt x="470778" y="17324"/>
+                  <a:pt x="477919" y="21437"/>
+                </a:cubicBezTo>
+                <a:close/>
+                <a:moveTo>
+                  <a:pt x="957797" y="167970"/>
+                </a:moveTo>
+                <a:cubicBezTo>
+                  <a:pt x="1076184" y="227289"/>
+                  <a:pt x="1186759" y="301068"/>
+                  <a:pt x="1286982" y="387616"/>
+                </a:cubicBezTo>
+                <a:cubicBezTo>
+                  <a:pt x="1313547" y="410457"/>
+                  <a:pt x="1316566" y="450510"/>
+                  <a:pt x="1293725" y="477075"/>
+                </a:cubicBezTo>
+                <a:cubicBezTo>
+                  <a:pt x="1281638" y="491137"/>
+                  <a:pt x="1263998" y="499204"/>
+                  <a:pt x="1245453" y="499154"/>
+                </a:cubicBezTo>
+                <a:lnTo>
+                  <a:pt x="1245167" y="499154"/>
+                </a:lnTo>
+                <a:cubicBezTo>
+                  <a:pt x="1229965" y="499301"/>
+                  <a:pt x="1215220" y="493956"/>
+                  <a:pt x="1203638" y="484104"/>
+                </a:cubicBezTo>
+                <a:cubicBezTo>
+                  <a:pt x="1111407" y="404300"/>
+                  <a:pt x="1009633" y="336248"/>
+                  <a:pt x="900647" y="281508"/>
+                </a:cubicBezTo>
+                <a:cubicBezTo>
+                  <a:pt x="869295" y="265726"/>
+                  <a:pt x="856672" y="227516"/>
+                  <a:pt x="872454" y="196164"/>
+                </a:cubicBezTo>
+                <a:cubicBezTo>
+                  <a:pt x="888235" y="164811"/>
+                  <a:pt x="926445" y="152188"/>
+                  <a:pt x="957797" y="167970"/>
+                </a:cubicBezTo>
+                <a:close/>
+              </a:path>
+            </a:pathLst>
+          </a:custGeom>
+          <a:solidFill>
+            <a:schemeClr val="accent4"/>
+          </a:solidFill>
+          <a:ln w="9525" cap="flat">
+            <a:noFill/>
+            <a:prstDash val="solid"/>
+            <a:miter/>
+          </a:ln>
+        </p:spPr>
+        <p:txBody>
+          <a:bodyPr rtlCol="0" anchor="ctr"/>
+          <a:lstStyle/>
+          <a:p>
+            <a:endParaRPr lang="en-US"/>
+          </a:p>
+        </p:txBody>
+      </p:sp>
+      <p:sp>
+        <p:nvSpPr>
+          <p:cNvPr id="29" name="Freeform: Shape 28">
+            <a:extLst>
+              <a:ext uri="{FF2B5EF4-FFF2-40B4-BE49-F238E27FC236}">
+                <a16:creationId xmlns:a16="http://schemas.microsoft.com/office/drawing/2014/main" id="{75F47824-961D-465D-84F9-EAE11BC6173B}"/>
+              </a:ext>
+              <a:ext uri="{C183D7F6-B498-43B3-948B-1728B52AA6E4}">
+                <adec:decorative xmlns:adec="http://schemas.microsoft.com/office/drawing/2017/decorative" val="1"/>
+              </a:ext>
+            </a:extLst>
+          </p:cNvPr>
+          <p:cNvSpPr>
+            <a:spLocks noGrp="1" noRot="1" noChangeAspect="1" noMove="1" noResize="1" noEditPoints="1" noAdjustHandles="1" noChangeArrowheads="1" noChangeShapeType="1" noTextEdit="1"/>
+          </p:cNvSpPr>
+          <p:nvPr>
+            <p:extLst>
+              <p:ext uri="{386F3935-93C4-4BCD-93E2-E3B085C9AB24}">
+                <p16:designElem xmlns:p16="http://schemas.microsoft.com/office/powerpoint/2015/main" val="1"/>
+              </p:ext>
+            </p:extLst>
+          </p:nvPr>
+        </p:nvSpPr>
+        <p:spPr>
+          <a:xfrm>
+            <a:off x="5107145" y="6033795"/>
+            <a:ext cx="1493298" cy="824205"/>
+          </a:xfrm>
+          <a:custGeom>
+            <a:avLst/>
+            <a:gdLst>
+              <a:gd name="connsiteX0" fmla="*/ 995532 w 1991064"/>
+              <a:gd name="connsiteY0" fmla="*/ 0 h 824205"/>
+              <a:gd name="connsiteX1" fmla="*/ 1984823 w 1991064"/>
+              <a:gd name="connsiteY1" fmla="*/ 784423 h 824205"/>
+              <a:gd name="connsiteX2" fmla="*/ 1991064 w 1991064"/>
+              <a:gd name="connsiteY2" fmla="*/ 824205 h 824205"/>
+              <a:gd name="connsiteX3" fmla="*/ 0 w 1991064"/>
+              <a:gd name="connsiteY3" fmla="*/ 824205 h 824205"/>
+              <a:gd name="connsiteX4" fmla="*/ 6241 w 1991064"/>
+              <a:gd name="connsiteY4" fmla="*/ 784423 h 824205"/>
+              <a:gd name="connsiteX5" fmla="*/ 995532 w 1991064"/>
+              <a:gd name="connsiteY5" fmla="*/ 0 h 824205"/>
+            </a:gdLst>
+            <a:ahLst/>
+            <a:cxnLst>
+              <a:cxn ang="0">
+                <a:pos x="connsiteX0" y="connsiteY0"/>
+              </a:cxn>
+              <a:cxn ang="0">
+                <a:pos x="connsiteX1" y="connsiteY1"/>
+              </a:cxn>
+              <a:cxn ang="0">
+                <a:pos x="connsiteX2" y="connsiteY2"/>
+              </a:cxn>
+              <a:cxn ang="0">
+                <a:pos x="connsiteX3" y="connsiteY3"/>
+              </a:cxn>
+              <a:cxn ang="0">
+                <a:pos x="connsiteX4" y="connsiteY4"/>
+              </a:cxn>
+              <a:cxn ang="0">
+                <a:pos x="connsiteX5" y="connsiteY5"/>
+              </a:cxn>
+            </a:cxnLst>
+            <a:rect l="l" t="t" r="r" b="b"/>
+            <a:pathLst>
+              <a:path w="1991064" h="824205">
+                <a:moveTo>
+                  <a:pt x="995532" y="0"/>
+                </a:moveTo>
+                <a:cubicBezTo>
+                  <a:pt x="1483521" y="0"/>
+                  <a:pt x="1890663" y="336754"/>
+                  <a:pt x="1984823" y="784423"/>
+                </a:cubicBezTo>
+                <a:lnTo>
+                  <a:pt x="1991064" y="824205"/>
+                </a:lnTo>
+                <a:lnTo>
+                  <a:pt x="0" y="824205"/>
+                </a:lnTo>
+                <a:lnTo>
+                  <a:pt x="6241" y="784423"/>
+                </a:lnTo>
+                <a:cubicBezTo>
+                  <a:pt x="100402" y="336754"/>
+                  <a:pt x="507544" y="0"/>
+                  <a:pt x="995532" y="0"/>
+                </a:cubicBezTo>
+                <a:close/>
+              </a:path>
+            </a:pathLst>
+          </a:custGeom>
+          <a:solidFill>
+            <a:schemeClr val="accent2"/>
+          </a:solidFill>
+          <a:ln>
+            <a:noFill/>
+          </a:ln>
+        </p:spPr>
+        <p:style>
+          <a:lnRef idx="2">
+            <a:schemeClr val="accent1">
+              <a:shade val="50000"/>
+            </a:schemeClr>
+          </a:lnRef>
+          <a:fillRef idx="1">
+            <a:schemeClr val="accent1"/>
+          </a:fillRef>
+          <a:effectRef idx="0">
+            <a:schemeClr val="accent1"/>
+          </a:effectRef>
+          <a:fontRef idx="minor">
+            <a:schemeClr val="lt1"/>
+          </a:fontRef>
+        </p:style>
+        <p:txBody>
+          <a:bodyPr wrap="square" rtlCol="0" anchor="ctr">
+            <a:noAutofit/>
+          </a:bodyPr>
+          <a:lstStyle/>
+          <a:p>
+            <a:pPr algn="ctr"/>
+            <a:endParaRPr lang="en-US" dirty="0"/>
+          </a:p>
+        </p:txBody>
+      </p:sp>
+      <p:sp>
+        <p:nvSpPr>
+          <p:cNvPr id="31" name="Freeform: Shape 30">
+            <a:extLst>
+              <a:ext uri="{FF2B5EF4-FFF2-40B4-BE49-F238E27FC236}">
+                <a16:creationId xmlns:a16="http://schemas.microsoft.com/office/drawing/2014/main" id="{FEC9DA3E-C1D7-472D-B7C0-F71AE41FBA23}"/>
+              </a:ext>
+              <a:ext uri="{C183D7F6-B498-43B3-948B-1728B52AA6E4}">
+                <adec:decorative xmlns:adec="http://schemas.microsoft.com/office/drawing/2017/decorative" val="1"/>
+              </a:ext>
+            </a:extLst>
+          </p:cNvPr>
+          <p:cNvSpPr>
+            <a:spLocks noGrp="1" noRot="1" noChangeAspect="1" noMove="1" noResize="1" noEditPoints="1" noAdjustHandles="1" noChangeArrowheads="1" noChangeShapeType="1" noTextEdit="1"/>
+          </p:cNvSpPr>
+          <p:nvPr>
+            <p:extLst>
+              <p:ext uri="{386F3935-93C4-4BCD-93E2-E3B085C9AB24}">
+                <p16:designElem xmlns:p16="http://schemas.microsoft.com/office/powerpoint/2015/main" val="1"/>
+              </p:ext>
+            </p:extLst>
+          </p:nvPr>
+        </p:nvSpPr>
+        <p:spPr>
+          <a:xfrm>
+            <a:off x="8138772" y="5519196"/>
+            <a:ext cx="1005228" cy="1338805"/>
+          </a:xfrm>
+          <a:custGeom>
+            <a:avLst/>
+            <a:gdLst>
+              <a:gd name="connsiteX0" fmla="*/ 61913 w 1340305"/>
+              <a:gd name="connsiteY0" fmla="*/ 0 h 1338805"/>
+              <a:gd name="connsiteX1" fmla="*/ 1340305 w 1340305"/>
+              <a:gd name="connsiteY1" fmla="*/ 0 h 1338805"/>
+              <a:gd name="connsiteX2" fmla="*/ 1340305 w 1340305"/>
+              <a:gd name="connsiteY2" fmla="*/ 123825 h 1338805"/>
+              <a:gd name="connsiteX3" fmla="*/ 123825 w 1340305"/>
+              <a:gd name="connsiteY3" fmla="*/ 123825 h 1338805"/>
+              <a:gd name="connsiteX4" fmla="*/ 123825 w 1340305"/>
+              <a:gd name="connsiteY4" fmla="*/ 1338805 h 1338805"/>
+              <a:gd name="connsiteX5" fmla="*/ 0 w 1340305"/>
+              <a:gd name="connsiteY5" fmla="*/ 1338805 h 1338805"/>
+              <a:gd name="connsiteX6" fmla="*/ 0 w 1340305"/>
+              <a:gd name="connsiteY6" fmla="*/ 61913 h 1338805"/>
+              <a:gd name="connsiteX7" fmla="*/ 61913 w 1340305"/>
+              <a:gd name="connsiteY7" fmla="*/ 0 h 1338805"/>
+            </a:gdLst>
+            <a:ahLst/>
+            <a:cxnLst>
+              <a:cxn ang="0">
+                <a:pos x="connsiteX0" y="connsiteY0"/>
+              </a:cxn>
+              <a:cxn ang="0">
+                <a:pos x="connsiteX1" y="connsiteY1"/>
+              </a:cxn>
+              <a:cxn ang="0">
+                <a:pos x="connsiteX2" y="connsiteY2"/>
+              </a:cxn>
+              <a:cxn ang="0">
+                <a:pos x="connsiteX3" y="connsiteY3"/>
+              </a:cxn>
+              <a:cxn ang="0">
+                <a:pos x="connsiteX4" y="connsiteY4"/>
+              </a:cxn>
+              <a:cxn ang="0">
+                <a:pos x="connsiteX5" y="connsiteY5"/>
+              </a:cxn>
+              <a:cxn ang="0">
+                <a:pos x="connsiteX6" y="connsiteY6"/>
+              </a:cxn>
+              <a:cxn ang="0">
+                <a:pos x="connsiteX7" y="connsiteY7"/>
+              </a:cxn>
+            </a:cxnLst>
+            <a:rect l="l" t="t" r="r" b="b"/>
+            <a:pathLst>
+              <a:path w="1340305" h="1338805">
+                <a:moveTo>
+                  <a:pt x="61913" y="0"/>
+                </a:moveTo>
+                <a:lnTo>
+                  <a:pt x="1340305" y="0"/>
+                </a:lnTo>
+                <a:lnTo>
+                  <a:pt x="1340305" y="123825"/>
+                </a:lnTo>
+                <a:lnTo>
+                  <a:pt x="123825" y="123825"/>
+                </a:lnTo>
+                <a:lnTo>
+                  <a:pt x="123825" y="1338805"/>
+                </a:lnTo>
+                <a:lnTo>
+                  <a:pt x="0" y="1338805"/>
+                </a:lnTo>
+                <a:lnTo>
+                  <a:pt x="0" y="61913"/>
+                </a:lnTo>
+                <a:cubicBezTo>
+                  <a:pt x="0" y="27719"/>
+                  <a:pt x="27719" y="0"/>
+                  <a:pt x="61913" y="0"/>
+                </a:cubicBezTo>
+                <a:close/>
+              </a:path>
+            </a:pathLst>
+          </a:custGeom>
+          <a:solidFill>
+            <a:schemeClr val="accent6"/>
+          </a:solidFill>
+          <a:ln w="9525" cap="flat">
+            <a:noFill/>
+            <a:prstDash val="solid"/>
+            <a:miter/>
+          </a:ln>
+        </p:spPr>
+        <p:txBody>
+          <a:bodyPr rtlCol="0" anchor="ctr"/>
+          <a:lstStyle/>
+          <a:p>
+            <a:endParaRPr lang="en-US"/>
+          </a:p>
+        </p:txBody>
+      </p:sp>
+    </p:spTree>
+    <p:extLst>
+      <p:ext uri="{BB962C8B-B14F-4D97-AF65-F5344CB8AC3E}">
+        <p14:creationId xmlns:p14="http://schemas.microsoft.com/office/powerpoint/2010/main" val="2350236998"/>
+      </p:ext>
+    </p:extLst>
+  </p:cSld>
+  <p:clrMapOvr>
+    <a:masterClrMapping/>
+  </p:clrMapOvr>
+  <p:timing>
+    <p:tnLst>
+      <p:par>
+        <p:cTn id="1" dur="indefinite" restart="never" nodeType="tmRoot">
+          <p:childTnLst>
+            <p:seq concurrent="1" nextAc="seek">
+              <p:cTn id="2" dur="indefinite" nodeType="mainSeq">
+                <p:childTnLst>
+                  <p:par>
+                    <p:cTn id="3" fill="hold">
+                      <p:stCondLst>
+                        <p:cond delay="indefinite"/>
+                      </p:stCondLst>
+                      <p:childTnLst>
+                        <p:par>
+                          <p:cTn id="4" fill="hold">
+                            <p:stCondLst>
+                              <p:cond delay="0"/>
+                            </p:stCondLst>
+                            <p:childTnLst>
+                              <p:par>
+                                <p:cTn id="5" presetID="1" presetClass="entr" presetSubtype="0" fill="hold" nodeType="clickEffect">
+                                  <p:stCondLst>
+                                    <p:cond delay="0"/>
+                                  </p:stCondLst>
+                                  <p:childTnLst>
+                                    <p:set>
+                                      <p:cBhvr>
+                                        <p:cTn id="6" dur="1" fill="hold">
+                                          <p:stCondLst>
+                                            <p:cond delay="0"/>
+                                          </p:stCondLst>
+                                        </p:cTn>
+                                        <p:tgtEl>
+                                          <p:spTgt spid="3">
+                                            <p:txEl>
+                                              <p:pRg st="0" end="0"/>
+                                            </p:txEl>
+                                          </p:spTgt>
+                                        </p:tgtEl>
+                                        <p:attrNameLst>
+                                          <p:attrName>style.visibility</p:attrName>
+                                        </p:attrNameLst>
+                                      </p:cBhvr>
+                                      <p:to>
+                                        <p:strVal val="visible"/>
+                                      </p:to>
+                                    </p:set>
+                                  </p:childTnLst>
+                                </p:cTn>
+                              </p:par>
+                            </p:childTnLst>
+                          </p:cTn>
+                        </p:par>
+                      </p:childTnLst>
+                    </p:cTn>
+                  </p:par>
+                  <p:par>
+                    <p:cTn id="7" fill="hold">
+                      <p:stCondLst>
+                        <p:cond delay="indefinite"/>
+                      </p:stCondLst>
+                      <p:childTnLst>
+                        <p:par>
+                          <p:cTn id="8" fill="hold">
+                            <p:stCondLst>
+                              <p:cond delay="0"/>
+                            </p:stCondLst>
+                            <p:childTnLst>
+                              <p:par>
+                                <p:cTn id="9" presetID="1" presetClass="entr" presetSubtype="0" fill="hold" nodeType="clickEffect">
+                                  <p:stCondLst>
+                                    <p:cond delay="0"/>
+                                  </p:stCondLst>
+                                  <p:childTnLst>
+                                    <p:set>
+                                      <p:cBhvr>
+                                        <p:cTn id="10" dur="1" fill="hold">
+                                          <p:stCondLst>
+                                            <p:cond delay="0"/>
+                                          </p:stCondLst>
+                                        </p:cTn>
+                                        <p:tgtEl>
+                                          <p:spTgt spid="3">
+                                            <p:txEl>
+                                              <p:pRg st="1" end="1"/>
+                                            </p:txEl>
+                                          </p:spTgt>
+                                        </p:tgtEl>
+                                        <p:attrNameLst>
+                                          <p:attrName>style.visibility</p:attrName>
+                                        </p:attrNameLst>
+                                      </p:cBhvr>
+                                      <p:to>
+                                        <p:strVal val="visible"/>
+                                      </p:to>
+                                    </p:set>
+                                  </p:childTnLst>
+                                </p:cTn>
+                              </p:par>
+                            </p:childTnLst>
+                          </p:cTn>
+                        </p:par>
+                      </p:childTnLst>
+                    </p:cTn>
+                  </p:par>
+                  <p:par>
+                    <p:cTn id="11" fill="hold">
+                      <p:stCondLst>
+                        <p:cond delay="indefinite"/>
+                      </p:stCondLst>
+                      <p:childTnLst>
+                        <p:par>
+                          <p:cTn id="12" fill="hold">
+                            <p:stCondLst>
+                              <p:cond delay="0"/>
+                            </p:stCondLst>
+                            <p:childTnLst>
+                              <p:par>
+                                <p:cTn id="13" presetID="1" presetClass="entr" presetSubtype="0" fill="hold" nodeType="clickEffect">
+                                  <p:stCondLst>
+                                    <p:cond delay="0"/>
+                                  </p:stCondLst>
+                                  <p:childTnLst>
+                                    <p:set>
+                                      <p:cBhvr>
+                                        <p:cTn id="14" dur="1" fill="hold">
+                                          <p:stCondLst>
+                                            <p:cond delay="0"/>
+                                          </p:stCondLst>
+                                        </p:cTn>
+                                        <p:tgtEl>
+                                          <p:spTgt spid="3">
+                                            <p:txEl>
+                                              <p:pRg st="2" end="2"/>
+                                            </p:txEl>
+                                          </p:spTgt>
+                                        </p:tgtEl>
+                                        <p:attrNameLst>
+                                          <p:attrName>style.visibility</p:attrName>
+                                        </p:attrNameLst>
+                                      </p:cBhvr>
+                                      <p:to>
+                                        <p:strVal val="visible"/>
+                                      </p:to>
+                                    </p:set>
+                                  </p:childTnLst>
+                                </p:cTn>
+                              </p:par>
+                            </p:childTnLst>
+                          </p:cTn>
+                        </p:par>
+                      </p:childTnLst>
+                    </p:cTn>
+                  </p:par>
+                  <p:par>
+                    <p:cTn id="15" fill="hold">
+                      <p:stCondLst>
+                        <p:cond delay="indefinite"/>
+                      </p:stCondLst>
+                      <p:childTnLst>
+                        <p:par>
+                          <p:cTn id="16" fill="hold">
+                            <p:stCondLst>
+                              <p:cond delay="0"/>
+                            </p:stCondLst>
+                            <p:childTnLst>
+                              <p:par>
+                                <p:cTn id="17" presetID="1" presetClass="entr" presetSubtype="0" fill="hold" nodeType="clickEffect">
+                                  <p:stCondLst>
+                                    <p:cond delay="0"/>
+                                  </p:stCondLst>
+                                  <p:childTnLst>
+                                    <p:set>
+                                      <p:cBhvr>
+                                        <p:cTn id="18" dur="1" fill="hold">
+                                          <p:stCondLst>
+                                            <p:cond delay="0"/>
+                                          </p:stCondLst>
+                                        </p:cTn>
+                                        <p:tgtEl>
+                                          <p:spTgt spid="3">
+                                            <p:txEl>
+                                              <p:pRg st="3" end="3"/>
+                                            </p:txEl>
+                                          </p:spTgt>
+                                        </p:tgtEl>
+                                        <p:attrNameLst>
+                                          <p:attrName>style.visibility</p:attrName>
+                                        </p:attrNameLst>
+                                      </p:cBhvr>
+                                      <p:to>
+                                        <p:strVal val="visible"/>
+                                      </p:to>
+                                    </p:set>
+                                  </p:childTnLst>
+                                </p:cTn>
+                              </p:par>
+                            </p:childTnLst>
+                          </p:cTn>
+                        </p:par>
+                      </p:childTnLst>
+                    </p:cTn>
+                  </p:par>
+                  <p:par>
+                    <p:cTn id="19" fill="hold">
+                      <p:stCondLst>
+                        <p:cond delay="indefinite"/>
+                      </p:stCondLst>
+                      <p:childTnLst>
+                        <p:par>
+                          <p:cTn id="20" fill="hold">
+                            <p:stCondLst>
+                              <p:cond delay="0"/>
+                            </p:stCondLst>
+                            <p:childTnLst>
+                              <p:par>
+                                <p:cTn id="21" presetID="1" presetClass="entr" presetSubtype="0" fill="hold" nodeType="clickEffect">
+                                  <p:stCondLst>
+                                    <p:cond delay="0"/>
+                                  </p:stCondLst>
+                                  <p:childTnLst>
+                                    <p:set>
+                                      <p:cBhvr>
+                                        <p:cTn id="22" dur="1" fill="hold">
+                                          <p:stCondLst>
+                                            <p:cond delay="0"/>
+                                          </p:stCondLst>
+                                        </p:cTn>
+                                        <p:tgtEl>
+                                          <p:spTgt spid="3">
+                                            <p:txEl>
+                                              <p:pRg st="5" end="5"/>
+                                            </p:txEl>
+                                          </p:spTgt>
+                                        </p:tgtEl>
+                                        <p:attrNameLst>
+                                          <p:attrName>style.visibility</p:attrName>
+                                        </p:attrNameLst>
+                                      </p:cBhvr>
+                                      <p:to>
+                                        <p:strVal val="visible"/>
+                                      </p:to>
+                                    </p:set>
+                                  </p:childTnLst>
+                                </p:cTn>
+                              </p:par>
+                            </p:childTnLst>
+                          </p:cTn>
+                        </p:par>
+                      </p:childTnLst>
+                    </p:cTn>
+                  </p:par>
+                </p:childTnLst>
+              </p:cTn>
+              <p:prevCondLst>
+                <p:cond evt="onPrev" delay="0">
+                  <p:tgtEl>
+                    <p:sldTgt/>
+                  </p:tgtEl>
+                </p:cond>
+              </p:prevCondLst>
+              <p:nextCondLst>
+                <p:cond evt="onNext" delay="0">
+                  <p:tgtEl>
+                    <p:sldTgt/>
+                  </p:tgtEl>
+                </p:cond>
+              </p:nextCondLst>
+            </p:seq>
+          </p:childTnLst>
+        </p:cTn>
+      </p:par>
+    </p:tnLst>
+  </p:timing>
+</p:sld>
+</file>
+
+<file path=ppt/slides/slide3.xml><?xml version="1.0" encoding="utf-8"?>
+<p:sld xmlns:a="http://schemas.openxmlformats.org/drawingml/2006/main" xmlns:r="http://schemas.openxmlformats.org/officeDocument/2006/relationships" xmlns:p="http://schemas.openxmlformats.org/presentationml/2006/main">
   <p:cSld>
     <p:spTree>
       <p:nvGrpSpPr>
@@ -7830,15 +9597,19 @@
                   <a:buNone/>
                 </a:pPr>
                 <a:r>
+                  <a:rPr lang="en-US" b="1" dirty="0"/>
+                  <a:t>Model-based approaches</a:t>
+                </a:r>
+                <a:r>
                   <a:rPr lang="en-US" dirty="0"/>
-                  <a:t>Models for the environment and the reward are known </a:t>
+                  <a:t>: Transition and reward model </a:t>
                 </a:r>
                 <a:br>
                   <a:rPr lang="en-US" dirty="0"/>
                 </a:br>
                 <a:r>
                   <a:rPr lang="en-US" dirty="0"/>
-                  <a:t>(and states evolve Markovian)</a:t>
+                  <a:t>are known.</a:t>
                 </a:r>
               </a:p>
               <a:p>
@@ -7864,7 +9635,7 @@
                   <a:buNone/>
                 </a:pPr>
                 <a:r>
-                  <a:rPr lang="en-US" dirty="0"/>
+                  <a:rPr lang="en-US" b="1" dirty="0"/>
                   <a:t>Model-free approaches</a:t>
                 </a:r>
               </a:p>
@@ -8143,304 +9914,346 @@
           </p:txBody>
         </p:sp>
       </p:grpSp>
-      <mc:AlternateContent xmlns:mc="http://schemas.openxmlformats.org/markup-compatibility/2006" xmlns:a14="http://schemas.microsoft.com/office/drawing/2010/main">
-        <mc:Choice Requires="a14">
-          <p:sp>
-            <p:nvSpPr>
-              <p:cNvPr id="8" name="TextBox 7">
-                <a:extLst>
-                  <a:ext uri="{FF2B5EF4-FFF2-40B4-BE49-F238E27FC236}">
-                    <a16:creationId xmlns:a16="http://schemas.microsoft.com/office/drawing/2014/main" id="{B4AB043C-627B-4223-9FBB-9CFEBF008B94}"/>
-                  </a:ext>
-                  <a:ext uri="{C183D7F6-B498-43B3-948B-1728B52AA6E4}">
-                    <adec:decorative xmlns:adec="http://schemas.microsoft.com/office/drawing/2017/decorative" val="1"/>
-                  </a:ext>
-                </a:extLst>
-              </p:cNvPr>
-              <p:cNvSpPr txBox="1"/>
-              <p:nvPr/>
-            </p:nvSpPr>
-            <p:spPr>
-              <a:xfrm>
-                <a:off x="6553200" y="4405312"/>
-                <a:ext cx="2362200" cy="923330"/>
-              </a:xfrm>
-              <a:prstGeom prst="rect">
-                <a:avLst/>
-              </a:prstGeom>
-              <a:noFill/>
-            </p:spPr>
-            <p:txBody>
-              <a:bodyPr wrap="square" rtlCol="0">
-                <a:spAutoFit/>
-              </a:bodyPr>
-              <a:lstStyle/>
-              <a:p>
-                <a:r>
-                  <a:rPr lang="en-US" dirty="0"/>
-                  <a:t>Dynamic Programming</a:t>
-                </a:r>
-              </a:p>
-              <a:p>
-                <a:pPr marL="285750" indent="-285750">
-                  <a:buFont typeface="Arial" panose="020B0604020202020204" pitchFamily="34" charset="0"/>
-                  <a:buChar char="•"/>
-                </a:pPr>
-                <a:r>
-                  <a:rPr lang="en-US" dirty="0"/>
-                  <a:t>Value iteration </a:t>
-                </a:r>
-                <a14:m>
-                  <m:oMath xmlns:m="http://schemas.openxmlformats.org/officeDocument/2006/math">
-                    <m:r>
-                      <a:rPr lang="en-US" i="1" dirty="0" smtClean="0">
-                        <a:latin typeface="Cambria Math" panose="02040503050406030204" pitchFamily="18" charset="0"/>
-                      </a:rPr>
-                      <m:t>𝑉</m:t>
-                    </m:r>
-                    <m:r>
-                      <a:rPr lang="en-US" i="1" dirty="0" smtClean="0">
-                        <a:latin typeface="Cambria Math" panose="02040503050406030204" pitchFamily="18" charset="0"/>
-                      </a:rPr>
-                      <m:t>(</m:t>
-                    </m:r>
-                    <m:r>
-                      <a:rPr lang="en-US" i="1" dirty="0" smtClean="0">
-                        <a:latin typeface="Cambria Math" panose="02040503050406030204" pitchFamily="18" charset="0"/>
-                      </a:rPr>
-                      <m:t>𝑠</m:t>
-                    </m:r>
-                    <m:r>
-                      <a:rPr lang="en-US" i="1" dirty="0" smtClean="0">
-                        <a:latin typeface="Cambria Math" panose="02040503050406030204" pitchFamily="18" charset="0"/>
-                      </a:rPr>
-                      <m:t>)</m:t>
-                    </m:r>
-                  </m:oMath>
-                </a14:m>
-                <a:endParaRPr lang="en-US" dirty="0"/>
-              </a:p>
-              <a:p>
-                <a:pPr marL="285750" indent="-285750">
-                  <a:buFont typeface="Arial" panose="020B0604020202020204" pitchFamily="34" charset="0"/>
-                  <a:buChar char="•"/>
-                </a:pPr>
-                <a:r>
-                  <a:rPr lang="en-US" dirty="0"/>
-                  <a:t>Policy iteration </a:t>
-                </a:r>
-                <a14:m>
-                  <m:oMath xmlns:m="http://schemas.openxmlformats.org/officeDocument/2006/math">
-                    <m:r>
-                      <a:rPr lang="en-US" b="0" i="1" smtClean="0">
-                        <a:latin typeface="Cambria Math" panose="02040503050406030204" pitchFamily="18" charset="0"/>
-                      </a:rPr>
-                      <m:t>𝜋</m:t>
-                    </m:r>
-                    <m:d>
-                      <m:dPr>
-                        <m:ctrlPr>
-                          <a:rPr lang="en-US" b="0" i="1" smtClean="0">
-                            <a:latin typeface="Cambria Math" panose="02040503050406030204" pitchFamily="18" charset="0"/>
-                          </a:rPr>
-                        </m:ctrlPr>
-                      </m:dPr>
-                      <m:e>
-                        <m:r>
-                          <a:rPr lang="en-US" b="0" i="1" smtClean="0">
-                            <a:latin typeface="Cambria Math" panose="02040503050406030204" pitchFamily="18" charset="0"/>
-                          </a:rPr>
-                          <m:t>𝑠</m:t>
-                        </m:r>
-                      </m:e>
-                    </m:d>
-                  </m:oMath>
-                </a14:m>
-                <a:endParaRPr lang="en-US" dirty="0"/>
-              </a:p>
-            </p:txBody>
-          </p:sp>
-        </mc:Choice>
-        <mc:Fallback xmlns="">
-          <p:sp>
-            <p:nvSpPr>
-              <p:cNvPr id="8" name="TextBox 7">
-                <a:extLst>
-                  <a:ext uri="{FF2B5EF4-FFF2-40B4-BE49-F238E27FC236}">
-                    <a16:creationId xmlns:a16="http://schemas.microsoft.com/office/drawing/2014/main" id="{B4AB043C-627B-4223-9FBB-9CFEBF008B94}"/>
-                  </a:ext>
-                  <a:ext uri="{C183D7F6-B498-43B3-948B-1728B52AA6E4}">
-                    <adec:decorative xmlns:adec="http://schemas.microsoft.com/office/drawing/2017/decorative" val="1"/>
-                  </a:ext>
-                </a:extLst>
-              </p:cNvPr>
-              <p:cNvSpPr txBox="1">
-                <a:spLocks noRot="1" noChangeAspect="1" noMove="1" noResize="1" noEditPoints="1" noAdjustHandles="1" noChangeArrowheads="1" noChangeShapeType="1" noTextEdit="1"/>
-              </p:cNvSpPr>
-              <p:nvPr/>
-            </p:nvSpPr>
-            <p:spPr>
-              <a:xfrm>
-                <a:off x="6553200" y="4405312"/>
-                <a:ext cx="2362200" cy="923330"/>
-              </a:xfrm>
-              <a:prstGeom prst="rect">
-                <a:avLst/>
-              </a:prstGeom>
-              <a:blipFill>
-                <a:blip r:embed="rId8"/>
-                <a:stretch>
-                  <a:fillRect l="-2062" t="-3974" b="-9934"/>
-                </a:stretch>
-              </a:blipFill>
-            </p:spPr>
-            <p:txBody>
-              <a:bodyPr/>
-              <a:lstStyle/>
-              <a:p>
-                <a:r>
-                  <a:rPr lang="en-US">
-                    <a:noFill/>
-                  </a:rPr>
-                  <a:t> </a:t>
-                </a:r>
-              </a:p>
-            </p:txBody>
-          </p:sp>
-        </mc:Fallback>
-      </mc:AlternateContent>
-      <p:sp>
-        <p:nvSpPr>
-          <p:cNvPr id="9" name="Right Brace 8">
+      <p:grpSp>
+        <p:nvGrpSpPr>
+          <p:cNvPr id="11" name="Group 10">
             <a:extLst>
               <a:ext uri="{FF2B5EF4-FFF2-40B4-BE49-F238E27FC236}">
-                <a16:creationId xmlns:a16="http://schemas.microsoft.com/office/drawing/2014/main" id="{5FD2D485-81C6-4FCB-8331-D31C753D63D5}"/>
-              </a:ext>
-              <a:ext uri="{C183D7F6-B498-43B3-948B-1728B52AA6E4}">
-                <adec:decorative xmlns:adec="http://schemas.microsoft.com/office/drawing/2017/decorative" val="1"/>
+                <a16:creationId xmlns:a16="http://schemas.microsoft.com/office/drawing/2014/main" id="{BBC70424-72B5-E395-E0DC-E475F17092A4}"/>
               </a:ext>
             </a:extLst>
           </p:cNvPr>
-          <p:cNvSpPr/>
+          <p:cNvGrpSpPr/>
           <p:nvPr/>
-        </p:nvSpPr>
-        <p:spPr>
+        </p:nvGrpSpPr>
+        <p:grpSpPr>
           <a:xfrm>
             <a:off x="6172200" y="4405312"/>
-            <a:ext cx="304800" cy="928688"/>
+            <a:ext cx="2743200" cy="928688"/>
+            <a:chOff x="6172200" y="4405312"/>
+            <a:chExt cx="2743200" cy="928688"/>
           </a:xfrm>
-          <a:prstGeom prst="rightBrace">
-            <a:avLst/>
-          </a:prstGeom>
-        </p:spPr>
-        <p:style>
-          <a:lnRef idx="1">
-            <a:schemeClr val="accent1"/>
-          </a:lnRef>
-          <a:fillRef idx="0">
-            <a:schemeClr val="accent1"/>
-          </a:fillRef>
-          <a:effectRef idx="0">
-            <a:schemeClr val="accent1"/>
-          </a:effectRef>
-          <a:fontRef idx="minor">
-            <a:schemeClr val="tx1"/>
-          </a:fontRef>
-        </p:style>
-        <p:txBody>
-          <a:bodyPr rtlCol="0" anchor="ctr"/>
-          <a:lstStyle/>
-          <a:p>
-            <a:pPr algn="ctr"/>
-            <a:endParaRPr lang="en-US"/>
-          </a:p>
-        </p:txBody>
-      </p:sp>
-      <p:sp>
-        <p:nvSpPr>
-          <p:cNvPr id="12" name="Right Brace 11">
+        </p:grpSpPr>
+        <mc:AlternateContent xmlns:mc="http://schemas.openxmlformats.org/markup-compatibility/2006" xmlns:a14="http://schemas.microsoft.com/office/drawing/2010/main">
+          <mc:Choice Requires="a14">
+            <p:sp>
+              <p:nvSpPr>
+                <p:cNvPr id="8" name="TextBox 7">
+                  <a:extLst>
+                    <a:ext uri="{FF2B5EF4-FFF2-40B4-BE49-F238E27FC236}">
+                      <a16:creationId xmlns:a16="http://schemas.microsoft.com/office/drawing/2014/main" id="{B4AB043C-627B-4223-9FBB-9CFEBF008B94}"/>
+                    </a:ext>
+                    <a:ext uri="{C183D7F6-B498-43B3-948B-1728B52AA6E4}">
+                      <adec:decorative xmlns:adec="http://schemas.microsoft.com/office/drawing/2017/decorative" val="1"/>
+                    </a:ext>
+                  </a:extLst>
+                </p:cNvPr>
+                <p:cNvSpPr txBox="1"/>
+                <p:nvPr/>
+              </p:nvSpPr>
+              <p:spPr>
+                <a:xfrm>
+                  <a:off x="6553200" y="4405312"/>
+                  <a:ext cx="2362200" cy="923330"/>
+                </a:xfrm>
+                <a:prstGeom prst="rect">
+                  <a:avLst/>
+                </a:prstGeom>
+                <a:noFill/>
+              </p:spPr>
+              <p:txBody>
+                <a:bodyPr wrap="square" rtlCol="0">
+                  <a:spAutoFit/>
+                </a:bodyPr>
+                <a:lstStyle/>
+                <a:p>
+                  <a:r>
+                    <a:rPr lang="en-US" dirty="0"/>
+                    <a:t>Dynamic Programming</a:t>
+                  </a:r>
+                </a:p>
+                <a:p>
+                  <a:pPr marL="285750" indent="-285750">
+                    <a:buFont typeface="Arial" panose="020B0604020202020204" pitchFamily="34" charset="0"/>
+                    <a:buChar char="•"/>
+                  </a:pPr>
+                  <a:r>
+                    <a:rPr lang="en-US" dirty="0"/>
+                    <a:t>Value iteration </a:t>
+                  </a:r>
+                  <a14:m>
+                    <m:oMath xmlns:m="http://schemas.openxmlformats.org/officeDocument/2006/math">
+                      <m:r>
+                        <a:rPr lang="en-US" i="1" dirty="0" smtClean="0">
+                          <a:latin typeface="Cambria Math" panose="02040503050406030204" pitchFamily="18" charset="0"/>
+                        </a:rPr>
+                        <m:t>𝑉</m:t>
+                      </m:r>
+                      <m:r>
+                        <a:rPr lang="en-US" i="1" dirty="0" smtClean="0">
+                          <a:latin typeface="Cambria Math" panose="02040503050406030204" pitchFamily="18" charset="0"/>
+                        </a:rPr>
+                        <m:t>(</m:t>
+                      </m:r>
+                      <m:r>
+                        <a:rPr lang="en-US" i="1" dirty="0" smtClean="0">
+                          <a:latin typeface="Cambria Math" panose="02040503050406030204" pitchFamily="18" charset="0"/>
+                        </a:rPr>
+                        <m:t>𝑠</m:t>
+                      </m:r>
+                      <m:r>
+                        <a:rPr lang="en-US" i="1" dirty="0" smtClean="0">
+                          <a:latin typeface="Cambria Math" panose="02040503050406030204" pitchFamily="18" charset="0"/>
+                        </a:rPr>
+                        <m:t>)</m:t>
+                      </m:r>
+                    </m:oMath>
+                  </a14:m>
+                  <a:endParaRPr lang="en-US" dirty="0"/>
+                </a:p>
+                <a:p>
+                  <a:pPr marL="285750" indent="-285750">
+                    <a:buFont typeface="Arial" panose="020B0604020202020204" pitchFamily="34" charset="0"/>
+                    <a:buChar char="•"/>
+                  </a:pPr>
+                  <a:r>
+                    <a:rPr lang="en-US" dirty="0"/>
+                    <a:t>Policy iteration </a:t>
+                  </a:r>
+                  <a14:m>
+                    <m:oMath xmlns:m="http://schemas.openxmlformats.org/officeDocument/2006/math">
+                      <m:r>
+                        <a:rPr lang="en-US" b="0" i="1" smtClean="0">
+                          <a:latin typeface="Cambria Math" panose="02040503050406030204" pitchFamily="18" charset="0"/>
+                        </a:rPr>
+                        <m:t>𝜋</m:t>
+                      </m:r>
+                      <m:d>
+                        <m:dPr>
+                          <m:ctrlPr>
+                            <a:rPr lang="en-US" b="0" i="1" smtClean="0">
+                              <a:latin typeface="Cambria Math" panose="02040503050406030204" pitchFamily="18" charset="0"/>
+                            </a:rPr>
+                          </m:ctrlPr>
+                        </m:dPr>
+                        <m:e>
+                          <m:r>
+                            <a:rPr lang="en-US" b="0" i="1" smtClean="0">
+                              <a:latin typeface="Cambria Math" panose="02040503050406030204" pitchFamily="18" charset="0"/>
+                            </a:rPr>
+                            <m:t>𝑠</m:t>
+                          </m:r>
+                        </m:e>
+                      </m:d>
+                    </m:oMath>
+                  </a14:m>
+                  <a:endParaRPr lang="en-US" dirty="0"/>
+                </a:p>
+              </p:txBody>
+            </p:sp>
+          </mc:Choice>
+          <mc:Fallback xmlns="">
+            <p:sp>
+              <p:nvSpPr>
+                <p:cNvPr id="8" name="TextBox 7">
+                  <a:extLst>
+                    <a:ext uri="{FF2B5EF4-FFF2-40B4-BE49-F238E27FC236}">
+                      <a16:creationId xmlns:a16="http://schemas.microsoft.com/office/drawing/2014/main" id="{B4AB043C-627B-4223-9FBB-9CFEBF008B94}"/>
+                    </a:ext>
+                    <a:ext uri="{C183D7F6-B498-43B3-948B-1728B52AA6E4}">
+                      <adec:decorative xmlns:adec="http://schemas.microsoft.com/office/drawing/2017/decorative" val="1"/>
+                    </a:ext>
+                  </a:extLst>
+                </p:cNvPr>
+                <p:cNvSpPr txBox="1">
+                  <a:spLocks noRot="1" noChangeAspect="1" noMove="1" noResize="1" noEditPoints="1" noAdjustHandles="1" noChangeArrowheads="1" noChangeShapeType="1" noTextEdit="1"/>
+                </p:cNvSpPr>
+                <p:nvPr/>
+              </p:nvSpPr>
+              <p:spPr>
+                <a:xfrm>
+                  <a:off x="6553200" y="4405312"/>
+                  <a:ext cx="2362200" cy="923330"/>
+                </a:xfrm>
+                <a:prstGeom prst="rect">
+                  <a:avLst/>
+                </a:prstGeom>
+                <a:blipFill>
+                  <a:blip r:embed="rId8"/>
+                  <a:stretch>
+                    <a:fillRect l="-2062" t="-3974" b="-9934"/>
+                  </a:stretch>
+                </a:blipFill>
+              </p:spPr>
+              <p:txBody>
+                <a:bodyPr/>
+                <a:lstStyle/>
+                <a:p>
+                  <a:r>
+                    <a:rPr lang="en-US">
+                      <a:noFill/>
+                    </a:rPr>
+                    <a:t> </a:t>
+                  </a:r>
+                </a:p>
+              </p:txBody>
+            </p:sp>
+          </mc:Fallback>
+        </mc:AlternateContent>
+        <p:sp>
+          <p:nvSpPr>
+            <p:cNvPr id="9" name="Right Brace 8">
+              <a:extLst>
+                <a:ext uri="{FF2B5EF4-FFF2-40B4-BE49-F238E27FC236}">
+                  <a16:creationId xmlns:a16="http://schemas.microsoft.com/office/drawing/2014/main" id="{5FD2D485-81C6-4FCB-8331-D31C753D63D5}"/>
+                </a:ext>
+                <a:ext uri="{C183D7F6-B498-43B3-948B-1728B52AA6E4}">
+                  <adec:decorative xmlns:adec="http://schemas.microsoft.com/office/drawing/2017/decorative" val="1"/>
+                </a:ext>
+              </a:extLst>
+            </p:cNvPr>
+            <p:cNvSpPr/>
+            <p:nvPr/>
+          </p:nvSpPr>
+          <p:spPr>
+            <a:xfrm>
+              <a:off x="6172200" y="4405312"/>
+              <a:ext cx="304800" cy="928688"/>
+            </a:xfrm>
+            <a:prstGeom prst="rightBrace">
+              <a:avLst/>
+            </a:prstGeom>
+          </p:spPr>
+          <p:style>
+            <a:lnRef idx="1">
+              <a:schemeClr val="accent1"/>
+            </a:lnRef>
+            <a:fillRef idx="0">
+              <a:schemeClr val="accent1"/>
+            </a:fillRef>
+            <a:effectRef idx="0">
+              <a:schemeClr val="accent1"/>
+            </a:effectRef>
+            <a:fontRef idx="minor">
+              <a:schemeClr val="tx1"/>
+            </a:fontRef>
+          </p:style>
+          <p:txBody>
+            <a:bodyPr rtlCol="0" anchor="ctr"/>
+            <a:lstStyle/>
+            <a:p>
+              <a:pPr algn="ctr"/>
+              <a:endParaRPr lang="en-US"/>
+            </a:p>
+          </p:txBody>
+        </p:sp>
+      </p:grpSp>
+      <p:grpSp>
+        <p:nvGrpSpPr>
+          <p:cNvPr id="14" name="Group 13">
             <a:extLst>
               <a:ext uri="{FF2B5EF4-FFF2-40B4-BE49-F238E27FC236}">
-                <a16:creationId xmlns:a16="http://schemas.microsoft.com/office/drawing/2014/main" id="{29E05AC2-9D70-44DB-B55D-27C246E5DEC5}"/>
-              </a:ext>
-              <a:ext uri="{C183D7F6-B498-43B3-948B-1728B52AA6E4}">
-                <adec:decorative xmlns:adec="http://schemas.microsoft.com/office/drawing/2017/decorative" val="1"/>
+                <a16:creationId xmlns:a16="http://schemas.microsoft.com/office/drawing/2014/main" id="{163A83F6-24E0-E4B8-95AB-75A5A7091BB6}"/>
               </a:ext>
             </a:extLst>
           </p:cNvPr>
-          <p:cNvSpPr/>
+          <p:cNvGrpSpPr/>
           <p:nvPr/>
-        </p:nvSpPr>
-        <p:spPr>
+        </p:nvGrpSpPr>
+        <p:grpSpPr>
           <a:xfrm>
             <a:off x="6172200" y="5595999"/>
-            <a:ext cx="304800" cy="928688"/>
+            <a:ext cx="2783623" cy="928688"/>
+            <a:chOff x="6172200" y="5595999"/>
+            <a:chExt cx="2783623" cy="928688"/>
           </a:xfrm>
-          <a:prstGeom prst="rightBrace">
-            <a:avLst/>
-          </a:prstGeom>
-        </p:spPr>
-        <p:style>
-          <a:lnRef idx="1">
-            <a:schemeClr val="accent1"/>
-          </a:lnRef>
-          <a:fillRef idx="0">
-            <a:schemeClr val="accent1"/>
-          </a:fillRef>
-          <a:effectRef idx="0">
-            <a:schemeClr val="accent1"/>
-          </a:effectRef>
-          <a:fontRef idx="minor">
-            <a:schemeClr val="tx1"/>
-          </a:fontRef>
-        </p:style>
-        <p:txBody>
-          <a:bodyPr rtlCol="0" anchor="ctr"/>
-          <a:lstStyle/>
-          <a:p>
-            <a:pPr algn="ctr"/>
-            <a:endParaRPr lang="en-US"/>
-          </a:p>
-        </p:txBody>
-      </p:sp>
-      <p:sp>
-        <p:nvSpPr>
-          <p:cNvPr id="13" name="TextBox 12">
-            <a:extLst>
-              <a:ext uri="{FF2B5EF4-FFF2-40B4-BE49-F238E27FC236}">
-                <a16:creationId xmlns:a16="http://schemas.microsoft.com/office/drawing/2014/main" id="{A7A3BE0A-0660-4AC4-A690-636A43E3A4DF}"/>
-              </a:ext>
-              <a:ext uri="{C183D7F6-B498-43B3-948B-1728B52AA6E4}">
-                <adec:decorative xmlns:adec="http://schemas.microsoft.com/office/drawing/2017/decorative" val="1"/>
-              </a:ext>
-            </a:extLst>
-          </p:cNvPr>
-          <p:cNvSpPr txBox="1"/>
-          <p:nvPr/>
-        </p:nvSpPr>
-        <p:spPr>
-          <a:xfrm>
-            <a:off x="6593623" y="5875677"/>
-            <a:ext cx="2362200" cy="369332"/>
-          </a:xfrm>
-          <a:prstGeom prst="rect">
-            <a:avLst/>
-          </a:prstGeom>
-          <a:noFill/>
-        </p:spPr>
-        <p:txBody>
-          <a:bodyPr wrap="square" rtlCol="0">
-            <a:spAutoFit/>
-          </a:bodyPr>
-          <a:lstStyle/>
-          <a:p>
-            <a:r>
-              <a:rPr lang="en-US" dirty="0"/>
-              <a:t>Learn iteratively</a:t>
-            </a:r>
-          </a:p>
-        </p:txBody>
-      </p:sp>
+        </p:grpSpPr>
+        <p:sp>
+          <p:nvSpPr>
+            <p:cNvPr id="12" name="Right Brace 11">
+              <a:extLst>
+                <a:ext uri="{FF2B5EF4-FFF2-40B4-BE49-F238E27FC236}">
+                  <a16:creationId xmlns:a16="http://schemas.microsoft.com/office/drawing/2014/main" id="{29E05AC2-9D70-44DB-B55D-27C246E5DEC5}"/>
+                </a:ext>
+                <a:ext uri="{C183D7F6-B498-43B3-948B-1728B52AA6E4}">
+                  <adec:decorative xmlns:adec="http://schemas.microsoft.com/office/drawing/2017/decorative" val="1"/>
+                </a:ext>
+              </a:extLst>
+            </p:cNvPr>
+            <p:cNvSpPr/>
+            <p:nvPr/>
+          </p:nvSpPr>
+          <p:spPr>
+            <a:xfrm>
+              <a:off x="6172200" y="5595999"/>
+              <a:ext cx="304800" cy="928688"/>
+            </a:xfrm>
+            <a:prstGeom prst="rightBrace">
+              <a:avLst/>
+            </a:prstGeom>
+          </p:spPr>
+          <p:style>
+            <a:lnRef idx="1">
+              <a:schemeClr val="accent1"/>
+            </a:lnRef>
+            <a:fillRef idx="0">
+              <a:schemeClr val="accent1"/>
+            </a:fillRef>
+            <a:effectRef idx="0">
+              <a:schemeClr val="accent1"/>
+            </a:effectRef>
+            <a:fontRef idx="minor">
+              <a:schemeClr val="tx1"/>
+            </a:fontRef>
+          </p:style>
+          <p:txBody>
+            <a:bodyPr rtlCol="0" anchor="ctr"/>
+            <a:lstStyle/>
+            <a:p>
+              <a:pPr algn="ctr"/>
+              <a:endParaRPr lang="en-US"/>
+            </a:p>
+          </p:txBody>
+        </p:sp>
+        <p:sp>
+          <p:nvSpPr>
+            <p:cNvPr id="13" name="TextBox 12">
+              <a:extLst>
+                <a:ext uri="{FF2B5EF4-FFF2-40B4-BE49-F238E27FC236}">
+                  <a16:creationId xmlns:a16="http://schemas.microsoft.com/office/drawing/2014/main" id="{A7A3BE0A-0660-4AC4-A690-636A43E3A4DF}"/>
+                </a:ext>
+                <a:ext uri="{C183D7F6-B498-43B3-948B-1728B52AA6E4}">
+                  <adec:decorative xmlns:adec="http://schemas.microsoft.com/office/drawing/2017/decorative" val="1"/>
+                </a:ext>
+              </a:extLst>
+            </p:cNvPr>
+            <p:cNvSpPr txBox="1"/>
+            <p:nvPr/>
+          </p:nvSpPr>
+          <p:spPr>
+            <a:xfrm>
+              <a:off x="6593623" y="5875677"/>
+              <a:ext cx="2362200" cy="369332"/>
+            </a:xfrm>
+            <a:prstGeom prst="rect">
+              <a:avLst/>
+            </a:prstGeom>
+            <a:noFill/>
+          </p:spPr>
+          <p:txBody>
+            <a:bodyPr wrap="square" rtlCol="0">
+              <a:spAutoFit/>
+            </a:bodyPr>
+            <a:lstStyle/>
+            <a:p>
+              <a:r>
+                <a:rPr lang="en-US" dirty="0"/>
+                <a:t>Learn iteratively</a:t>
+              </a:r>
+            </a:p>
+          </p:txBody>
+        </p:sp>
+      </p:grpSp>
     </p:spTree>
     <p:extLst>
       <p:ext uri="{BB962C8B-B14F-4D97-AF65-F5344CB8AC3E}">
@@ -8454,7 +10267,7 @@
 </p:sld>
 </file>
 
-<file path=ppt/slides/slide3.xml><?xml version="1.0" encoding="utf-8"?>
+<file path=ppt/slides/slide4.xml><?xml version="1.0" encoding="utf-8"?>
 <p:sld xmlns:a="http://schemas.openxmlformats.org/drawingml/2006/main" xmlns:r="http://schemas.openxmlformats.org/officeDocument/2006/relationships" xmlns:p="http://schemas.openxmlformats.org/presentationml/2006/main">
   <p:cSld>
     <p:spTree>
@@ -8536,8 +10349,12 @@
               <a:buNone/>
             </a:pPr>
             <a:r>
+              <a:rPr lang="en-US" sz="1800" b="1" dirty="0"/>
+              <a:t>Tasks</a:t>
+            </a:r>
+            <a:r>
               <a:rPr lang="en-US" sz="1800" dirty="0"/>
-              <a:t>Tasks:</a:t>
+              <a:t>:</a:t>
             </a:r>
           </a:p>
           <a:p>
@@ -8569,8 +10386,12 @@
               <a:buNone/>
             </a:pPr>
             <a:r>
+              <a:rPr lang="en-US" sz="1800" b="1" dirty="0"/>
+              <a:t>Techniques</a:t>
+            </a:r>
+            <a:r>
               <a:rPr lang="en-US" sz="1800" dirty="0"/>
-              <a:t>Techniques:</a:t>
+              <a:t>:</a:t>
             </a:r>
           </a:p>
           <a:p>
@@ -8803,7 +10624,7 @@
 </p:sld>
 </file>
 
-<file path=ppt/slides/slide4.xml><?xml version="1.0" encoding="utf-8"?>
+<file path=ppt/slides/slide5.xml><?xml version="1.0" encoding="utf-8"?>
 <p:sld xmlns:a="http://schemas.openxmlformats.org/drawingml/2006/main" xmlns:r="http://schemas.openxmlformats.org/officeDocument/2006/relationships" xmlns:p="http://schemas.openxmlformats.org/presentationml/2006/main">
   <p:cSld>
     <p:bg>
@@ -9009,7 +10830,11 @@
           <a:p>
             <a:r>
               <a:rPr lang="en-US" sz="1600" dirty="0"/>
-              <a:t>Uses Deep Convolutional Neural Networks</a:t>
+              <a:t>Uses </a:t>
+            </a:r>
+            <a:r>
+              <a:rPr lang="en-US" sz="1600" b="1" dirty="0"/>
+              <a:t>Deep Convolutional Neural Networks</a:t>
             </a:r>
           </a:p>
         </p:txBody>
@@ -9080,7 +10905,7 @@
 </p:sld>
 </file>
 
-<file path=ppt/slides/slide5.xml><?xml version="1.0" encoding="utf-8"?>
+<file path=ppt/slides/slide6.xml><?xml version="1.0" encoding="utf-8"?>
 <p:sld xmlns:a="http://schemas.openxmlformats.org/drawingml/2006/main" xmlns:r="http://schemas.openxmlformats.org/officeDocument/2006/relationships" xmlns:p="http://schemas.openxmlformats.org/presentationml/2006/main">
   <p:cSld>
     <p:bg>
@@ -9511,7 +11336,7 @@
 </p:sld>
 </file>
 
-<file path=ppt/slides/slide6.xml><?xml version="1.0" encoding="utf-8"?>
+<file path=ppt/slides/slide7.xml><?xml version="1.0" encoding="utf-8"?>
 <p:sld xmlns:a="http://schemas.openxmlformats.org/drawingml/2006/main" xmlns:r="http://schemas.openxmlformats.org/officeDocument/2006/relationships" xmlns:p="http://schemas.openxmlformats.org/presentationml/2006/main">
   <p:cSld>
     <p:bg>
@@ -9906,7 +11731,7 @@
 </p:sld>
 </file>
 
-<file path=ppt/slides/slide7.xml><?xml version="1.0" encoding="utf-8"?>
+<file path=ppt/slides/slide8.xml><?xml version="1.0" encoding="utf-8"?>
 <p:sld xmlns:a="http://schemas.openxmlformats.org/drawingml/2006/main" xmlns:r="http://schemas.openxmlformats.org/officeDocument/2006/relationships" xmlns:p="http://schemas.openxmlformats.org/presentationml/2006/main">
   <p:cSld>
     <p:bg>
